--- a/Middleware/Middleware.pptx
+++ b/Middleware/Middleware.pptx
@@ -5,7 +5,7 @@
     <p:sldMasterId id="2147483648" r:id="rId1"/>
   </p:sldMasterIdLst>
   <p:notesMasterIdLst>
-    <p:notesMasterId r:id="rId31"/>
+    <p:notesMasterId r:id="rId32"/>
   </p:notesMasterIdLst>
   <p:sldIdLst>
     <p:sldId id="256" r:id="rId2"/>
@@ -22,21 +22,22 @@
     <p:sldId id="295" r:id="rId13"/>
     <p:sldId id="296" r:id="rId14"/>
     <p:sldId id="297" r:id="rId15"/>
-    <p:sldId id="301" r:id="rId16"/>
-    <p:sldId id="300" r:id="rId17"/>
-    <p:sldId id="302" r:id="rId18"/>
-    <p:sldId id="303" r:id="rId19"/>
-    <p:sldId id="304" r:id="rId20"/>
-    <p:sldId id="305" r:id="rId21"/>
-    <p:sldId id="306" r:id="rId22"/>
-    <p:sldId id="307" r:id="rId23"/>
-    <p:sldId id="308" r:id="rId24"/>
-    <p:sldId id="310" r:id="rId25"/>
-    <p:sldId id="311" r:id="rId26"/>
-    <p:sldId id="312" r:id="rId27"/>
-    <p:sldId id="309" r:id="rId28"/>
-    <p:sldId id="274" r:id="rId29"/>
-    <p:sldId id="259" r:id="rId30"/>
+    <p:sldId id="300" r:id="rId16"/>
+    <p:sldId id="302" r:id="rId17"/>
+    <p:sldId id="304" r:id="rId18"/>
+    <p:sldId id="305" r:id="rId19"/>
+    <p:sldId id="306" r:id="rId20"/>
+    <p:sldId id="307" r:id="rId21"/>
+    <p:sldId id="308" r:id="rId22"/>
+    <p:sldId id="310" r:id="rId23"/>
+    <p:sldId id="311" r:id="rId24"/>
+    <p:sldId id="312" r:id="rId25"/>
+    <p:sldId id="313" r:id="rId26"/>
+    <p:sldId id="314" r:id="rId27"/>
+    <p:sldId id="315" r:id="rId28"/>
+    <p:sldId id="309" r:id="rId29"/>
+    <p:sldId id="274" r:id="rId30"/>
+    <p:sldId id="259" r:id="rId31"/>
   </p:sldIdLst>
   <p:sldSz cx="12192000" cy="6858000"/>
   <p:notesSz cx="6858000" cy="9144000"/>
@@ -1166,9 +1167,71 @@
               <a:buNone/>
             </a:pPr>
             <a:r>
-              <a:rPr lang="en-US" dirty="0"/>
-              <a:t>Demo case have nested and multi segment ( execute sequentially)</a:t>
+              <a:rPr lang="en-GB" dirty="0"/>
+              <a:t>Map </a:t>
             </a:r>
+            <a:r>
+              <a:rPr lang="en-GB" b="0" i="0" dirty="0">
+                <a:solidFill>
+                  <a:srgbClr val="232629"/>
+                </a:solidFill>
+                <a:effectLst/>
+                <a:latin typeface="-apple-system"/>
+              </a:rPr>
+              <a:t>could branch the request based on match of the specified request path only. </a:t>
+            </a:r>
+            <a:br>
+              <a:rPr lang="en-GB" b="0" i="0" dirty="0">
+                <a:solidFill>
+                  <a:srgbClr val="232629"/>
+                </a:solidFill>
+                <a:effectLst/>
+                <a:latin typeface="-apple-system"/>
+              </a:rPr>
+            </a:br>
+            <a:r>
+              <a:rPr lang="en-GB" b="0" i="0" dirty="0" err="1">
+                <a:solidFill>
+                  <a:srgbClr val="232629"/>
+                </a:solidFill>
+                <a:effectLst/>
+                <a:latin typeface="-apple-system"/>
+              </a:rPr>
+              <a:t>MapWhen</a:t>
+            </a:r>
+            <a:r>
+              <a:rPr lang="en-GB" b="0" i="0" dirty="0">
+                <a:solidFill>
+                  <a:srgbClr val="232629"/>
+                </a:solidFill>
+                <a:effectLst/>
+                <a:latin typeface="-apple-system"/>
+              </a:rPr>
+              <a:t> is more powerful and allows branching the request based on result of specified predicate that operates with current </a:t>
+            </a:r>
+            <a:r>
+              <a:rPr lang="en-GB" dirty="0" err="1"/>
+              <a:t>HttpContext</a:t>
+            </a:r>
+            <a:r>
+              <a:rPr lang="en-GB" b="0" i="0" dirty="0">
+                <a:solidFill>
+                  <a:srgbClr val="232629"/>
+                </a:solidFill>
+                <a:effectLst/>
+                <a:latin typeface="-apple-system"/>
+              </a:rPr>
+              <a:t> object</a:t>
+            </a:r>
+            <a:br>
+              <a:rPr lang="en-GB" b="0" i="0" dirty="0">
+                <a:solidFill>
+                  <a:srgbClr val="232629"/>
+                </a:solidFill>
+                <a:effectLst/>
+                <a:latin typeface="-apple-system"/>
+              </a:rPr>
+            </a:br>
             <a:endParaRPr dirty="0"/>
           </a:p>
         </p:txBody>
@@ -1590,145 +1653,6 @@
               <a:buSzPts val="1100"/>
               <a:buNone/>
             </a:pPr>
-            <a:r>
-              <a:rPr lang="en-US" dirty="0"/>
-              <a:t>Method could accept multiple parameter but </a:t>
-            </a:r>
-            <a:r>
-              <a:rPr lang="en-US" b="1" dirty="0" err="1"/>
-              <a:t>HttpContext</a:t>
-            </a:r>
-            <a:r>
-              <a:rPr lang="en-US" dirty="0"/>
-              <a:t> First</a:t>
-            </a:r>
-            <a:endParaRPr dirty="0"/>
-          </a:p>
-        </p:txBody>
-      </p:sp>
-      <p:sp>
-        <p:nvSpPr>
-          <p:cNvPr id="149" name="Google Shape;149;geea522d09e_0_15:notes"/>
-          <p:cNvSpPr>
-            <a:spLocks noGrp="1" noRot="1" noChangeAspect="1"/>
-          </p:cNvSpPr>
-          <p:nvPr>
-            <p:ph type="sldImg" idx="2"/>
-          </p:nvPr>
-        </p:nvSpPr>
-        <p:spPr>
-          <a:xfrm>
-            <a:off x="381000" y="685800"/>
-            <a:ext cx="6096000" cy="3429000"/>
-          </a:xfrm>
-          <a:custGeom>
-            <a:avLst/>
-            <a:gdLst/>
-            <a:ahLst/>
-            <a:cxnLst/>
-            <a:rect l="l" t="t" r="r" b="b"/>
-            <a:pathLst>
-              <a:path w="120000" h="120000" extrusionOk="0">
-                <a:moveTo>
-                  <a:pt x="0" y="0"/>
-                </a:moveTo>
-                <a:lnTo>
-                  <a:pt x="120000" y="0"/>
-                </a:lnTo>
-                <a:lnTo>
-                  <a:pt x="120000" y="120000"/>
-                </a:lnTo>
-                <a:lnTo>
-                  <a:pt x="0" y="120000"/>
-                </a:lnTo>
-                <a:close/>
-              </a:path>
-            </a:pathLst>
-          </a:custGeom>
-          <a:noFill/>
-          <a:ln w="9525" cap="flat" cmpd="sng">
-            <a:solidFill>
-              <a:srgbClr val="000000"/>
-            </a:solidFill>
-            <a:prstDash val="solid"/>
-            <a:round/>
-            <a:headEnd type="none" w="sm" len="sm"/>
-            <a:tailEnd type="none" w="sm" len="sm"/>
-          </a:ln>
-        </p:spPr>
-      </p:sp>
-    </p:spTree>
-    <p:extLst>
-      <p:ext uri="{BB962C8B-B14F-4D97-AF65-F5344CB8AC3E}">
-        <p14:creationId xmlns:p14="http://schemas.microsoft.com/office/powerpoint/2010/main" val="3677546176"/>
-      </p:ext>
-    </p:extLst>
-  </p:cSld>
-  <p:clrMapOvr>
-    <a:masterClrMapping/>
-  </p:clrMapOvr>
-</p:notes>
-</file>
-
-<file path=ppt/notesSlides/notesSlide15.xml><?xml version="1.0" encoding="utf-8"?>
-<p:notes xmlns:a="http://schemas.openxmlformats.org/drawingml/2006/main" xmlns:r="http://schemas.openxmlformats.org/officeDocument/2006/relationships" xmlns:p="http://schemas.openxmlformats.org/presentationml/2006/main" showMasterSp="0" showMasterPhAnim="0">
-  <p:cSld>
-    <p:spTree>
-      <p:nvGrpSpPr>
-        <p:cNvPr id="1" name="Shape 147"/>
-        <p:cNvGrpSpPr/>
-        <p:nvPr/>
-      </p:nvGrpSpPr>
-      <p:grpSpPr>
-        <a:xfrm>
-          <a:off x="0" y="0"/>
-          <a:ext cx="0" cy="0"/>
-          <a:chOff x="0" y="0"/>
-          <a:chExt cx="0" cy="0"/>
-        </a:xfrm>
-      </p:grpSpPr>
-      <p:sp>
-        <p:nvSpPr>
-          <p:cNvPr id="148" name="Google Shape;148;geea522d09e_0_15:notes"/>
-          <p:cNvSpPr txBox="1">
-            <a:spLocks noGrp="1"/>
-          </p:cNvSpPr>
-          <p:nvPr>
-            <p:ph type="body" idx="1"/>
-          </p:nvPr>
-        </p:nvSpPr>
-        <p:spPr>
-          <a:xfrm>
-            <a:off x="685800" y="4343400"/>
-            <a:ext cx="5486400" cy="4114800"/>
-          </a:xfrm>
-          <a:prstGeom prst="rect">
-            <a:avLst/>
-          </a:prstGeom>
-          <a:noFill/>
-          <a:ln>
-            <a:noFill/>
-          </a:ln>
-        </p:spPr>
-        <p:txBody>
-          <a:bodyPr spcFirstLastPara="1" wrap="square" lIns="91425" tIns="91425" rIns="91425" bIns="91425" anchor="t" anchorCtr="0">
-            <a:noAutofit/>
-          </a:bodyPr>
-          <a:lstStyle/>
-          <a:p>
-            <a:pPr marL="0" lvl="0" indent="0" algn="l" rtl="0">
-              <a:lnSpc>
-                <a:spcPct val="100000"/>
-              </a:lnSpc>
-              <a:spcBef>
-                <a:spcPts val="0"/>
-              </a:spcBef>
-              <a:spcAft>
-                <a:spcPts val="0"/>
-              </a:spcAft>
-              <a:buSzPts val="1100"/>
-              <a:buNone/>
-            </a:pPr>
             <a:endParaRPr dirty="0"/>
           </a:p>
         </p:txBody>
@@ -1797,7 +1721,7 @@
 </p:notes>
 </file>
 
-<file path=ppt/notesSlides/notesSlide16.xml><?xml version="1.0" encoding="utf-8"?>
+<file path=ppt/notesSlides/notesSlide15.xml><?xml version="1.0" encoding="utf-8"?>
 <p:notes xmlns:a="http://schemas.openxmlformats.org/drawingml/2006/main" xmlns:r="http://schemas.openxmlformats.org/officeDocument/2006/relationships" xmlns:p="http://schemas.openxmlformats.org/presentationml/2006/main" showMasterSp="0" showMasterPhAnim="0">
   <p:cSld>
     <p:spTree>
@@ -1924,134 +1848,7 @@
 </p:notes>
 </file>
 
-<file path=ppt/notesSlides/notesSlide17.xml><?xml version="1.0" encoding="utf-8"?>
-<p:notes xmlns:a="http://schemas.openxmlformats.org/drawingml/2006/main" xmlns:r="http://schemas.openxmlformats.org/officeDocument/2006/relationships" xmlns:p="http://schemas.openxmlformats.org/presentationml/2006/main" showMasterSp="0" showMasterPhAnim="0">
-  <p:cSld>
-    <p:spTree>
-      <p:nvGrpSpPr>
-        <p:cNvPr id="1" name="Shape 147"/>
-        <p:cNvGrpSpPr/>
-        <p:nvPr/>
-      </p:nvGrpSpPr>
-      <p:grpSpPr>
-        <a:xfrm>
-          <a:off x="0" y="0"/>
-          <a:ext cx="0" cy="0"/>
-          <a:chOff x="0" y="0"/>
-          <a:chExt cx="0" cy="0"/>
-        </a:xfrm>
-      </p:grpSpPr>
-      <p:sp>
-        <p:nvSpPr>
-          <p:cNvPr id="148" name="Google Shape;148;geea522d09e_0_15:notes"/>
-          <p:cNvSpPr txBox="1">
-            <a:spLocks noGrp="1"/>
-          </p:cNvSpPr>
-          <p:nvPr>
-            <p:ph type="body" idx="1"/>
-          </p:nvPr>
-        </p:nvSpPr>
-        <p:spPr>
-          <a:xfrm>
-            <a:off x="685800" y="4343400"/>
-            <a:ext cx="5486400" cy="4114800"/>
-          </a:xfrm>
-          <a:prstGeom prst="rect">
-            <a:avLst/>
-          </a:prstGeom>
-          <a:noFill/>
-          <a:ln>
-            <a:noFill/>
-          </a:ln>
-        </p:spPr>
-        <p:txBody>
-          <a:bodyPr spcFirstLastPara="1" wrap="square" lIns="91425" tIns="91425" rIns="91425" bIns="91425" anchor="t" anchorCtr="0">
-            <a:noAutofit/>
-          </a:bodyPr>
-          <a:lstStyle/>
-          <a:p>
-            <a:pPr marL="0" lvl="0" indent="0" algn="l" rtl="0">
-              <a:lnSpc>
-                <a:spcPct val="100000"/>
-              </a:lnSpc>
-              <a:spcBef>
-                <a:spcPts val="0"/>
-              </a:spcBef>
-              <a:spcAft>
-                <a:spcPts val="0"/>
-              </a:spcAft>
-              <a:buSzPts val="1100"/>
-              <a:buNone/>
-            </a:pPr>
-            <a:endParaRPr dirty="0"/>
-          </a:p>
-        </p:txBody>
-      </p:sp>
-      <p:sp>
-        <p:nvSpPr>
-          <p:cNvPr id="149" name="Google Shape;149;geea522d09e_0_15:notes"/>
-          <p:cNvSpPr>
-            <a:spLocks noGrp="1" noRot="1" noChangeAspect="1"/>
-          </p:cNvSpPr>
-          <p:nvPr>
-            <p:ph type="sldImg" idx="2"/>
-          </p:nvPr>
-        </p:nvSpPr>
-        <p:spPr>
-          <a:xfrm>
-            <a:off x="381000" y="685800"/>
-            <a:ext cx="6096000" cy="3429000"/>
-          </a:xfrm>
-          <a:custGeom>
-            <a:avLst/>
-            <a:gdLst/>
-            <a:ahLst/>
-            <a:cxnLst/>
-            <a:rect l="l" t="t" r="r" b="b"/>
-            <a:pathLst>
-              <a:path w="120000" h="120000" extrusionOk="0">
-                <a:moveTo>
-                  <a:pt x="0" y="0"/>
-                </a:moveTo>
-                <a:lnTo>
-                  <a:pt x="120000" y="0"/>
-                </a:lnTo>
-                <a:lnTo>
-                  <a:pt x="120000" y="120000"/>
-                </a:lnTo>
-                <a:lnTo>
-                  <a:pt x="0" y="120000"/>
-                </a:lnTo>
-                <a:close/>
-              </a:path>
-            </a:pathLst>
-          </a:custGeom>
-          <a:noFill/>
-          <a:ln w="9525" cap="flat" cmpd="sng">
-            <a:solidFill>
-              <a:srgbClr val="000000"/>
-            </a:solidFill>
-            <a:prstDash val="solid"/>
-            <a:round/>
-            <a:headEnd type="none" w="sm" len="sm"/>
-            <a:tailEnd type="none" w="sm" len="sm"/>
-          </a:ln>
-        </p:spPr>
-      </p:sp>
-    </p:spTree>
-    <p:extLst>
-      <p:ext uri="{BB962C8B-B14F-4D97-AF65-F5344CB8AC3E}">
-        <p14:creationId xmlns:p14="http://schemas.microsoft.com/office/powerpoint/2010/main" val="2093136619"/>
-      </p:ext>
-    </p:extLst>
-  </p:cSld>
-  <p:clrMapOvr>
-    <a:masterClrMapping/>
-  </p:clrMapOvr>
-</p:notes>
-</file>
-
-<file path=ppt/notesSlides/notesSlide18.xml><?xml version="1.0" encoding="utf-8"?>
+<file path=ppt/notesSlides/notesSlide16.xml><?xml version="1.0" encoding="utf-8"?>
 <p:notes xmlns:a="http://schemas.openxmlformats.org/drawingml/2006/main" xmlns:r="http://schemas.openxmlformats.org/officeDocument/2006/relationships" xmlns:p="http://schemas.openxmlformats.org/presentationml/2006/main" showMasterSp="0" showMasterPhAnim="0">
   <p:cSld>
     <p:spTree>
@@ -2178,7 +1975,7 @@
 </p:notes>
 </file>
 
-<file path=ppt/notesSlides/notesSlide19.xml><?xml version="1.0" encoding="utf-8"?>
+<file path=ppt/notesSlides/notesSlide17.xml><?xml version="1.0" encoding="utf-8"?>
 <p:notes xmlns:a="http://schemas.openxmlformats.org/drawingml/2006/main" xmlns:r="http://schemas.openxmlformats.org/officeDocument/2006/relationships" xmlns:p="http://schemas.openxmlformats.org/presentationml/2006/main" showMasterSp="0" showMasterPhAnim="0">
   <p:cSld>
     <p:spTree>
@@ -2300,6 +2097,264 @@
     <p:extLst>
       <p:ext uri="{BB962C8B-B14F-4D97-AF65-F5344CB8AC3E}">
         <p14:creationId xmlns:p14="http://schemas.microsoft.com/office/powerpoint/2010/main" val="654327005"/>
+      </p:ext>
+    </p:extLst>
+  </p:cSld>
+  <p:clrMapOvr>
+    <a:masterClrMapping/>
+  </p:clrMapOvr>
+</p:notes>
+</file>
+
+<file path=ppt/notesSlides/notesSlide18.xml><?xml version="1.0" encoding="utf-8"?>
+<p:notes xmlns:a="http://schemas.openxmlformats.org/drawingml/2006/main" xmlns:r="http://schemas.openxmlformats.org/officeDocument/2006/relationships" xmlns:p="http://schemas.openxmlformats.org/presentationml/2006/main" showMasterSp="0" showMasterPhAnim="0">
+  <p:cSld>
+    <p:spTree>
+      <p:nvGrpSpPr>
+        <p:cNvPr id="1" name="Shape 147"/>
+        <p:cNvGrpSpPr/>
+        <p:nvPr/>
+      </p:nvGrpSpPr>
+      <p:grpSpPr>
+        <a:xfrm>
+          <a:off x="0" y="0"/>
+          <a:ext cx="0" cy="0"/>
+          <a:chOff x="0" y="0"/>
+          <a:chExt cx="0" cy="0"/>
+        </a:xfrm>
+      </p:grpSpPr>
+      <p:sp>
+        <p:nvSpPr>
+          <p:cNvPr id="148" name="Google Shape;148;geea522d09e_0_15:notes"/>
+          <p:cNvSpPr txBox="1">
+            <a:spLocks noGrp="1"/>
+          </p:cNvSpPr>
+          <p:nvPr>
+            <p:ph type="body" idx="1"/>
+          </p:nvPr>
+        </p:nvSpPr>
+        <p:spPr>
+          <a:xfrm>
+            <a:off x="685800" y="4343400"/>
+            <a:ext cx="5486400" cy="4114800"/>
+          </a:xfrm>
+          <a:prstGeom prst="rect">
+            <a:avLst/>
+          </a:prstGeom>
+          <a:noFill/>
+          <a:ln>
+            <a:noFill/>
+          </a:ln>
+        </p:spPr>
+        <p:txBody>
+          <a:bodyPr spcFirstLastPara="1" wrap="square" lIns="91425" tIns="91425" rIns="91425" bIns="91425" anchor="t" anchorCtr="0">
+            <a:noAutofit/>
+          </a:bodyPr>
+          <a:lstStyle/>
+          <a:p>
+            <a:pPr marL="0" lvl="0" indent="0" algn="l" rtl="0">
+              <a:lnSpc>
+                <a:spcPct val="100000"/>
+              </a:lnSpc>
+              <a:spcBef>
+                <a:spcPts val="0"/>
+              </a:spcBef>
+              <a:spcAft>
+                <a:spcPts val="0"/>
+              </a:spcAft>
+              <a:buSzPts val="1100"/>
+              <a:buNone/>
+            </a:pPr>
+            <a:r>
+              <a:rPr lang="en-US" dirty="0"/>
+              <a:t>Attribute limitation. </a:t>
+            </a:r>
+            <a:endParaRPr dirty="0"/>
+          </a:p>
+        </p:txBody>
+      </p:sp>
+      <p:sp>
+        <p:nvSpPr>
+          <p:cNvPr id="149" name="Google Shape;149;geea522d09e_0_15:notes"/>
+          <p:cNvSpPr>
+            <a:spLocks noGrp="1" noRot="1" noChangeAspect="1"/>
+          </p:cNvSpPr>
+          <p:nvPr>
+            <p:ph type="sldImg" idx="2"/>
+          </p:nvPr>
+        </p:nvSpPr>
+        <p:spPr>
+          <a:xfrm>
+            <a:off x="381000" y="685800"/>
+            <a:ext cx="6096000" cy="3429000"/>
+          </a:xfrm>
+          <a:custGeom>
+            <a:avLst/>
+            <a:gdLst/>
+            <a:ahLst/>
+            <a:cxnLst/>
+            <a:rect l="l" t="t" r="r" b="b"/>
+            <a:pathLst>
+              <a:path w="120000" h="120000" extrusionOk="0">
+                <a:moveTo>
+                  <a:pt x="0" y="0"/>
+                </a:moveTo>
+                <a:lnTo>
+                  <a:pt x="120000" y="0"/>
+                </a:lnTo>
+                <a:lnTo>
+                  <a:pt x="120000" y="120000"/>
+                </a:lnTo>
+                <a:lnTo>
+                  <a:pt x="0" y="120000"/>
+                </a:lnTo>
+                <a:close/>
+              </a:path>
+            </a:pathLst>
+          </a:custGeom>
+          <a:noFill/>
+          <a:ln w="9525" cap="flat" cmpd="sng">
+            <a:solidFill>
+              <a:srgbClr val="000000"/>
+            </a:solidFill>
+            <a:prstDash val="solid"/>
+            <a:round/>
+            <a:headEnd type="none" w="sm" len="sm"/>
+            <a:tailEnd type="none" w="sm" len="sm"/>
+          </a:ln>
+        </p:spPr>
+      </p:sp>
+    </p:spTree>
+    <p:extLst>
+      <p:ext uri="{BB962C8B-B14F-4D97-AF65-F5344CB8AC3E}">
+        <p14:creationId xmlns:p14="http://schemas.microsoft.com/office/powerpoint/2010/main" val="388088034"/>
+      </p:ext>
+    </p:extLst>
+  </p:cSld>
+  <p:clrMapOvr>
+    <a:masterClrMapping/>
+  </p:clrMapOvr>
+</p:notes>
+</file>
+
+<file path=ppt/notesSlides/notesSlide19.xml><?xml version="1.0" encoding="utf-8"?>
+<p:notes xmlns:a="http://schemas.openxmlformats.org/drawingml/2006/main" xmlns:r="http://schemas.openxmlformats.org/officeDocument/2006/relationships" xmlns:p="http://schemas.openxmlformats.org/presentationml/2006/main" showMasterSp="0" showMasterPhAnim="0">
+  <p:cSld>
+    <p:spTree>
+      <p:nvGrpSpPr>
+        <p:cNvPr id="1" name="Shape 147"/>
+        <p:cNvGrpSpPr/>
+        <p:nvPr/>
+      </p:nvGrpSpPr>
+      <p:grpSpPr>
+        <a:xfrm>
+          <a:off x="0" y="0"/>
+          <a:ext cx="0" cy="0"/>
+          <a:chOff x="0" y="0"/>
+          <a:chExt cx="0" cy="0"/>
+        </a:xfrm>
+      </p:grpSpPr>
+      <p:sp>
+        <p:nvSpPr>
+          <p:cNvPr id="148" name="Google Shape;148;geea522d09e_0_15:notes"/>
+          <p:cNvSpPr txBox="1">
+            <a:spLocks noGrp="1"/>
+          </p:cNvSpPr>
+          <p:nvPr>
+            <p:ph type="body" idx="1"/>
+          </p:nvPr>
+        </p:nvSpPr>
+        <p:spPr>
+          <a:xfrm>
+            <a:off x="685800" y="4343400"/>
+            <a:ext cx="5486400" cy="4114800"/>
+          </a:xfrm>
+          <a:prstGeom prst="rect">
+            <a:avLst/>
+          </a:prstGeom>
+          <a:noFill/>
+          <a:ln>
+            <a:noFill/>
+          </a:ln>
+        </p:spPr>
+        <p:txBody>
+          <a:bodyPr spcFirstLastPara="1" wrap="square" lIns="91425" tIns="91425" rIns="91425" bIns="91425" anchor="t" anchorCtr="0">
+            <a:noAutofit/>
+          </a:bodyPr>
+          <a:lstStyle/>
+          <a:p>
+            <a:pPr marL="0" lvl="0" indent="0" algn="l" rtl="0">
+              <a:lnSpc>
+                <a:spcPct val="100000"/>
+              </a:lnSpc>
+              <a:spcBef>
+                <a:spcPts val="0"/>
+              </a:spcBef>
+              <a:spcAft>
+                <a:spcPts val="0"/>
+              </a:spcAft>
+              <a:buSzPts val="1100"/>
+              <a:buNone/>
+            </a:pPr>
+            <a:endParaRPr dirty="0"/>
+          </a:p>
+        </p:txBody>
+      </p:sp>
+      <p:sp>
+        <p:nvSpPr>
+          <p:cNvPr id="149" name="Google Shape;149;geea522d09e_0_15:notes"/>
+          <p:cNvSpPr>
+            <a:spLocks noGrp="1" noRot="1" noChangeAspect="1"/>
+          </p:cNvSpPr>
+          <p:nvPr>
+            <p:ph type="sldImg" idx="2"/>
+          </p:nvPr>
+        </p:nvSpPr>
+        <p:spPr>
+          <a:xfrm>
+            <a:off x="381000" y="685800"/>
+            <a:ext cx="6096000" cy="3429000"/>
+          </a:xfrm>
+          <a:custGeom>
+            <a:avLst/>
+            <a:gdLst/>
+            <a:ahLst/>
+            <a:cxnLst/>
+            <a:rect l="l" t="t" r="r" b="b"/>
+            <a:pathLst>
+              <a:path w="120000" h="120000" extrusionOk="0">
+                <a:moveTo>
+                  <a:pt x="0" y="0"/>
+                </a:moveTo>
+                <a:lnTo>
+                  <a:pt x="120000" y="0"/>
+                </a:lnTo>
+                <a:lnTo>
+                  <a:pt x="120000" y="120000"/>
+                </a:lnTo>
+                <a:lnTo>
+                  <a:pt x="0" y="120000"/>
+                </a:lnTo>
+                <a:close/>
+              </a:path>
+            </a:pathLst>
+          </a:custGeom>
+          <a:noFill/>
+          <a:ln w="9525" cap="flat" cmpd="sng">
+            <a:solidFill>
+              <a:srgbClr val="000000"/>
+            </a:solidFill>
+            <a:prstDash val="solid"/>
+            <a:round/>
+            <a:headEnd type="none" w="sm" len="sm"/>
+            <a:tailEnd type="none" w="sm" len="sm"/>
+          </a:ln>
+        </p:spPr>
+      </p:sp>
+    </p:spTree>
+    <p:extLst>
+      <p:ext uri="{BB962C8B-B14F-4D97-AF65-F5344CB8AC3E}">
+        <p14:creationId xmlns:p14="http://schemas.microsoft.com/office/powerpoint/2010/main" val="631912042"/>
       </p:ext>
     </p:extLst>
   </p:cSld>
@@ -2492,264 +2547,6 @@
             </a:pPr>
             <a:r>
               <a:rPr lang="en-US" dirty="0"/>
-              <a:t>Attribute limitation. </a:t>
-            </a:r>
-            <a:endParaRPr dirty="0"/>
-          </a:p>
-        </p:txBody>
-      </p:sp>
-      <p:sp>
-        <p:nvSpPr>
-          <p:cNvPr id="149" name="Google Shape;149;geea522d09e_0_15:notes"/>
-          <p:cNvSpPr>
-            <a:spLocks noGrp="1" noRot="1" noChangeAspect="1"/>
-          </p:cNvSpPr>
-          <p:nvPr>
-            <p:ph type="sldImg" idx="2"/>
-          </p:nvPr>
-        </p:nvSpPr>
-        <p:spPr>
-          <a:xfrm>
-            <a:off x="381000" y="685800"/>
-            <a:ext cx="6096000" cy="3429000"/>
-          </a:xfrm>
-          <a:custGeom>
-            <a:avLst/>
-            <a:gdLst/>
-            <a:ahLst/>
-            <a:cxnLst/>
-            <a:rect l="l" t="t" r="r" b="b"/>
-            <a:pathLst>
-              <a:path w="120000" h="120000" extrusionOk="0">
-                <a:moveTo>
-                  <a:pt x="0" y="0"/>
-                </a:moveTo>
-                <a:lnTo>
-                  <a:pt x="120000" y="0"/>
-                </a:lnTo>
-                <a:lnTo>
-                  <a:pt x="120000" y="120000"/>
-                </a:lnTo>
-                <a:lnTo>
-                  <a:pt x="0" y="120000"/>
-                </a:lnTo>
-                <a:close/>
-              </a:path>
-            </a:pathLst>
-          </a:custGeom>
-          <a:noFill/>
-          <a:ln w="9525" cap="flat" cmpd="sng">
-            <a:solidFill>
-              <a:srgbClr val="000000"/>
-            </a:solidFill>
-            <a:prstDash val="solid"/>
-            <a:round/>
-            <a:headEnd type="none" w="sm" len="sm"/>
-            <a:tailEnd type="none" w="sm" len="sm"/>
-          </a:ln>
-        </p:spPr>
-      </p:sp>
-    </p:spTree>
-    <p:extLst>
-      <p:ext uri="{BB962C8B-B14F-4D97-AF65-F5344CB8AC3E}">
-        <p14:creationId xmlns:p14="http://schemas.microsoft.com/office/powerpoint/2010/main" val="388088034"/>
-      </p:ext>
-    </p:extLst>
-  </p:cSld>
-  <p:clrMapOvr>
-    <a:masterClrMapping/>
-  </p:clrMapOvr>
-</p:notes>
-</file>
-
-<file path=ppt/notesSlides/notesSlide21.xml><?xml version="1.0" encoding="utf-8"?>
-<p:notes xmlns:a="http://schemas.openxmlformats.org/drawingml/2006/main" xmlns:r="http://schemas.openxmlformats.org/officeDocument/2006/relationships" xmlns:p="http://schemas.openxmlformats.org/presentationml/2006/main" showMasterSp="0" showMasterPhAnim="0">
-  <p:cSld>
-    <p:spTree>
-      <p:nvGrpSpPr>
-        <p:cNvPr id="1" name="Shape 147"/>
-        <p:cNvGrpSpPr/>
-        <p:nvPr/>
-      </p:nvGrpSpPr>
-      <p:grpSpPr>
-        <a:xfrm>
-          <a:off x="0" y="0"/>
-          <a:ext cx="0" cy="0"/>
-          <a:chOff x="0" y="0"/>
-          <a:chExt cx="0" cy="0"/>
-        </a:xfrm>
-      </p:grpSpPr>
-      <p:sp>
-        <p:nvSpPr>
-          <p:cNvPr id="148" name="Google Shape;148;geea522d09e_0_15:notes"/>
-          <p:cNvSpPr txBox="1">
-            <a:spLocks noGrp="1"/>
-          </p:cNvSpPr>
-          <p:nvPr>
-            <p:ph type="body" idx="1"/>
-          </p:nvPr>
-        </p:nvSpPr>
-        <p:spPr>
-          <a:xfrm>
-            <a:off x="685800" y="4343400"/>
-            <a:ext cx="5486400" cy="4114800"/>
-          </a:xfrm>
-          <a:prstGeom prst="rect">
-            <a:avLst/>
-          </a:prstGeom>
-          <a:noFill/>
-          <a:ln>
-            <a:noFill/>
-          </a:ln>
-        </p:spPr>
-        <p:txBody>
-          <a:bodyPr spcFirstLastPara="1" wrap="square" lIns="91425" tIns="91425" rIns="91425" bIns="91425" anchor="t" anchorCtr="0">
-            <a:noAutofit/>
-          </a:bodyPr>
-          <a:lstStyle/>
-          <a:p>
-            <a:pPr marL="0" lvl="0" indent="0" algn="l" rtl="0">
-              <a:lnSpc>
-                <a:spcPct val="100000"/>
-              </a:lnSpc>
-              <a:spcBef>
-                <a:spcPts val="0"/>
-              </a:spcBef>
-              <a:spcAft>
-                <a:spcPts val="0"/>
-              </a:spcAft>
-              <a:buSzPts val="1100"/>
-              <a:buNone/>
-            </a:pPr>
-            <a:endParaRPr dirty="0"/>
-          </a:p>
-        </p:txBody>
-      </p:sp>
-      <p:sp>
-        <p:nvSpPr>
-          <p:cNvPr id="149" name="Google Shape;149;geea522d09e_0_15:notes"/>
-          <p:cNvSpPr>
-            <a:spLocks noGrp="1" noRot="1" noChangeAspect="1"/>
-          </p:cNvSpPr>
-          <p:nvPr>
-            <p:ph type="sldImg" idx="2"/>
-          </p:nvPr>
-        </p:nvSpPr>
-        <p:spPr>
-          <a:xfrm>
-            <a:off x="381000" y="685800"/>
-            <a:ext cx="6096000" cy="3429000"/>
-          </a:xfrm>
-          <a:custGeom>
-            <a:avLst/>
-            <a:gdLst/>
-            <a:ahLst/>
-            <a:cxnLst/>
-            <a:rect l="l" t="t" r="r" b="b"/>
-            <a:pathLst>
-              <a:path w="120000" h="120000" extrusionOk="0">
-                <a:moveTo>
-                  <a:pt x="0" y="0"/>
-                </a:moveTo>
-                <a:lnTo>
-                  <a:pt x="120000" y="0"/>
-                </a:lnTo>
-                <a:lnTo>
-                  <a:pt x="120000" y="120000"/>
-                </a:lnTo>
-                <a:lnTo>
-                  <a:pt x="0" y="120000"/>
-                </a:lnTo>
-                <a:close/>
-              </a:path>
-            </a:pathLst>
-          </a:custGeom>
-          <a:noFill/>
-          <a:ln w="9525" cap="flat" cmpd="sng">
-            <a:solidFill>
-              <a:srgbClr val="000000"/>
-            </a:solidFill>
-            <a:prstDash val="solid"/>
-            <a:round/>
-            <a:headEnd type="none" w="sm" len="sm"/>
-            <a:tailEnd type="none" w="sm" len="sm"/>
-          </a:ln>
-        </p:spPr>
-      </p:sp>
-    </p:spTree>
-    <p:extLst>
-      <p:ext uri="{BB962C8B-B14F-4D97-AF65-F5344CB8AC3E}">
-        <p14:creationId xmlns:p14="http://schemas.microsoft.com/office/powerpoint/2010/main" val="631912042"/>
-      </p:ext>
-    </p:extLst>
-  </p:cSld>
-  <p:clrMapOvr>
-    <a:masterClrMapping/>
-  </p:clrMapOvr>
-</p:notes>
-</file>
-
-<file path=ppt/notesSlides/notesSlide22.xml><?xml version="1.0" encoding="utf-8"?>
-<p:notes xmlns:a="http://schemas.openxmlformats.org/drawingml/2006/main" xmlns:r="http://schemas.openxmlformats.org/officeDocument/2006/relationships" xmlns:p="http://schemas.openxmlformats.org/presentationml/2006/main" showMasterSp="0" showMasterPhAnim="0">
-  <p:cSld>
-    <p:spTree>
-      <p:nvGrpSpPr>
-        <p:cNvPr id="1" name="Shape 147"/>
-        <p:cNvGrpSpPr/>
-        <p:nvPr/>
-      </p:nvGrpSpPr>
-      <p:grpSpPr>
-        <a:xfrm>
-          <a:off x="0" y="0"/>
-          <a:ext cx="0" cy="0"/>
-          <a:chOff x="0" y="0"/>
-          <a:chExt cx="0" cy="0"/>
-        </a:xfrm>
-      </p:grpSpPr>
-      <p:sp>
-        <p:nvSpPr>
-          <p:cNvPr id="148" name="Google Shape;148;geea522d09e_0_15:notes"/>
-          <p:cNvSpPr txBox="1">
-            <a:spLocks noGrp="1"/>
-          </p:cNvSpPr>
-          <p:nvPr>
-            <p:ph type="body" idx="1"/>
-          </p:nvPr>
-        </p:nvSpPr>
-        <p:spPr>
-          <a:xfrm>
-            <a:off x="685800" y="4343400"/>
-            <a:ext cx="5486400" cy="4114800"/>
-          </a:xfrm>
-          <a:prstGeom prst="rect">
-            <a:avLst/>
-          </a:prstGeom>
-          <a:noFill/>
-          <a:ln>
-            <a:noFill/>
-          </a:ln>
-        </p:spPr>
-        <p:txBody>
-          <a:bodyPr spcFirstLastPara="1" wrap="square" lIns="91425" tIns="91425" rIns="91425" bIns="91425" anchor="t" anchorCtr="0">
-            <a:noAutofit/>
-          </a:bodyPr>
-          <a:lstStyle/>
-          <a:p>
-            <a:pPr marL="0" lvl="0" indent="0" algn="l" rtl="0">
-              <a:lnSpc>
-                <a:spcPct val="100000"/>
-              </a:lnSpc>
-              <a:spcBef>
-                <a:spcPts val="0"/>
-              </a:spcBef>
-              <a:spcAft>
-                <a:spcPts val="0"/>
-              </a:spcAft>
-              <a:buSzPts val="1100"/>
-              <a:buNone/>
-            </a:pPr>
-            <a:r>
-              <a:rPr lang="en-US" dirty="0"/>
               <a:t>Show code currently use in project . Open Endpoint show </a:t>
             </a:r>
             <a:r>
@@ -2824,7 +2621,7 @@
 </p:notes>
 </file>
 
-<file path=ppt/notesSlides/notesSlide23.xml><?xml version="1.0" encoding="utf-8"?>
+<file path=ppt/notesSlides/notesSlide21.xml><?xml version="1.0" encoding="utf-8"?>
 <p:notes xmlns:a="http://schemas.openxmlformats.org/drawingml/2006/main" xmlns:r="http://schemas.openxmlformats.org/officeDocument/2006/relationships" xmlns:p="http://schemas.openxmlformats.org/presentationml/2006/main" showMasterSp="0" showMasterPhAnim="0">
   <p:cSld>
     <p:spTree>
@@ -2951,7 +2748,7 @@
 </p:notes>
 </file>
 
-<file path=ppt/notesSlides/notesSlide24.xml><?xml version="1.0" encoding="utf-8"?>
+<file path=ppt/notesSlides/notesSlide22.xml><?xml version="1.0" encoding="utf-8"?>
 <p:notes xmlns:a="http://schemas.openxmlformats.org/drawingml/2006/main" xmlns:r="http://schemas.openxmlformats.org/officeDocument/2006/relationships" xmlns:p="http://schemas.openxmlformats.org/presentationml/2006/main" showMasterSp="0" showMasterPhAnim="0">
   <p:cSld>
     <p:spTree>
@@ -3078,7 +2875,7 @@
 </p:notes>
 </file>
 
-<file path=ppt/notesSlides/notesSlide25.xml><?xml version="1.0" encoding="utf-8"?>
+<file path=ppt/notesSlides/notesSlide23.xml><?xml version="1.0" encoding="utf-8"?>
 <p:notes xmlns:a="http://schemas.openxmlformats.org/drawingml/2006/main" xmlns:r="http://schemas.openxmlformats.org/officeDocument/2006/relationships" xmlns:p="http://schemas.openxmlformats.org/presentationml/2006/main" showMasterSp="0" showMasterPhAnim="0">
   <p:cSld>
     <p:spTree>
@@ -3205,7 +3002,589 @@
 </p:notes>
 </file>
 
+<file path=ppt/notesSlides/notesSlide24.xml><?xml version="1.0" encoding="utf-8"?>
+<p:notes xmlns:a="http://schemas.openxmlformats.org/drawingml/2006/main" xmlns:r="http://schemas.openxmlformats.org/officeDocument/2006/relationships" xmlns:p="http://schemas.openxmlformats.org/presentationml/2006/main" showMasterSp="0" showMasterPhAnim="0">
+  <p:cSld>
+    <p:spTree>
+      <p:nvGrpSpPr>
+        <p:cNvPr id="1" name="Shape 147"/>
+        <p:cNvGrpSpPr/>
+        <p:nvPr/>
+      </p:nvGrpSpPr>
+      <p:grpSpPr>
+        <a:xfrm>
+          <a:off x="0" y="0"/>
+          <a:ext cx="0" cy="0"/>
+          <a:chOff x="0" y="0"/>
+          <a:chExt cx="0" cy="0"/>
+        </a:xfrm>
+      </p:grpSpPr>
+      <p:sp>
+        <p:nvSpPr>
+          <p:cNvPr id="148" name="Google Shape;148;geea522d09e_0_15:notes"/>
+          <p:cNvSpPr txBox="1">
+            <a:spLocks noGrp="1"/>
+          </p:cNvSpPr>
+          <p:nvPr>
+            <p:ph type="body" idx="1"/>
+          </p:nvPr>
+        </p:nvSpPr>
+        <p:spPr>
+          <a:xfrm>
+            <a:off x="685800" y="4343400"/>
+            <a:ext cx="5486400" cy="4114800"/>
+          </a:xfrm>
+          <a:prstGeom prst="rect">
+            <a:avLst/>
+          </a:prstGeom>
+          <a:noFill/>
+          <a:ln>
+            <a:noFill/>
+          </a:ln>
+        </p:spPr>
+        <p:txBody>
+          <a:bodyPr spcFirstLastPara="1" wrap="square" lIns="91425" tIns="91425" rIns="91425" bIns="91425" anchor="t" anchorCtr="0">
+            <a:noAutofit/>
+          </a:bodyPr>
+          <a:lstStyle/>
+          <a:p>
+            <a:pPr marL="0" marR="0" lvl="0" indent="0" algn="l" defTabSz="914400" rtl="0" eaLnBrk="1" fontAlgn="auto" latinLnBrk="0" hangingPunct="1">
+              <a:lnSpc>
+                <a:spcPct val="100000"/>
+              </a:lnSpc>
+              <a:spcBef>
+                <a:spcPts val="0"/>
+              </a:spcBef>
+              <a:spcAft>
+                <a:spcPts val="0"/>
+              </a:spcAft>
+              <a:buClr>
+                <a:srgbClr val="000000"/>
+              </a:buClr>
+              <a:buSzPts val="1100"/>
+              <a:buFont typeface="Arial" panose="020B0604020202020204"/>
+              <a:buNone/>
+              <a:tabLst/>
+              <a:defRPr/>
+            </a:pPr>
+            <a:r>
+              <a:rPr lang="en-GB" dirty="0"/>
+              <a:t>Should implement </a:t>
+            </a:r>
+            <a:r>
+              <a:rPr lang="en-GB" b="1" i="0" dirty="0" err="1">
+                <a:solidFill>
+                  <a:srgbClr val="171717"/>
+                </a:solidFill>
+                <a:effectLst/>
+                <a:latin typeface="Segoe UI" panose="020B0502040204020203" pitchFamily="34" charset="0"/>
+              </a:rPr>
+              <a:t>ModelBinderProvider</a:t>
+            </a:r>
+            <a:r>
+              <a:rPr lang="en-GB" b="1" i="0" dirty="0">
+                <a:solidFill>
+                  <a:srgbClr val="171717"/>
+                </a:solidFill>
+                <a:effectLst/>
+                <a:latin typeface="Segoe UI" panose="020B0502040204020203" pitchFamily="34" charset="0"/>
+              </a:rPr>
+              <a:t> </a:t>
+            </a:r>
+            <a:r>
+              <a:rPr lang="en-GB" b="0" i="0" dirty="0">
+                <a:solidFill>
+                  <a:srgbClr val="171717"/>
+                </a:solidFill>
+                <a:effectLst/>
+                <a:latin typeface="Segoe UI" panose="020B0502040204020203" pitchFamily="34" charset="0"/>
+              </a:rPr>
+              <a:t> instead of applying attributes</a:t>
+            </a:r>
+          </a:p>
+          <a:p>
+            <a:pPr marL="0" marR="0" lvl="0" indent="0" algn="l" defTabSz="914400" rtl="0" eaLnBrk="1" fontAlgn="auto" latinLnBrk="0" hangingPunct="1">
+              <a:lnSpc>
+                <a:spcPct val="100000"/>
+              </a:lnSpc>
+              <a:spcBef>
+                <a:spcPts val="0"/>
+              </a:spcBef>
+              <a:spcAft>
+                <a:spcPts val="0"/>
+              </a:spcAft>
+              <a:buClr>
+                <a:srgbClr val="000000"/>
+              </a:buClr>
+              <a:buSzPts val="1100"/>
+              <a:buFont typeface="Arial" panose="020B0604020202020204"/>
+              <a:buNone/>
+              <a:tabLst/>
+              <a:defRPr/>
+            </a:pPr>
+            <a:endParaRPr lang="en-GB" b="1" i="0" dirty="0">
+              <a:solidFill>
+                <a:srgbClr val="171717"/>
+              </a:solidFill>
+              <a:effectLst/>
+              <a:latin typeface="Segoe UI" panose="020B0502040204020203" pitchFamily="34" charset="0"/>
+            </a:endParaRPr>
+          </a:p>
+        </p:txBody>
+      </p:sp>
+      <p:sp>
+        <p:nvSpPr>
+          <p:cNvPr id="149" name="Google Shape;149;geea522d09e_0_15:notes"/>
+          <p:cNvSpPr>
+            <a:spLocks noGrp="1" noRot="1" noChangeAspect="1"/>
+          </p:cNvSpPr>
+          <p:nvPr>
+            <p:ph type="sldImg" idx="2"/>
+          </p:nvPr>
+        </p:nvSpPr>
+        <p:spPr>
+          <a:xfrm>
+            <a:off x="381000" y="685800"/>
+            <a:ext cx="6096000" cy="3429000"/>
+          </a:xfrm>
+          <a:custGeom>
+            <a:avLst/>
+            <a:gdLst/>
+            <a:ahLst/>
+            <a:cxnLst/>
+            <a:rect l="l" t="t" r="r" b="b"/>
+            <a:pathLst>
+              <a:path w="120000" h="120000" extrusionOk="0">
+                <a:moveTo>
+                  <a:pt x="0" y="0"/>
+                </a:moveTo>
+                <a:lnTo>
+                  <a:pt x="120000" y="0"/>
+                </a:lnTo>
+                <a:lnTo>
+                  <a:pt x="120000" y="120000"/>
+                </a:lnTo>
+                <a:lnTo>
+                  <a:pt x="0" y="120000"/>
+                </a:lnTo>
+                <a:close/>
+              </a:path>
+            </a:pathLst>
+          </a:custGeom>
+          <a:noFill/>
+          <a:ln w="9525" cap="flat" cmpd="sng">
+            <a:solidFill>
+              <a:srgbClr val="000000"/>
+            </a:solidFill>
+            <a:prstDash val="solid"/>
+            <a:round/>
+            <a:headEnd type="none" w="sm" len="sm"/>
+            <a:tailEnd type="none" w="sm" len="sm"/>
+          </a:ln>
+        </p:spPr>
+      </p:sp>
+    </p:spTree>
+    <p:extLst>
+      <p:ext uri="{BB962C8B-B14F-4D97-AF65-F5344CB8AC3E}">
+        <p14:creationId xmlns:p14="http://schemas.microsoft.com/office/powerpoint/2010/main" val="2837115490"/>
+      </p:ext>
+    </p:extLst>
+  </p:cSld>
+  <p:clrMapOvr>
+    <a:masterClrMapping/>
+  </p:clrMapOvr>
+</p:notes>
+</file>
+
+<file path=ppt/notesSlides/notesSlide25.xml><?xml version="1.0" encoding="utf-8"?>
+<p:notes xmlns:a="http://schemas.openxmlformats.org/drawingml/2006/main" xmlns:r="http://schemas.openxmlformats.org/officeDocument/2006/relationships" xmlns:p="http://schemas.openxmlformats.org/presentationml/2006/main" showMasterSp="0" showMasterPhAnim="0">
+  <p:cSld>
+    <p:spTree>
+      <p:nvGrpSpPr>
+        <p:cNvPr id="1" name="Shape 147"/>
+        <p:cNvGrpSpPr/>
+        <p:nvPr/>
+      </p:nvGrpSpPr>
+      <p:grpSpPr>
+        <a:xfrm>
+          <a:off x="0" y="0"/>
+          <a:ext cx="0" cy="0"/>
+          <a:chOff x="0" y="0"/>
+          <a:chExt cx="0" cy="0"/>
+        </a:xfrm>
+      </p:grpSpPr>
+      <p:sp>
+        <p:nvSpPr>
+          <p:cNvPr id="148" name="Google Shape;148;geea522d09e_0_15:notes"/>
+          <p:cNvSpPr txBox="1">
+            <a:spLocks noGrp="1"/>
+          </p:cNvSpPr>
+          <p:nvPr>
+            <p:ph type="body" idx="1"/>
+          </p:nvPr>
+        </p:nvSpPr>
+        <p:spPr>
+          <a:xfrm>
+            <a:off x="685800" y="4343400"/>
+            <a:ext cx="5486400" cy="4114800"/>
+          </a:xfrm>
+          <a:prstGeom prst="rect">
+            <a:avLst/>
+          </a:prstGeom>
+          <a:noFill/>
+          <a:ln>
+            <a:noFill/>
+          </a:ln>
+        </p:spPr>
+        <p:txBody>
+          <a:bodyPr spcFirstLastPara="1" wrap="square" lIns="91425" tIns="91425" rIns="91425" bIns="91425" anchor="t" anchorCtr="0">
+            <a:noAutofit/>
+          </a:bodyPr>
+          <a:lstStyle/>
+          <a:p>
+            <a:pPr marL="0" marR="0" lvl="0" indent="0" algn="l" defTabSz="914400" rtl="0" eaLnBrk="1" fontAlgn="auto" latinLnBrk="0" hangingPunct="1">
+              <a:lnSpc>
+                <a:spcPct val="100000"/>
+              </a:lnSpc>
+              <a:spcBef>
+                <a:spcPts val="0"/>
+              </a:spcBef>
+              <a:spcAft>
+                <a:spcPts val="0"/>
+              </a:spcAft>
+              <a:buClr>
+                <a:srgbClr val="000000"/>
+              </a:buClr>
+              <a:buSzPts val="1100"/>
+              <a:buFont typeface="Arial" panose="020B0604020202020204"/>
+              <a:buNone/>
+              <a:tabLst/>
+              <a:defRPr/>
+            </a:pPr>
+            <a:r>
+              <a:rPr lang="en-GB" dirty="0"/>
+              <a:t>Should implement </a:t>
+            </a:r>
+            <a:r>
+              <a:rPr lang="en-GB" b="1" i="0" dirty="0" err="1">
+                <a:solidFill>
+                  <a:srgbClr val="171717"/>
+                </a:solidFill>
+                <a:effectLst/>
+                <a:latin typeface="Segoe UI" panose="020B0502040204020203" pitchFamily="34" charset="0"/>
+              </a:rPr>
+              <a:t>ModelBinderProvider</a:t>
+            </a:r>
+            <a:r>
+              <a:rPr lang="en-GB" b="1" i="0" dirty="0">
+                <a:solidFill>
+                  <a:srgbClr val="171717"/>
+                </a:solidFill>
+                <a:effectLst/>
+                <a:latin typeface="Segoe UI" panose="020B0502040204020203" pitchFamily="34" charset="0"/>
+              </a:rPr>
+              <a:t> </a:t>
+            </a:r>
+            <a:r>
+              <a:rPr lang="en-GB" b="0" i="0" dirty="0">
+                <a:solidFill>
+                  <a:srgbClr val="171717"/>
+                </a:solidFill>
+                <a:effectLst/>
+                <a:latin typeface="Segoe UI" panose="020B0502040204020203" pitchFamily="34" charset="0"/>
+              </a:rPr>
+              <a:t> instead of applying attributes</a:t>
+            </a:r>
+          </a:p>
+          <a:p>
+            <a:pPr marL="0" marR="0" lvl="0" indent="0" algn="l" defTabSz="914400" rtl="0" eaLnBrk="1" fontAlgn="auto" latinLnBrk="0" hangingPunct="1">
+              <a:lnSpc>
+                <a:spcPct val="100000"/>
+              </a:lnSpc>
+              <a:spcBef>
+                <a:spcPts val="0"/>
+              </a:spcBef>
+              <a:spcAft>
+                <a:spcPts val="0"/>
+              </a:spcAft>
+              <a:buClr>
+                <a:srgbClr val="000000"/>
+              </a:buClr>
+              <a:buSzPts val="1100"/>
+              <a:buFont typeface="Arial" panose="020B0604020202020204"/>
+              <a:buNone/>
+              <a:tabLst/>
+              <a:defRPr/>
+            </a:pPr>
+            <a:endParaRPr lang="en-GB" b="1" i="0" dirty="0">
+              <a:solidFill>
+                <a:srgbClr val="171717"/>
+              </a:solidFill>
+              <a:effectLst/>
+              <a:latin typeface="Segoe UI" panose="020B0502040204020203" pitchFamily="34" charset="0"/>
+            </a:endParaRPr>
+          </a:p>
+        </p:txBody>
+      </p:sp>
+      <p:sp>
+        <p:nvSpPr>
+          <p:cNvPr id="149" name="Google Shape;149;geea522d09e_0_15:notes"/>
+          <p:cNvSpPr>
+            <a:spLocks noGrp="1" noRot="1" noChangeAspect="1"/>
+          </p:cNvSpPr>
+          <p:nvPr>
+            <p:ph type="sldImg" idx="2"/>
+          </p:nvPr>
+        </p:nvSpPr>
+        <p:spPr>
+          <a:xfrm>
+            <a:off x="381000" y="685800"/>
+            <a:ext cx="6096000" cy="3429000"/>
+          </a:xfrm>
+          <a:custGeom>
+            <a:avLst/>
+            <a:gdLst/>
+            <a:ahLst/>
+            <a:cxnLst/>
+            <a:rect l="l" t="t" r="r" b="b"/>
+            <a:pathLst>
+              <a:path w="120000" h="120000" extrusionOk="0">
+                <a:moveTo>
+                  <a:pt x="0" y="0"/>
+                </a:moveTo>
+                <a:lnTo>
+                  <a:pt x="120000" y="0"/>
+                </a:lnTo>
+                <a:lnTo>
+                  <a:pt x="120000" y="120000"/>
+                </a:lnTo>
+                <a:lnTo>
+                  <a:pt x="0" y="120000"/>
+                </a:lnTo>
+                <a:close/>
+              </a:path>
+            </a:pathLst>
+          </a:custGeom>
+          <a:noFill/>
+          <a:ln w="9525" cap="flat" cmpd="sng">
+            <a:solidFill>
+              <a:srgbClr val="000000"/>
+            </a:solidFill>
+            <a:prstDash val="solid"/>
+            <a:round/>
+            <a:headEnd type="none" w="sm" len="sm"/>
+            <a:tailEnd type="none" w="sm" len="sm"/>
+          </a:ln>
+        </p:spPr>
+      </p:sp>
+    </p:spTree>
+    <p:extLst>
+      <p:ext uri="{BB962C8B-B14F-4D97-AF65-F5344CB8AC3E}">
+        <p14:creationId xmlns:p14="http://schemas.microsoft.com/office/powerpoint/2010/main" val="3944452453"/>
+      </p:ext>
+    </p:extLst>
+  </p:cSld>
+  <p:clrMapOvr>
+    <a:masterClrMapping/>
+  </p:clrMapOvr>
+</p:notes>
+</file>
+
 <file path=ppt/notesSlides/notesSlide26.xml><?xml version="1.0" encoding="utf-8"?>
+<p:notes xmlns:a="http://schemas.openxmlformats.org/drawingml/2006/main" xmlns:r="http://schemas.openxmlformats.org/officeDocument/2006/relationships" xmlns:p="http://schemas.openxmlformats.org/presentationml/2006/main" showMasterSp="0" showMasterPhAnim="0">
+  <p:cSld>
+    <p:spTree>
+      <p:nvGrpSpPr>
+        <p:cNvPr id="1" name="Shape 147"/>
+        <p:cNvGrpSpPr/>
+        <p:nvPr/>
+      </p:nvGrpSpPr>
+      <p:grpSpPr>
+        <a:xfrm>
+          <a:off x="0" y="0"/>
+          <a:ext cx="0" cy="0"/>
+          <a:chOff x="0" y="0"/>
+          <a:chExt cx="0" cy="0"/>
+        </a:xfrm>
+      </p:grpSpPr>
+      <p:sp>
+        <p:nvSpPr>
+          <p:cNvPr id="148" name="Google Shape;148;geea522d09e_0_15:notes"/>
+          <p:cNvSpPr txBox="1">
+            <a:spLocks noGrp="1"/>
+          </p:cNvSpPr>
+          <p:nvPr>
+            <p:ph type="body" idx="1"/>
+          </p:nvPr>
+        </p:nvSpPr>
+        <p:spPr>
+          <a:xfrm>
+            <a:off x="685800" y="4343400"/>
+            <a:ext cx="5486400" cy="4114800"/>
+          </a:xfrm>
+          <a:prstGeom prst="rect">
+            <a:avLst/>
+          </a:prstGeom>
+          <a:noFill/>
+          <a:ln>
+            <a:noFill/>
+          </a:ln>
+        </p:spPr>
+        <p:txBody>
+          <a:bodyPr spcFirstLastPara="1" wrap="square" lIns="91425" tIns="91425" rIns="91425" bIns="91425" anchor="t" anchorCtr="0">
+            <a:noAutofit/>
+          </a:bodyPr>
+          <a:lstStyle/>
+          <a:p>
+            <a:pPr marL="0" marR="0" lvl="0" indent="0" algn="l" defTabSz="914400" rtl="0" eaLnBrk="1" fontAlgn="auto" latinLnBrk="0" hangingPunct="1">
+              <a:lnSpc>
+                <a:spcPct val="100000"/>
+              </a:lnSpc>
+              <a:spcBef>
+                <a:spcPts val="0"/>
+              </a:spcBef>
+              <a:spcAft>
+                <a:spcPts val="0"/>
+              </a:spcAft>
+              <a:buClr>
+                <a:srgbClr val="000000"/>
+              </a:buClr>
+              <a:buSzPts val="1100"/>
+              <a:buFont typeface="Arial" panose="020B0604020202020204"/>
+              <a:buNone/>
+              <a:tabLst/>
+              <a:defRPr/>
+            </a:pPr>
+            <a:r>
+              <a:rPr lang="en-GB" dirty="0"/>
+              <a:t>Should implement </a:t>
+            </a:r>
+            <a:r>
+              <a:rPr lang="en-GB" b="1" i="0" dirty="0" err="1">
+                <a:solidFill>
+                  <a:srgbClr val="171717"/>
+                </a:solidFill>
+                <a:effectLst/>
+                <a:latin typeface="Segoe UI" panose="020B0502040204020203" pitchFamily="34" charset="0"/>
+              </a:rPr>
+              <a:t>ModelBinderProvider</a:t>
+            </a:r>
+            <a:r>
+              <a:rPr lang="en-GB" b="1" i="0" dirty="0">
+                <a:solidFill>
+                  <a:srgbClr val="171717"/>
+                </a:solidFill>
+                <a:effectLst/>
+                <a:latin typeface="Segoe UI" panose="020B0502040204020203" pitchFamily="34" charset="0"/>
+              </a:rPr>
+              <a:t> </a:t>
+            </a:r>
+            <a:r>
+              <a:rPr lang="en-GB" b="0" i="0" dirty="0">
+                <a:solidFill>
+                  <a:srgbClr val="171717"/>
+                </a:solidFill>
+                <a:effectLst/>
+                <a:latin typeface="Segoe UI" panose="020B0502040204020203" pitchFamily="34" charset="0"/>
+              </a:rPr>
+              <a:t> instead of applying attributes</a:t>
+            </a:r>
+          </a:p>
+          <a:p>
+            <a:pPr marL="0" marR="0" lvl="0" indent="0" algn="l" defTabSz="914400" rtl="0" eaLnBrk="1" fontAlgn="auto" latinLnBrk="0" hangingPunct="1">
+              <a:lnSpc>
+                <a:spcPct val="100000"/>
+              </a:lnSpc>
+              <a:spcBef>
+                <a:spcPts val="0"/>
+              </a:spcBef>
+              <a:spcAft>
+                <a:spcPts val="0"/>
+              </a:spcAft>
+              <a:buClr>
+                <a:srgbClr val="000000"/>
+              </a:buClr>
+              <a:buSzPts val="1100"/>
+              <a:buFont typeface="Arial" panose="020B0604020202020204"/>
+              <a:buNone/>
+              <a:tabLst/>
+              <a:defRPr/>
+            </a:pPr>
+            <a:endParaRPr lang="en-GB" b="1" i="0" dirty="0">
+              <a:solidFill>
+                <a:srgbClr val="171717"/>
+              </a:solidFill>
+              <a:effectLst/>
+              <a:latin typeface="Segoe UI" panose="020B0502040204020203" pitchFamily="34" charset="0"/>
+            </a:endParaRPr>
+          </a:p>
+        </p:txBody>
+      </p:sp>
+      <p:sp>
+        <p:nvSpPr>
+          <p:cNvPr id="149" name="Google Shape;149;geea522d09e_0_15:notes"/>
+          <p:cNvSpPr>
+            <a:spLocks noGrp="1" noRot="1" noChangeAspect="1"/>
+          </p:cNvSpPr>
+          <p:nvPr>
+            <p:ph type="sldImg" idx="2"/>
+          </p:nvPr>
+        </p:nvSpPr>
+        <p:spPr>
+          <a:xfrm>
+            <a:off x="381000" y="685800"/>
+            <a:ext cx="6096000" cy="3429000"/>
+          </a:xfrm>
+          <a:custGeom>
+            <a:avLst/>
+            <a:gdLst/>
+            <a:ahLst/>
+            <a:cxnLst/>
+            <a:rect l="l" t="t" r="r" b="b"/>
+            <a:pathLst>
+              <a:path w="120000" h="120000" extrusionOk="0">
+                <a:moveTo>
+                  <a:pt x="0" y="0"/>
+                </a:moveTo>
+                <a:lnTo>
+                  <a:pt x="120000" y="0"/>
+                </a:lnTo>
+                <a:lnTo>
+                  <a:pt x="120000" y="120000"/>
+                </a:lnTo>
+                <a:lnTo>
+                  <a:pt x="0" y="120000"/>
+                </a:lnTo>
+                <a:close/>
+              </a:path>
+            </a:pathLst>
+          </a:custGeom>
+          <a:noFill/>
+          <a:ln w="9525" cap="flat" cmpd="sng">
+            <a:solidFill>
+              <a:srgbClr val="000000"/>
+            </a:solidFill>
+            <a:prstDash val="solid"/>
+            <a:round/>
+            <a:headEnd type="none" w="sm" len="sm"/>
+            <a:tailEnd type="none" w="sm" len="sm"/>
+          </a:ln>
+        </p:spPr>
+      </p:sp>
+    </p:spTree>
+    <p:extLst>
+      <p:ext uri="{BB962C8B-B14F-4D97-AF65-F5344CB8AC3E}">
+        <p14:creationId xmlns:p14="http://schemas.microsoft.com/office/powerpoint/2010/main" val="2582692692"/>
+      </p:ext>
+    </p:extLst>
+  </p:cSld>
+  <p:clrMapOvr>
+    <a:masterClrMapping/>
+  </p:clrMapOvr>
+</p:notes>
+</file>
+
+<file path=ppt/notesSlides/notesSlide27.xml><?xml version="1.0" encoding="utf-8"?>
 <p:notes xmlns:a="http://schemas.openxmlformats.org/drawingml/2006/main" xmlns:r="http://schemas.openxmlformats.org/officeDocument/2006/relationships" xmlns:p="http://schemas.openxmlformats.org/presentationml/2006/main" showMasterSp="0" showMasterPhAnim="0">
   <p:cSld>
     <p:spTree>
@@ -3351,7 +3730,7 @@
 </p:notes>
 </file>
 
-<file path=ppt/notesSlides/notesSlide27.xml><?xml version="1.0" encoding="utf-8"?>
+<file path=ppt/notesSlides/notesSlide28.xml><?xml version="1.0" encoding="utf-8"?>
 <p:notes xmlns:a="http://schemas.openxmlformats.org/drawingml/2006/main" xmlns:r="http://schemas.openxmlformats.org/officeDocument/2006/relationships" xmlns:p="http://schemas.openxmlformats.org/presentationml/2006/main" showMasterSp="0" showMasterPhAnim="0">
   <p:cSld>
     <p:spTree>
@@ -3473,7 +3852,7 @@
 </p:notes>
 </file>
 
-<file path=ppt/notesSlides/notesSlide28.xml><?xml version="1.0" encoding="utf-8"?>
+<file path=ppt/notesSlides/notesSlide29.xml><?xml version="1.0" encoding="utf-8"?>
 <p:notes xmlns:a="http://schemas.openxmlformats.org/drawingml/2006/main" xmlns:r="http://schemas.openxmlformats.org/officeDocument/2006/relationships" xmlns:p="http://schemas.openxmlformats.org/presentationml/2006/main" showMasterSp="0" showMasterPhAnim="0">
   <p:cSld>
     <p:spTree>
@@ -3840,10 +4219,7 @@
           <a:bodyPr/>
           <a:lstStyle/>
           <a:p>
-            <a:r>
-              <a:rPr lang="en-US" dirty="0"/>
-              <a:t>If not call next(), next middleware will not invoked</a:t>
-            </a:r>
+            <a:endParaRPr lang="en-US" dirty="0"/>
           </a:p>
         </p:txBody>
       </p:sp>
@@ -4176,7 +4552,7 @@
               <a:buSzPts val="1100"/>
               <a:buNone/>
             </a:pPr>
-            <a:endParaRPr/>
+            <a:endParaRPr dirty="0"/>
           </a:p>
         </p:txBody>
       </p:sp>
@@ -24911,6 +25287,116 @@
             </a:r>
           </a:p>
           <a:p>
+            <a:pPr marL="457200" lvl="0" indent="-320040" algn="l" rtl="0">
+              <a:lnSpc>
+                <a:spcPct val="200000"/>
+              </a:lnSpc>
+              <a:spcBef>
+                <a:spcPts val="0"/>
+              </a:spcBef>
+              <a:spcAft>
+                <a:spcPts val="0"/>
+              </a:spcAft>
+              <a:buClr>
+                <a:schemeClr val="lt1"/>
+              </a:buClr>
+              <a:buSzPts val="1440"/>
+              <a:buFont typeface="Times New Roman" panose="02020603050405020304"/>
+              <a:buChar char="►"/>
+            </a:pPr>
+            <a:r>
+              <a:rPr lang="en-US" dirty="0">
+                <a:solidFill>
+                  <a:schemeClr val="lt1"/>
+                </a:solidFill>
+                <a:latin typeface="Times New Roman" panose="02020603050405020304"/>
+                <a:cs typeface="Times New Roman" panose="02020603050405020304"/>
+                <a:sym typeface="Times New Roman" panose="02020603050405020304"/>
+              </a:rPr>
+              <a:t>Use “Map” when branch request based on request path only.</a:t>
+            </a:r>
+          </a:p>
+          <a:p>
+            <a:pPr marL="457200" lvl="0" indent="-320040" algn="l" rtl="0">
+              <a:lnSpc>
+                <a:spcPct val="200000"/>
+              </a:lnSpc>
+              <a:spcBef>
+                <a:spcPts val="0"/>
+              </a:spcBef>
+              <a:spcAft>
+                <a:spcPts val="0"/>
+              </a:spcAft>
+              <a:buClr>
+                <a:schemeClr val="lt1"/>
+              </a:buClr>
+              <a:buSzPts val="1440"/>
+              <a:buFont typeface="Times New Roman" panose="02020603050405020304"/>
+              <a:buChar char="►"/>
+            </a:pPr>
+            <a:r>
+              <a:rPr lang="en-US" dirty="0">
+                <a:solidFill>
+                  <a:schemeClr val="lt1"/>
+                </a:solidFill>
+                <a:latin typeface="Times New Roman" panose="02020603050405020304"/>
+                <a:cs typeface="Times New Roman" panose="02020603050405020304"/>
+                <a:sym typeface="Times New Roman" panose="02020603050405020304"/>
+              </a:rPr>
+              <a:t>Use “</a:t>
+            </a:r>
+            <a:r>
+              <a:rPr lang="en-US" dirty="0" err="1">
+                <a:solidFill>
+                  <a:schemeClr val="lt1"/>
+                </a:solidFill>
+                <a:latin typeface="Times New Roman" panose="02020603050405020304"/>
+                <a:cs typeface="Times New Roman" panose="02020603050405020304"/>
+                <a:sym typeface="Times New Roman" panose="02020603050405020304"/>
+              </a:rPr>
+              <a:t>MapWhen</a:t>
+            </a:r>
+            <a:r>
+              <a:rPr lang="en-US" dirty="0">
+                <a:solidFill>
+                  <a:schemeClr val="lt1"/>
+                </a:solidFill>
+                <a:latin typeface="Times New Roman" panose="02020603050405020304"/>
+                <a:cs typeface="Times New Roman" panose="02020603050405020304"/>
+                <a:sym typeface="Times New Roman" panose="02020603050405020304"/>
+              </a:rPr>
+              <a:t>” when </a:t>
+            </a:r>
+            <a:r>
+              <a:rPr lang="en-GB" dirty="0">
+                <a:solidFill>
+                  <a:schemeClr val="lt1"/>
+                </a:solidFill>
+                <a:latin typeface="Times New Roman" panose="02020603050405020304"/>
+                <a:cs typeface="Times New Roman" panose="02020603050405020304"/>
+              </a:rPr>
+              <a:t>branch request based on other data from the HTTP request.</a:t>
+            </a:r>
+            <a:br>
+              <a:rPr lang="en-US" dirty="0">
+                <a:solidFill>
+                  <a:schemeClr val="lt1"/>
+                </a:solidFill>
+                <a:latin typeface="Times New Roman" panose="02020603050405020304"/>
+                <a:cs typeface="Times New Roman" panose="02020603050405020304"/>
+                <a:sym typeface="Times New Roman" panose="02020603050405020304"/>
+              </a:rPr>
+            </a:br>
+            <a:endParaRPr lang="en-US" dirty="0">
+              <a:solidFill>
+                <a:schemeClr val="lt1"/>
+              </a:solidFill>
+              <a:latin typeface="Times New Roman" panose="02020603050405020304"/>
+              <a:cs typeface="Times New Roman" panose="02020603050405020304"/>
+              <a:sym typeface="Times New Roman" panose="02020603050405020304"/>
+            </a:endParaRPr>
+          </a:p>
+          <a:p>
             <a:pPr marL="137160" lvl="0" indent="0" algn="l" rtl="0">
               <a:lnSpc>
                 <a:spcPct val="200000"/>
@@ -25118,7 +25604,7 @@
         </p:blipFill>
         <p:spPr>
           <a:xfrm>
-            <a:off x="1622368" y="2164704"/>
+            <a:off x="815879" y="3508325"/>
             <a:ext cx="7432179" cy="1899335"/>
           </a:xfrm>
           <a:prstGeom prst="rect">
@@ -25148,7 +25634,7 @@
         </p:blipFill>
         <p:spPr>
           <a:xfrm>
-            <a:off x="1645712" y="4314872"/>
+            <a:off x="2316965" y="4939552"/>
             <a:ext cx="7294516" cy="1349142"/>
           </a:xfrm>
           <a:prstGeom prst="rect">
@@ -25270,7 +25756,7 @@
                 <a:cs typeface="Times New Roman" panose="02020603050405020304"/>
                 <a:sym typeface="Times New Roman" panose="02020603050405020304"/>
               </a:rPr>
-              <a:t>Unlike </a:t>
+              <a:t>Unlike “</a:t>
             </a:r>
             <a:r>
               <a:rPr lang="en-US" dirty="0" err="1">
@@ -25292,7 +25778,7 @@
                 <a:cs typeface="Times New Roman" panose="02020603050405020304"/>
                 <a:sym typeface="Times New Roman" panose="02020603050405020304"/>
               </a:rPr>
-              <a:t>, </a:t>
+              <a:t>”, </a:t>
             </a:r>
             <a:r>
               <a:rPr lang="en-US" dirty="0">
@@ -25663,7 +26149,7 @@
                 <a:cs typeface="Times New Roman" panose="02020603050405020304"/>
                 <a:sym typeface="Times New Roman" panose="02020603050405020304"/>
               </a:rPr>
-              <a:t>Middleware class must have</a:t>
+              <a:t>Middleware class must have :</a:t>
             </a:r>
           </a:p>
           <a:p>
@@ -26045,444 +26531,6 @@
           </a:bodyPr>
           <a:lstStyle/>
           <a:p>
-            <a:pPr marL="457200" lvl="0" indent="-320040" algn="l" rtl="0">
-              <a:lnSpc>
-                <a:spcPct val="200000"/>
-              </a:lnSpc>
-              <a:spcBef>
-                <a:spcPts val="0"/>
-              </a:spcBef>
-              <a:spcAft>
-                <a:spcPts val="0"/>
-              </a:spcAft>
-              <a:buClr>
-                <a:schemeClr val="lt1"/>
-              </a:buClr>
-              <a:buSzPts val="1440"/>
-              <a:buFont typeface="Times New Roman" panose="02020603050405020304"/>
-              <a:buChar char="►"/>
-            </a:pPr>
-            <a:r>
-              <a:rPr lang="en-US" dirty="0">
-                <a:solidFill>
-                  <a:schemeClr val="lt1"/>
-                </a:solidFill>
-                <a:latin typeface="Times New Roman" panose="02020603050405020304"/>
-                <a:cs typeface="Times New Roman" panose="02020603050405020304"/>
-                <a:sym typeface="Times New Roman" panose="02020603050405020304"/>
-              </a:rPr>
-              <a:t>We can create custom middleware and trigger in pipeline.</a:t>
-            </a:r>
-          </a:p>
-          <a:p>
-            <a:pPr marL="457200" lvl="0" indent="-320040" algn="l" rtl="0">
-              <a:lnSpc>
-                <a:spcPct val="200000"/>
-              </a:lnSpc>
-              <a:spcBef>
-                <a:spcPts val="0"/>
-              </a:spcBef>
-              <a:spcAft>
-                <a:spcPts val="0"/>
-              </a:spcAft>
-              <a:buClr>
-                <a:schemeClr val="lt1"/>
-              </a:buClr>
-              <a:buSzPts val="1440"/>
-              <a:buFont typeface="Times New Roman" panose="02020603050405020304"/>
-              <a:buChar char="►"/>
-            </a:pPr>
-            <a:r>
-              <a:rPr lang="en-US" dirty="0">
-                <a:solidFill>
-                  <a:schemeClr val="lt1"/>
-                </a:solidFill>
-                <a:latin typeface="Times New Roman" panose="02020603050405020304"/>
-                <a:cs typeface="Times New Roman" panose="02020603050405020304"/>
-                <a:sym typeface="Times New Roman" panose="02020603050405020304"/>
-              </a:rPr>
-              <a:t>Middleware class must have</a:t>
-            </a:r>
-          </a:p>
-          <a:p>
-            <a:pPr lvl="1">
-              <a:lnSpc>
-                <a:spcPct val="200000"/>
-              </a:lnSpc>
-              <a:spcBef>
-                <a:spcPts val="0"/>
-              </a:spcBef>
-              <a:buClr>
-                <a:schemeClr val="lt1"/>
-              </a:buClr>
-              <a:buFont typeface="Times New Roman" panose="02020603050405020304"/>
-              <a:buChar char="►"/>
-            </a:pPr>
-            <a:r>
-              <a:rPr lang="en-US" dirty="0">
-                <a:solidFill>
-                  <a:schemeClr val="lt1"/>
-                </a:solidFill>
-                <a:latin typeface="Times New Roman" panose="02020603050405020304"/>
-                <a:cs typeface="Times New Roman" panose="02020603050405020304"/>
-              </a:rPr>
-              <a:t>A public constructor with a parameter of type </a:t>
-            </a:r>
-            <a:r>
-              <a:rPr lang="en-US" dirty="0">
-                <a:solidFill>
-                  <a:schemeClr val="lt1"/>
-                </a:solidFill>
-                <a:latin typeface="Times New Roman" panose="02020603050405020304"/>
-                <a:cs typeface="Times New Roman" panose="02020603050405020304"/>
-                <a:hlinkClick r:id="rId3">
-                  <a:extLst>
-                    <a:ext uri="{A12FA001-AC4F-418D-AE19-62706E023703}">
-                      <ahyp:hlinkClr xmlns:ahyp="http://schemas.microsoft.com/office/drawing/2018/hyperlinkcolor" val="tx"/>
-                    </a:ext>
-                  </a:extLst>
-                </a:hlinkClick>
-              </a:rPr>
-              <a:t>“</a:t>
-            </a:r>
-            <a:r>
-              <a:rPr lang="en-US" dirty="0" err="1">
-                <a:solidFill>
-                  <a:schemeClr val="lt1"/>
-                </a:solidFill>
-                <a:latin typeface="Times New Roman" panose="02020603050405020304"/>
-                <a:cs typeface="Times New Roman" panose="02020603050405020304"/>
-                <a:hlinkClick r:id="rId3">
-                  <a:extLst>
-                    <a:ext uri="{A12FA001-AC4F-418D-AE19-62706E023703}">
-                      <ahyp:hlinkClr xmlns:ahyp="http://schemas.microsoft.com/office/drawing/2018/hyperlinkcolor" val="tx"/>
-                    </a:ext>
-                  </a:extLst>
-                </a:hlinkClick>
-              </a:rPr>
-              <a:t>RequestDelegate</a:t>
-            </a:r>
-            <a:r>
-              <a:rPr lang="en-US" dirty="0">
-                <a:solidFill>
-                  <a:schemeClr val="lt1"/>
-                </a:solidFill>
-                <a:latin typeface="Times New Roman" panose="02020603050405020304"/>
-                <a:cs typeface="Times New Roman" panose="02020603050405020304"/>
-              </a:rPr>
-              <a:t>”.</a:t>
-            </a:r>
-          </a:p>
-          <a:p>
-            <a:pPr lvl="1">
-              <a:lnSpc>
-                <a:spcPct val="200000"/>
-              </a:lnSpc>
-              <a:spcBef>
-                <a:spcPts val="0"/>
-              </a:spcBef>
-              <a:buClr>
-                <a:schemeClr val="lt1"/>
-              </a:buClr>
-              <a:buFont typeface="Times New Roman" panose="02020603050405020304"/>
-              <a:buChar char="►"/>
-            </a:pPr>
-            <a:r>
-              <a:rPr lang="en-US" dirty="0">
-                <a:solidFill>
-                  <a:schemeClr val="lt1"/>
-                </a:solidFill>
-                <a:latin typeface="Times New Roman" panose="02020603050405020304"/>
-                <a:cs typeface="Times New Roman" panose="02020603050405020304"/>
-              </a:rPr>
-              <a:t>A public method named </a:t>
-            </a:r>
-            <a:r>
-              <a:rPr lang="en-US" b="1" dirty="0">
-                <a:solidFill>
-                  <a:schemeClr val="lt1"/>
-                </a:solidFill>
-                <a:latin typeface="Times New Roman" panose="02020603050405020304"/>
-                <a:cs typeface="Times New Roman" panose="02020603050405020304"/>
-              </a:rPr>
-              <a:t>Invoke </a:t>
-            </a:r>
-            <a:r>
-              <a:rPr lang="en-US" dirty="0">
-                <a:solidFill>
-                  <a:schemeClr val="lt1"/>
-                </a:solidFill>
-                <a:latin typeface="Times New Roman" panose="02020603050405020304"/>
-                <a:cs typeface="Times New Roman" panose="02020603050405020304"/>
-              </a:rPr>
-              <a:t>or</a:t>
-            </a:r>
-            <a:r>
-              <a:rPr lang="en-US" b="1" dirty="0">
-                <a:solidFill>
-                  <a:schemeClr val="lt1"/>
-                </a:solidFill>
-                <a:latin typeface="Times New Roman" panose="02020603050405020304"/>
-                <a:cs typeface="Times New Roman" panose="02020603050405020304"/>
-              </a:rPr>
-              <a:t> </a:t>
-            </a:r>
-            <a:r>
-              <a:rPr lang="en-US" b="1" dirty="0" err="1">
-                <a:solidFill>
-                  <a:schemeClr val="lt1"/>
-                </a:solidFill>
-                <a:latin typeface="Times New Roman" panose="02020603050405020304"/>
-                <a:cs typeface="Times New Roman" panose="02020603050405020304"/>
-              </a:rPr>
-              <a:t>InvokeAsync</a:t>
-            </a:r>
-            <a:r>
-              <a:rPr lang="en-US" b="1" dirty="0">
-                <a:solidFill>
-                  <a:schemeClr val="lt1"/>
-                </a:solidFill>
-                <a:latin typeface="Times New Roman" panose="02020603050405020304"/>
-                <a:cs typeface="Times New Roman" panose="02020603050405020304"/>
-              </a:rPr>
-              <a:t>. </a:t>
-            </a:r>
-            <a:r>
-              <a:rPr lang="en-US" dirty="0">
-                <a:solidFill>
-                  <a:schemeClr val="lt1"/>
-                </a:solidFill>
-                <a:latin typeface="Times New Roman" panose="02020603050405020304"/>
-                <a:cs typeface="Times New Roman" panose="02020603050405020304"/>
-              </a:rPr>
-              <a:t>This method must return Task and Accept first parameter of type </a:t>
-            </a:r>
-            <a:r>
-              <a:rPr lang="en-US" b="1" dirty="0" err="1">
-                <a:solidFill>
-                  <a:schemeClr val="lt1"/>
-                </a:solidFill>
-                <a:latin typeface="Times New Roman" panose="02020603050405020304"/>
-                <a:cs typeface="Times New Roman" panose="02020603050405020304"/>
-              </a:rPr>
-              <a:t>HttpContext</a:t>
-            </a:r>
-            <a:endParaRPr lang="en-US" dirty="0">
-              <a:solidFill>
-                <a:schemeClr val="lt1"/>
-              </a:solidFill>
-              <a:latin typeface="Times New Roman" panose="02020603050405020304"/>
-              <a:cs typeface="Times New Roman" panose="02020603050405020304"/>
-              <a:sym typeface="Times New Roman" panose="02020603050405020304"/>
-            </a:endParaRPr>
-          </a:p>
-          <a:p>
-            <a:pPr marL="457200" lvl="0" indent="-320040" algn="l" rtl="0">
-              <a:lnSpc>
-                <a:spcPct val="200000"/>
-              </a:lnSpc>
-              <a:spcBef>
-                <a:spcPts val="0"/>
-              </a:spcBef>
-              <a:spcAft>
-                <a:spcPts val="0"/>
-              </a:spcAft>
-              <a:buClr>
-                <a:schemeClr val="lt1"/>
-              </a:buClr>
-              <a:buSzPts val="1440"/>
-              <a:buFont typeface="Times New Roman" panose="02020603050405020304"/>
-              <a:buChar char="►"/>
-            </a:pPr>
-            <a:endParaRPr lang="en-US" dirty="0">
-              <a:solidFill>
-                <a:schemeClr val="lt1"/>
-              </a:solidFill>
-              <a:latin typeface="Times New Roman" panose="02020603050405020304"/>
-              <a:cs typeface="Times New Roman" panose="02020603050405020304"/>
-              <a:sym typeface="Times New Roman" panose="02020603050405020304"/>
-            </a:endParaRPr>
-          </a:p>
-        </p:txBody>
-      </p:sp>
-      <p:sp>
-        <p:nvSpPr>
-          <p:cNvPr id="152" name="Google Shape;152;geea522d09e_0_15"/>
-          <p:cNvSpPr txBox="1"/>
-          <p:nvPr/>
-        </p:nvSpPr>
-        <p:spPr>
-          <a:xfrm>
-            <a:off x="677334" y="678873"/>
-            <a:ext cx="6096000" cy="643890"/>
-          </a:xfrm>
-          <a:prstGeom prst="rect">
-            <a:avLst/>
-          </a:prstGeom>
-          <a:noFill/>
-          <a:ln>
-            <a:noFill/>
-          </a:ln>
-        </p:spPr>
-        <p:txBody>
-          <a:bodyPr spcFirstLastPara="1" wrap="square" lIns="91425" tIns="45700" rIns="91425" bIns="45700" anchor="t" anchorCtr="0">
-            <a:spAutoFit/>
-          </a:bodyPr>
-          <a:lstStyle/>
-          <a:p>
-            <a:pPr marL="0" marR="0" lvl="0" indent="0" algn="l" rtl="0">
-              <a:lnSpc>
-                <a:spcPct val="100000"/>
-              </a:lnSpc>
-              <a:spcBef>
-                <a:spcPts val="0"/>
-              </a:spcBef>
-              <a:spcAft>
-                <a:spcPts val="0"/>
-              </a:spcAft>
-              <a:buClr>
-                <a:srgbClr val="000000"/>
-              </a:buClr>
-              <a:buSzPts val="3600"/>
-              <a:buFont typeface="Arial" panose="020B0604020202020204"/>
-              <a:buNone/>
-            </a:pPr>
-            <a:r>
-              <a:rPr lang="en-US" sz="3600" b="0" i="0" u="none" strike="noStrike" cap="none" dirty="0">
-                <a:solidFill>
-                  <a:srgbClr val="93DF5F"/>
-                </a:solidFill>
-                <a:latin typeface="Times New Roman" panose="02020603050405020304"/>
-                <a:ea typeface="Times New Roman" panose="02020603050405020304"/>
-                <a:cs typeface="Times New Roman" panose="02020603050405020304"/>
-                <a:sym typeface="Times New Roman" panose="02020603050405020304"/>
-              </a:rPr>
-              <a:t>Custom Middleware</a:t>
-            </a:r>
-            <a:endParaRPr sz="3600" b="0" i="0" u="none" strike="noStrike" cap="none" dirty="0">
-              <a:solidFill>
-                <a:srgbClr val="93DF5F"/>
-              </a:solidFill>
-              <a:latin typeface="Times New Roman" panose="02020603050405020304"/>
-              <a:ea typeface="Times New Roman" panose="02020603050405020304"/>
-              <a:cs typeface="Times New Roman" panose="02020603050405020304"/>
-              <a:sym typeface="Times New Roman" panose="02020603050405020304"/>
-            </a:endParaRPr>
-          </a:p>
-        </p:txBody>
-      </p:sp>
-      <p:cxnSp>
-        <p:nvCxnSpPr>
-          <p:cNvPr id="153" name="Google Shape;153;geea522d09e_0_15"/>
-          <p:cNvCxnSpPr/>
-          <p:nvPr/>
-        </p:nvCxnSpPr>
-        <p:spPr>
-          <a:xfrm>
-            <a:off x="815879" y="1325204"/>
-            <a:ext cx="5210700" cy="0"/>
-          </a:xfrm>
-          <a:prstGeom prst="straightConnector1">
-            <a:avLst/>
-          </a:prstGeom>
-          <a:noFill/>
-          <a:ln w="25400" cap="flat" cmpd="sng">
-            <a:solidFill>
-              <a:schemeClr val="accent1"/>
-            </a:solidFill>
-            <a:prstDash val="solid"/>
-            <a:round/>
-            <a:headEnd type="none" w="sm" len="sm"/>
-            <a:tailEnd type="none" w="sm" len="sm"/>
-          </a:ln>
-        </p:spPr>
-      </p:cxnSp>
-      <p:pic>
-        <p:nvPicPr>
-          <p:cNvPr id="154" name="Google Shape;154;geea522d09e_0_15"/>
-          <p:cNvPicPr preferRelativeResize="0"/>
-          <p:nvPr/>
-        </p:nvPicPr>
-        <p:blipFill rotWithShape="1">
-          <a:blip r:embed="rId4"/>
-          <a:srcRect/>
-          <a:stretch>
-            <a:fillRect/>
-          </a:stretch>
-        </p:blipFill>
-        <p:spPr>
-          <a:xfrm>
-            <a:off x="677316" y="6274352"/>
-            <a:ext cx="1639649" cy="413900"/>
-          </a:xfrm>
-          <a:prstGeom prst="rect">
-            <a:avLst/>
-          </a:prstGeom>
-          <a:noFill/>
-          <a:ln>
-            <a:noFill/>
-          </a:ln>
-        </p:spPr>
-      </p:pic>
-    </p:spTree>
-    <p:extLst>
-      <p:ext uri="{BB962C8B-B14F-4D97-AF65-F5344CB8AC3E}">
-        <p14:creationId xmlns:p14="http://schemas.microsoft.com/office/powerpoint/2010/main" val="4265980732"/>
-      </p:ext>
-    </p:extLst>
-  </p:cSld>
-  <p:clrMapOvr>
-    <a:masterClrMapping/>
-  </p:clrMapOvr>
-</p:sld>
-</file>
-
-<file path=ppt/slides/slide16.xml><?xml version="1.0" encoding="utf-8"?>
-<p:sld xmlns:a="http://schemas.openxmlformats.org/drawingml/2006/main" xmlns:r="http://schemas.openxmlformats.org/officeDocument/2006/relationships" xmlns:p="http://schemas.openxmlformats.org/presentationml/2006/main">
-  <p:cSld>
-    <p:spTree>
-      <p:nvGrpSpPr>
-        <p:cNvPr id="1" name="Shape 150"/>
-        <p:cNvGrpSpPr/>
-        <p:nvPr/>
-      </p:nvGrpSpPr>
-      <p:grpSpPr>
-        <a:xfrm>
-          <a:off x="0" y="0"/>
-          <a:ext cx="0" cy="0"/>
-          <a:chOff x="0" y="0"/>
-          <a:chExt cx="0" cy="0"/>
-        </a:xfrm>
-      </p:grpSpPr>
-      <p:sp>
-        <p:nvSpPr>
-          <p:cNvPr id="151" name="Google Shape;151;geea522d09e_0_15"/>
-          <p:cNvSpPr txBox="1">
-            <a:spLocks noGrp="1"/>
-          </p:cNvSpPr>
-          <p:nvPr>
-            <p:ph type="body" idx="1"/>
-          </p:nvPr>
-        </p:nvSpPr>
-        <p:spPr>
-          <a:xfrm>
-            <a:off x="695325" y="1450340"/>
-            <a:ext cx="8596630" cy="4840605"/>
-          </a:xfrm>
-          <a:prstGeom prst="rect">
-            <a:avLst/>
-          </a:prstGeom>
-          <a:noFill/>
-          <a:ln>
-            <a:noFill/>
-          </a:ln>
-        </p:spPr>
-        <p:txBody>
-          <a:bodyPr spcFirstLastPara="1" wrap="square" lIns="91425" tIns="45700" rIns="91425" bIns="45700" anchor="t" anchorCtr="0">
-            <a:noAutofit/>
-          </a:bodyPr>
-          <a:lstStyle/>
-          <a:p>
             <a:pPr marL="137160" lvl="0" indent="0" algn="l" rtl="0">
               <a:lnSpc>
                 <a:spcPct val="200000"/>
@@ -26672,7 +26720,7 @@
 </p:sld>
 </file>
 
-<file path=ppt/slides/slide17.xml><?xml version="1.0" encoding="utf-8"?>
+<file path=ppt/slides/slide16.xml><?xml version="1.0" encoding="utf-8"?>
 <p:sld xmlns:a="http://schemas.openxmlformats.org/drawingml/2006/main" xmlns:r="http://schemas.openxmlformats.org/officeDocument/2006/relationships" xmlns:p="http://schemas.openxmlformats.org/presentationml/2006/main">
   <p:cSld>
     <p:spTree>
@@ -26907,439 +26955,7 @@
 </p:sld>
 </file>
 
-<file path=ppt/slides/slide18.xml><?xml version="1.0" encoding="utf-8"?>
-<p:sld xmlns:a="http://schemas.openxmlformats.org/drawingml/2006/main" xmlns:r="http://schemas.openxmlformats.org/officeDocument/2006/relationships" xmlns:p="http://schemas.openxmlformats.org/presentationml/2006/main">
-  <p:cSld>
-    <p:spTree>
-      <p:nvGrpSpPr>
-        <p:cNvPr id="1" name="Shape 150"/>
-        <p:cNvGrpSpPr/>
-        <p:nvPr/>
-      </p:nvGrpSpPr>
-      <p:grpSpPr>
-        <a:xfrm>
-          <a:off x="0" y="0"/>
-          <a:ext cx="0" cy="0"/>
-          <a:chOff x="0" y="0"/>
-          <a:chExt cx="0" cy="0"/>
-        </a:xfrm>
-      </p:grpSpPr>
-      <p:sp>
-        <p:nvSpPr>
-          <p:cNvPr id="151" name="Google Shape;151;geea522d09e_0_15"/>
-          <p:cNvSpPr txBox="1">
-            <a:spLocks noGrp="1"/>
-          </p:cNvSpPr>
-          <p:nvPr>
-            <p:ph type="body" idx="1"/>
-          </p:nvPr>
-        </p:nvSpPr>
-        <p:spPr>
-          <a:xfrm>
-            <a:off x="695325" y="1450340"/>
-            <a:ext cx="8596630" cy="4840605"/>
-          </a:xfrm>
-          <a:prstGeom prst="rect">
-            <a:avLst/>
-          </a:prstGeom>
-          <a:noFill/>
-          <a:ln>
-            <a:noFill/>
-          </a:ln>
-        </p:spPr>
-        <p:txBody>
-          <a:bodyPr spcFirstLastPara="1" wrap="square" lIns="91425" tIns="45700" rIns="91425" bIns="45700" anchor="t" anchorCtr="0">
-            <a:noAutofit/>
-          </a:bodyPr>
-          <a:lstStyle/>
-          <a:p>
-            <a:pPr>
-              <a:lnSpc>
-                <a:spcPct val="200000"/>
-              </a:lnSpc>
-              <a:spcBef>
-                <a:spcPts val="0"/>
-              </a:spcBef>
-              <a:buClr>
-                <a:schemeClr val="lt1"/>
-              </a:buClr>
-            </a:pPr>
-            <a:r>
-              <a:rPr lang="en-US" dirty="0">
-                <a:solidFill>
-                  <a:schemeClr val="lt1"/>
-                </a:solidFill>
-                <a:latin typeface="Times New Roman" panose="02020603050405020304"/>
-                <a:cs typeface="Times New Roman" panose="02020603050405020304"/>
-                <a:sym typeface="Times New Roman" panose="02020603050405020304"/>
-              </a:rPr>
-              <a:t>Filter allow us to custom code before or after executing method.</a:t>
-            </a:r>
-          </a:p>
-          <a:p>
-            <a:pPr>
-              <a:lnSpc>
-                <a:spcPct val="200000"/>
-              </a:lnSpc>
-              <a:spcBef>
-                <a:spcPts val="0"/>
-              </a:spcBef>
-              <a:buClr>
-                <a:schemeClr val="lt1"/>
-              </a:buClr>
-            </a:pPr>
-            <a:r>
-              <a:rPr lang="en-US" dirty="0">
-                <a:solidFill>
-                  <a:schemeClr val="lt1"/>
-                </a:solidFill>
-                <a:latin typeface="Times New Roman" panose="02020603050405020304"/>
-                <a:cs typeface="Times New Roman" panose="02020603050405020304"/>
-                <a:sym typeface="Times New Roman" panose="02020603050405020304"/>
-              </a:rPr>
-              <a:t>Filters are invoked on certain stages in the request pipeline.</a:t>
-            </a:r>
-          </a:p>
-          <a:p>
-            <a:pPr>
-              <a:lnSpc>
-                <a:spcPct val="200000"/>
-              </a:lnSpc>
-              <a:spcBef>
-                <a:spcPts val="0"/>
-              </a:spcBef>
-              <a:buClr>
-                <a:schemeClr val="lt1"/>
-              </a:buClr>
-            </a:pPr>
-            <a:r>
-              <a:rPr lang="en-US" dirty="0">
-                <a:solidFill>
-                  <a:schemeClr val="lt1"/>
-                </a:solidFill>
-                <a:latin typeface="Times New Roman" panose="02020603050405020304"/>
-                <a:cs typeface="Times New Roman" panose="02020603050405020304"/>
-                <a:sym typeface="Times New Roman" panose="02020603050405020304"/>
-              </a:rPr>
-              <a:t>Filter types:</a:t>
-            </a:r>
-          </a:p>
-          <a:p>
-            <a:pPr lvl="1">
-              <a:lnSpc>
-                <a:spcPct val="200000"/>
-              </a:lnSpc>
-              <a:spcBef>
-                <a:spcPts val="0"/>
-              </a:spcBef>
-              <a:buClr>
-                <a:schemeClr val="lt1"/>
-              </a:buClr>
-            </a:pPr>
-            <a:r>
-              <a:rPr lang="en-US" sz="1800" dirty="0">
-                <a:solidFill>
-                  <a:schemeClr val="lt1"/>
-                </a:solidFill>
-                <a:latin typeface="Times New Roman" panose="02020603050405020304"/>
-                <a:cs typeface="Times New Roman" panose="02020603050405020304"/>
-              </a:rPr>
-              <a:t>Authorization </a:t>
-            </a:r>
-            <a:endParaRPr lang="en-US" sz="1800" dirty="0">
-              <a:solidFill>
-                <a:schemeClr val="lt1"/>
-              </a:solidFill>
-              <a:latin typeface="Times New Roman" panose="02020603050405020304"/>
-              <a:cs typeface="Times New Roman" panose="02020603050405020304"/>
-              <a:sym typeface="Times New Roman" panose="02020603050405020304"/>
-            </a:endParaRPr>
-          </a:p>
-          <a:p>
-            <a:pPr lvl="1">
-              <a:lnSpc>
-                <a:spcPct val="200000"/>
-              </a:lnSpc>
-              <a:spcBef>
-                <a:spcPts val="0"/>
-              </a:spcBef>
-              <a:buClr>
-                <a:schemeClr val="lt1"/>
-              </a:buClr>
-            </a:pPr>
-            <a:r>
-              <a:rPr lang="en-US" sz="1800" dirty="0">
-                <a:solidFill>
-                  <a:schemeClr val="lt1"/>
-                </a:solidFill>
-                <a:latin typeface="Times New Roman" panose="02020603050405020304"/>
-                <a:cs typeface="Times New Roman" panose="02020603050405020304"/>
-              </a:rPr>
-              <a:t>Resource </a:t>
-            </a:r>
-            <a:endParaRPr lang="en-US" sz="1800" dirty="0">
-              <a:solidFill>
-                <a:schemeClr val="lt1"/>
-              </a:solidFill>
-              <a:latin typeface="Times New Roman" panose="02020603050405020304"/>
-              <a:cs typeface="Times New Roman" panose="02020603050405020304"/>
-              <a:sym typeface="Times New Roman" panose="02020603050405020304"/>
-            </a:endParaRPr>
-          </a:p>
-          <a:p>
-            <a:pPr lvl="1">
-              <a:lnSpc>
-                <a:spcPct val="200000"/>
-              </a:lnSpc>
-              <a:spcBef>
-                <a:spcPts val="0"/>
-              </a:spcBef>
-              <a:buClr>
-                <a:schemeClr val="lt1"/>
-              </a:buClr>
-            </a:pPr>
-            <a:r>
-              <a:rPr lang="en-US" sz="1800" dirty="0">
-                <a:solidFill>
-                  <a:schemeClr val="lt1"/>
-                </a:solidFill>
-                <a:latin typeface="Times New Roman" panose="02020603050405020304"/>
-                <a:cs typeface="Times New Roman" panose="02020603050405020304"/>
-              </a:rPr>
-              <a:t>Action </a:t>
-            </a:r>
-            <a:endParaRPr lang="en-US" sz="1800" dirty="0">
-              <a:solidFill>
-                <a:schemeClr val="lt1"/>
-              </a:solidFill>
-              <a:latin typeface="Times New Roman" panose="02020603050405020304"/>
-              <a:cs typeface="Times New Roman" panose="02020603050405020304"/>
-              <a:sym typeface="Times New Roman" panose="02020603050405020304"/>
-            </a:endParaRPr>
-          </a:p>
-          <a:p>
-            <a:pPr lvl="1">
-              <a:lnSpc>
-                <a:spcPct val="200000"/>
-              </a:lnSpc>
-              <a:spcBef>
-                <a:spcPts val="0"/>
-              </a:spcBef>
-              <a:buClr>
-                <a:schemeClr val="lt1"/>
-              </a:buClr>
-            </a:pPr>
-            <a:r>
-              <a:rPr lang="en-US" sz="1800" dirty="0">
-                <a:solidFill>
-                  <a:schemeClr val="lt1"/>
-                </a:solidFill>
-                <a:latin typeface="Times New Roman" panose="02020603050405020304"/>
-                <a:cs typeface="Times New Roman" panose="02020603050405020304"/>
-              </a:rPr>
-              <a:t>Exception </a:t>
-            </a:r>
-            <a:endParaRPr lang="en-US" sz="1800" dirty="0">
-              <a:solidFill>
-                <a:schemeClr val="lt1"/>
-              </a:solidFill>
-              <a:latin typeface="Times New Roman" panose="02020603050405020304"/>
-              <a:cs typeface="Times New Roman" panose="02020603050405020304"/>
-              <a:sym typeface="Times New Roman" panose="02020603050405020304"/>
-            </a:endParaRPr>
-          </a:p>
-          <a:p>
-            <a:pPr lvl="1">
-              <a:lnSpc>
-                <a:spcPct val="200000"/>
-              </a:lnSpc>
-              <a:spcBef>
-                <a:spcPts val="0"/>
-              </a:spcBef>
-              <a:buClr>
-                <a:schemeClr val="lt1"/>
-              </a:buClr>
-            </a:pPr>
-            <a:r>
-              <a:rPr lang="en-US" sz="1800" dirty="0">
-                <a:solidFill>
-                  <a:schemeClr val="lt1"/>
-                </a:solidFill>
-                <a:latin typeface="Times New Roman" panose="02020603050405020304"/>
-                <a:cs typeface="Times New Roman" panose="02020603050405020304"/>
-              </a:rPr>
-              <a:t>Result </a:t>
-            </a:r>
-            <a:endParaRPr lang="en-US" sz="1800" dirty="0">
-              <a:solidFill>
-                <a:schemeClr val="lt1"/>
-              </a:solidFill>
-              <a:latin typeface="Times New Roman" panose="02020603050405020304"/>
-              <a:cs typeface="Times New Roman" panose="02020603050405020304"/>
-              <a:sym typeface="Times New Roman" panose="02020603050405020304"/>
-            </a:endParaRPr>
-          </a:p>
-          <a:p>
-            <a:pPr marL="137160" lvl="0" indent="0" algn="l" rtl="0">
-              <a:lnSpc>
-                <a:spcPct val="200000"/>
-              </a:lnSpc>
-              <a:spcBef>
-                <a:spcPts val="0"/>
-              </a:spcBef>
-              <a:spcAft>
-                <a:spcPts val="0"/>
-              </a:spcAft>
-              <a:buClr>
-                <a:schemeClr val="lt1"/>
-              </a:buClr>
-              <a:buSzPts val="1440"/>
-              <a:buNone/>
-            </a:pPr>
-            <a:endParaRPr lang="en-US" dirty="0">
-              <a:solidFill>
-                <a:schemeClr val="lt1"/>
-              </a:solidFill>
-              <a:latin typeface="Times New Roman" panose="02020603050405020304"/>
-              <a:cs typeface="Times New Roman" panose="02020603050405020304"/>
-              <a:sym typeface="Times New Roman" panose="02020603050405020304"/>
-            </a:endParaRPr>
-          </a:p>
-        </p:txBody>
-      </p:sp>
-      <p:sp>
-        <p:nvSpPr>
-          <p:cNvPr id="152" name="Google Shape;152;geea522d09e_0_15"/>
-          <p:cNvSpPr txBox="1"/>
-          <p:nvPr/>
-        </p:nvSpPr>
-        <p:spPr>
-          <a:xfrm>
-            <a:off x="677334" y="678873"/>
-            <a:ext cx="7720942" cy="646290"/>
-          </a:xfrm>
-          <a:prstGeom prst="rect">
-            <a:avLst/>
-          </a:prstGeom>
-          <a:noFill/>
-          <a:ln>
-            <a:noFill/>
-          </a:ln>
-        </p:spPr>
-        <p:txBody>
-          <a:bodyPr spcFirstLastPara="1" wrap="square" lIns="91425" tIns="45700" rIns="91425" bIns="45700" anchor="t" anchorCtr="0">
-            <a:spAutoFit/>
-          </a:bodyPr>
-          <a:lstStyle/>
-          <a:p>
-            <a:pPr marL="0" marR="0" lvl="0" indent="0" algn="l" rtl="0">
-              <a:lnSpc>
-                <a:spcPct val="100000"/>
-              </a:lnSpc>
-              <a:spcBef>
-                <a:spcPts val="0"/>
-              </a:spcBef>
-              <a:spcAft>
-                <a:spcPts val="0"/>
-              </a:spcAft>
-              <a:buClr>
-                <a:srgbClr val="000000"/>
-              </a:buClr>
-              <a:buSzPts val="3600"/>
-              <a:buFont typeface="Arial" panose="020B0604020202020204"/>
-              <a:buNone/>
-            </a:pPr>
-            <a:r>
-              <a:rPr lang="en-US" sz="3600" b="0" i="0" u="none" strike="noStrike" cap="none" dirty="0">
-                <a:solidFill>
-                  <a:srgbClr val="93DF5F"/>
-                </a:solidFill>
-                <a:latin typeface="Times New Roman" panose="02020603050405020304"/>
-                <a:ea typeface="Times New Roman" panose="02020603050405020304"/>
-                <a:cs typeface="Times New Roman" panose="02020603050405020304"/>
-                <a:sym typeface="Times New Roman" panose="02020603050405020304"/>
-              </a:rPr>
-              <a:t>Filter in ASP.NET Core</a:t>
-            </a:r>
-            <a:endParaRPr sz="3600" b="0" i="0" u="none" strike="noStrike" cap="none" dirty="0">
-              <a:solidFill>
-                <a:srgbClr val="93DF5F"/>
-              </a:solidFill>
-              <a:latin typeface="Times New Roman" panose="02020603050405020304"/>
-              <a:ea typeface="Times New Roman" panose="02020603050405020304"/>
-              <a:cs typeface="Times New Roman" panose="02020603050405020304"/>
-              <a:sym typeface="Times New Roman" panose="02020603050405020304"/>
-            </a:endParaRPr>
-          </a:p>
-        </p:txBody>
-      </p:sp>
-      <p:cxnSp>
-        <p:nvCxnSpPr>
-          <p:cNvPr id="153" name="Google Shape;153;geea522d09e_0_15"/>
-          <p:cNvCxnSpPr/>
-          <p:nvPr/>
-        </p:nvCxnSpPr>
-        <p:spPr>
-          <a:xfrm>
-            <a:off x="815879" y="1325204"/>
-            <a:ext cx="5210700" cy="0"/>
-          </a:xfrm>
-          <a:prstGeom prst="straightConnector1">
-            <a:avLst/>
-          </a:prstGeom>
-          <a:noFill/>
-          <a:ln w="25400" cap="flat" cmpd="sng">
-            <a:solidFill>
-              <a:schemeClr val="accent1"/>
-            </a:solidFill>
-            <a:prstDash val="solid"/>
-            <a:round/>
-            <a:headEnd type="none" w="sm" len="sm"/>
-            <a:tailEnd type="none" w="sm" len="sm"/>
-          </a:ln>
-        </p:spPr>
-      </p:cxnSp>
-      <p:pic>
-        <p:nvPicPr>
-          <p:cNvPr id="154" name="Google Shape;154;geea522d09e_0_15"/>
-          <p:cNvPicPr preferRelativeResize="0"/>
-          <p:nvPr/>
-        </p:nvPicPr>
-        <p:blipFill rotWithShape="1">
-          <a:blip r:embed="rId3"/>
-          <a:srcRect/>
-          <a:stretch>
-            <a:fillRect/>
-          </a:stretch>
-        </p:blipFill>
-        <p:spPr>
-          <a:xfrm>
-            <a:off x="677316" y="6274352"/>
-            <a:ext cx="1639649" cy="413900"/>
-          </a:xfrm>
-          <a:prstGeom prst="rect">
-            <a:avLst/>
-          </a:prstGeom>
-          <a:noFill/>
-          <a:ln>
-            <a:noFill/>
-          </a:ln>
-        </p:spPr>
-      </p:pic>
-    </p:spTree>
-    <p:extLst>
-      <p:ext uri="{BB962C8B-B14F-4D97-AF65-F5344CB8AC3E}">
-        <p14:creationId xmlns:p14="http://schemas.microsoft.com/office/powerpoint/2010/main" val="3533770461"/>
-      </p:ext>
-    </p:extLst>
-  </p:cSld>
-  <p:clrMapOvr>
-    <a:masterClrMapping/>
-  </p:clrMapOvr>
-</p:sld>
-</file>
-
-<file path=ppt/slides/slide19.xml><?xml version="1.0" encoding="utf-8"?>
+<file path=ppt/slides/slide17.xml><?xml version="1.0" encoding="utf-8"?>
 <p:sld xmlns:a="http://schemas.openxmlformats.org/drawingml/2006/main" xmlns:r="http://schemas.openxmlformats.org/officeDocument/2006/relationships" xmlns:p="http://schemas.openxmlformats.org/presentationml/2006/main">
   <p:cSld>
     <p:spTree>
@@ -27804,6 +27420,863 @@
     <p:extLst>
       <p:ext uri="{BB962C8B-B14F-4D97-AF65-F5344CB8AC3E}">
         <p14:creationId xmlns:p14="http://schemas.microsoft.com/office/powerpoint/2010/main" val="1642574176"/>
+      </p:ext>
+    </p:extLst>
+  </p:cSld>
+  <p:clrMapOvr>
+    <a:masterClrMapping/>
+  </p:clrMapOvr>
+</p:sld>
+</file>
+
+<file path=ppt/slides/slide18.xml><?xml version="1.0" encoding="utf-8"?>
+<p:sld xmlns:a="http://schemas.openxmlformats.org/drawingml/2006/main" xmlns:r="http://schemas.openxmlformats.org/officeDocument/2006/relationships" xmlns:p="http://schemas.openxmlformats.org/presentationml/2006/main">
+  <p:cSld>
+    <p:spTree>
+      <p:nvGrpSpPr>
+        <p:cNvPr id="1" name="Shape 150"/>
+        <p:cNvGrpSpPr/>
+        <p:nvPr/>
+      </p:nvGrpSpPr>
+      <p:grpSpPr>
+        <a:xfrm>
+          <a:off x="0" y="0"/>
+          <a:ext cx="0" cy="0"/>
+          <a:chOff x="0" y="0"/>
+          <a:chExt cx="0" cy="0"/>
+        </a:xfrm>
+      </p:grpSpPr>
+      <p:sp>
+        <p:nvSpPr>
+          <p:cNvPr id="151" name="Google Shape;151;geea522d09e_0_15"/>
+          <p:cNvSpPr txBox="1">
+            <a:spLocks noGrp="1"/>
+          </p:cNvSpPr>
+          <p:nvPr>
+            <p:ph type="body" idx="1"/>
+          </p:nvPr>
+        </p:nvSpPr>
+        <p:spPr>
+          <a:xfrm>
+            <a:off x="695325" y="1450340"/>
+            <a:ext cx="8596630" cy="4840605"/>
+          </a:xfrm>
+          <a:prstGeom prst="rect">
+            <a:avLst/>
+          </a:prstGeom>
+          <a:noFill/>
+          <a:ln>
+            <a:noFill/>
+          </a:ln>
+        </p:spPr>
+        <p:txBody>
+          <a:bodyPr spcFirstLastPara="1" wrap="square" lIns="91425" tIns="45700" rIns="91425" bIns="45700" anchor="t" anchorCtr="0">
+            <a:noAutofit/>
+          </a:bodyPr>
+          <a:lstStyle/>
+          <a:p>
+            <a:pPr>
+              <a:lnSpc>
+                <a:spcPct val="200000"/>
+              </a:lnSpc>
+              <a:spcBef>
+                <a:spcPts val="0"/>
+              </a:spcBef>
+              <a:buClr>
+                <a:schemeClr val="lt1"/>
+              </a:buClr>
+            </a:pPr>
+            <a:r>
+              <a:rPr lang="en-US" dirty="0">
+                <a:solidFill>
+                  <a:schemeClr val="lt1"/>
+                </a:solidFill>
+                <a:latin typeface="Times New Roman" panose="02020603050405020304"/>
+                <a:cs typeface="Times New Roman" panose="02020603050405020304"/>
+                <a:sym typeface="Times New Roman" panose="02020603050405020304"/>
+              </a:rPr>
+              <a:t>We can implement for multiple filters type in single class.</a:t>
+            </a:r>
+          </a:p>
+          <a:p>
+            <a:pPr>
+              <a:lnSpc>
+                <a:spcPct val="200000"/>
+              </a:lnSpc>
+              <a:spcBef>
+                <a:spcPts val="0"/>
+              </a:spcBef>
+              <a:buClr>
+                <a:schemeClr val="lt1"/>
+              </a:buClr>
+            </a:pPr>
+            <a:r>
+              <a:rPr lang="en-US" dirty="0">
+                <a:solidFill>
+                  <a:schemeClr val="lt1"/>
+                </a:solidFill>
+                <a:latin typeface="Times New Roman" panose="02020603050405020304"/>
+                <a:cs typeface="Times New Roman" panose="02020603050405020304"/>
+              </a:rPr>
+              <a:t>If we implement both synchronous &amp; asynchronous , synchronous interface is never called.</a:t>
+            </a:r>
+          </a:p>
+          <a:p>
+            <a:pPr>
+              <a:lnSpc>
+                <a:spcPct val="200000"/>
+              </a:lnSpc>
+              <a:spcBef>
+                <a:spcPts val="0"/>
+              </a:spcBef>
+              <a:buClr>
+                <a:schemeClr val="lt1"/>
+              </a:buClr>
+            </a:pPr>
+            <a:r>
+              <a:rPr lang="en-US" dirty="0">
+                <a:solidFill>
+                  <a:schemeClr val="lt1"/>
+                </a:solidFill>
+                <a:latin typeface="Times New Roman" panose="02020603050405020304"/>
+                <a:cs typeface="Times New Roman" panose="02020603050405020304"/>
+                <a:sym typeface="Times New Roman" panose="02020603050405020304"/>
+              </a:rPr>
+              <a:t>Filter can be added to the pipeline at </a:t>
+            </a:r>
+            <a:r>
+              <a:rPr lang="en-US" i="1" dirty="0">
+                <a:solidFill>
+                  <a:schemeClr val="lt1"/>
+                </a:solidFill>
+                <a:latin typeface="Times New Roman" panose="02020603050405020304"/>
+                <a:cs typeface="Times New Roman" panose="02020603050405020304"/>
+                <a:sym typeface="Times New Roman" panose="02020603050405020304"/>
+              </a:rPr>
+              <a:t>one</a:t>
+            </a:r>
+            <a:r>
+              <a:rPr lang="en-US" dirty="0">
+                <a:solidFill>
+                  <a:schemeClr val="lt1"/>
+                </a:solidFill>
+                <a:latin typeface="Times New Roman" panose="02020603050405020304"/>
+                <a:cs typeface="Times New Roman" panose="02020603050405020304"/>
+                <a:sym typeface="Times New Roman" panose="02020603050405020304"/>
+              </a:rPr>
+              <a:t> of </a:t>
+            </a:r>
+            <a:r>
+              <a:rPr lang="en-US" b="1" dirty="0">
+                <a:solidFill>
+                  <a:schemeClr val="lt1"/>
+                </a:solidFill>
+                <a:latin typeface="Times New Roman" panose="02020603050405020304"/>
+                <a:cs typeface="Times New Roman" panose="02020603050405020304"/>
+                <a:sym typeface="Times New Roman" panose="02020603050405020304"/>
+              </a:rPr>
+              <a:t>three</a:t>
+            </a:r>
+            <a:r>
+              <a:rPr lang="en-US" dirty="0">
+                <a:solidFill>
+                  <a:schemeClr val="lt1"/>
+                </a:solidFill>
+                <a:latin typeface="Times New Roman" panose="02020603050405020304"/>
+                <a:cs typeface="Times New Roman" panose="02020603050405020304"/>
+                <a:sym typeface="Times New Roman" panose="02020603050405020304"/>
+              </a:rPr>
+              <a:t> scopes</a:t>
+            </a:r>
+          </a:p>
+          <a:p>
+            <a:pPr lvl="1">
+              <a:lnSpc>
+                <a:spcPct val="200000"/>
+              </a:lnSpc>
+              <a:spcBef>
+                <a:spcPts val="0"/>
+              </a:spcBef>
+              <a:buClr>
+                <a:schemeClr val="lt1"/>
+              </a:buClr>
+            </a:pPr>
+            <a:r>
+              <a:rPr lang="en-US" dirty="0">
+                <a:solidFill>
+                  <a:schemeClr val="lt1"/>
+                </a:solidFill>
+                <a:latin typeface="Times New Roman" panose="02020603050405020304"/>
+                <a:cs typeface="Times New Roman" panose="02020603050405020304"/>
+                <a:sym typeface="Times New Roman" panose="02020603050405020304"/>
+              </a:rPr>
+              <a:t>Action method</a:t>
+            </a:r>
+          </a:p>
+          <a:p>
+            <a:pPr lvl="1">
+              <a:lnSpc>
+                <a:spcPct val="200000"/>
+              </a:lnSpc>
+              <a:spcBef>
+                <a:spcPts val="0"/>
+              </a:spcBef>
+              <a:buClr>
+                <a:schemeClr val="lt1"/>
+              </a:buClr>
+            </a:pPr>
+            <a:r>
+              <a:rPr lang="en-US" dirty="0">
+                <a:solidFill>
+                  <a:schemeClr val="lt1"/>
+                </a:solidFill>
+                <a:latin typeface="Times New Roman" panose="02020603050405020304"/>
+                <a:cs typeface="Times New Roman" panose="02020603050405020304"/>
+                <a:sym typeface="Times New Roman" panose="02020603050405020304"/>
+              </a:rPr>
+              <a:t>Controller</a:t>
+            </a:r>
+          </a:p>
+          <a:p>
+            <a:pPr lvl="1">
+              <a:lnSpc>
+                <a:spcPct val="200000"/>
+              </a:lnSpc>
+              <a:spcBef>
+                <a:spcPts val="0"/>
+              </a:spcBef>
+              <a:buClr>
+                <a:schemeClr val="lt1"/>
+              </a:buClr>
+            </a:pPr>
+            <a:r>
+              <a:rPr lang="en-US" dirty="0">
+                <a:solidFill>
+                  <a:schemeClr val="lt1"/>
+                </a:solidFill>
+                <a:latin typeface="Times New Roman" panose="02020603050405020304"/>
+                <a:cs typeface="Times New Roman" panose="02020603050405020304"/>
+                <a:sym typeface="Times New Roman" panose="02020603050405020304"/>
+              </a:rPr>
+              <a:t>Globally (Apply for all controllers and actions)</a:t>
+            </a:r>
+          </a:p>
+          <a:p>
+            <a:pPr>
+              <a:lnSpc>
+                <a:spcPct val="200000"/>
+              </a:lnSpc>
+              <a:spcBef>
+                <a:spcPts val="0"/>
+              </a:spcBef>
+              <a:buClr>
+                <a:schemeClr val="lt1"/>
+              </a:buClr>
+            </a:pPr>
+            <a:r>
+              <a:rPr lang="en-US" dirty="0">
+                <a:solidFill>
+                  <a:schemeClr val="lt1"/>
+                </a:solidFill>
+                <a:latin typeface="Times New Roman" panose="02020603050405020304"/>
+                <a:cs typeface="Times New Roman" panose="02020603050405020304"/>
+                <a:sym typeface="Times New Roman" panose="02020603050405020304"/>
+              </a:rPr>
+              <a:t>We can short circuit the filter pipeline by setting “Result” Property of the </a:t>
+            </a:r>
+            <a:r>
+              <a:rPr lang="en-US" b="1" dirty="0">
+                <a:solidFill>
+                  <a:schemeClr val="lt1"/>
+                </a:solidFill>
+                <a:latin typeface="Times New Roman" panose="02020603050405020304"/>
+                <a:cs typeface="Times New Roman" panose="02020603050405020304"/>
+                <a:sym typeface="Times New Roman" panose="02020603050405020304"/>
+              </a:rPr>
+              <a:t>Context </a:t>
+            </a:r>
+            <a:r>
+              <a:rPr lang="en-US" dirty="0">
+                <a:solidFill>
+                  <a:schemeClr val="lt1"/>
+                </a:solidFill>
+                <a:latin typeface="Times New Roman" panose="02020603050405020304"/>
+                <a:cs typeface="Times New Roman" panose="02020603050405020304"/>
+                <a:sym typeface="Times New Roman" panose="02020603050405020304"/>
+              </a:rPr>
+              <a:t>parameter.</a:t>
+            </a:r>
+            <a:endParaRPr lang="en-US" b="1" dirty="0">
+              <a:solidFill>
+                <a:schemeClr val="lt1"/>
+              </a:solidFill>
+              <a:latin typeface="Times New Roman" panose="02020603050405020304"/>
+              <a:cs typeface="Times New Roman" panose="02020603050405020304"/>
+              <a:sym typeface="Times New Roman" panose="02020603050405020304"/>
+            </a:endParaRPr>
+          </a:p>
+          <a:p>
+            <a:pPr marL="594360" lvl="1" indent="0">
+              <a:lnSpc>
+                <a:spcPct val="200000"/>
+              </a:lnSpc>
+              <a:spcBef>
+                <a:spcPts val="0"/>
+              </a:spcBef>
+              <a:buClr>
+                <a:schemeClr val="lt1"/>
+              </a:buClr>
+              <a:buNone/>
+            </a:pPr>
+            <a:endParaRPr lang="en-US" dirty="0">
+              <a:solidFill>
+                <a:schemeClr val="lt1"/>
+              </a:solidFill>
+              <a:latin typeface="Times New Roman" panose="02020603050405020304"/>
+              <a:cs typeface="Times New Roman" panose="02020603050405020304"/>
+              <a:sym typeface="Times New Roman" panose="02020603050405020304"/>
+            </a:endParaRPr>
+          </a:p>
+          <a:p>
+            <a:pPr marL="594360" lvl="1" indent="0">
+              <a:lnSpc>
+                <a:spcPct val="200000"/>
+              </a:lnSpc>
+              <a:spcBef>
+                <a:spcPts val="0"/>
+              </a:spcBef>
+              <a:buClr>
+                <a:schemeClr val="lt1"/>
+              </a:buClr>
+              <a:buNone/>
+            </a:pPr>
+            <a:endParaRPr lang="en-US" dirty="0">
+              <a:solidFill>
+                <a:schemeClr val="lt1"/>
+              </a:solidFill>
+              <a:latin typeface="Times New Roman" panose="02020603050405020304"/>
+              <a:cs typeface="Times New Roman" panose="02020603050405020304"/>
+              <a:sym typeface="Times New Roman" panose="02020603050405020304"/>
+            </a:endParaRPr>
+          </a:p>
+        </p:txBody>
+      </p:sp>
+      <p:sp>
+        <p:nvSpPr>
+          <p:cNvPr id="152" name="Google Shape;152;geea522d09e_0_15"/>
+          <p:cNvSpPr txBox="1"/>
+          <p:nvPr/>
+        </p:nvSpPr>
+        <p:spPr>
+          <a:xfrm>
+            <a:off x="677334" y="678873"/>
+            <a:ext cx="7720942" cy="646290"/>
+          </a:xfrm>
+          <a:prstGeom prst="rect">
+            <a:avLst/>
+          </a:prstGeom>
+          <a:noFill/>
+          <a:ln>
+            <a:noFill/>
+          </a:ln>
+        </p:spPr>
+        <p:txBody>
+          <a:bodyPr spcFirstLastPara="1" wrap="square" lIns="91425" tIns="45700" rIns="91425" bIns="45700" anchor="t" anchorCtr="0">
+            <a:spAutoFit/>
+          </a:bodyPr>
+          <a:lstStyle/>
+          <a:p>
+            <a:pPr marL="0" marR="0" lvl="0" indent="0" algn="l" rtl="0">
+              <a:lnSpc>
+                <a:spcPct val="100000"/>
+              </a:lnSpc>
+              <a:spcBef>
+                <a:spcPts val="0"/>
+              </a:spcBef>
+              <a:spcAft>
+                <a:spcPts val="0"/>
+              </a:spcAft>
+              <a:buClr>
+                <a:srgbClr val="000000"/>
+              </a:buClr>
+              <a:buSzPts val="3600"/>
+              <a:buFont typeface="Arial" panose="020B0604020202020204"/>
+              <a:buNone/>
+            </a:pPr>
+            <a:r>
+              <a:rPr lang="en-US" sz="3600" b="0" i="0" u="none" strike="noStrike" cap="none" dirty="0">
+                <a:solidFill>
+                  <a:srgbClr val="93DF5F"/>
+                </a:solidFill>
+                <a:latin typeface="Times New Roman" panose="02020603050405020304"/>
+                <a:ea typeface="Times New Roman" panose="02020603050405020304"/>
+                <a:cs typeface="Times New Roman" panose="02020603050405020304"/>
+                <a:sym typeface="Times New Roman" panose="02020603050405020304"/>
+              </a:rPr>
+              <a:t>Filter in ASP.NET Core</a:t>
+            </a:r>
+            <a:endParaRPr sz="3600" b="0" i="0" u="none" strike="noStrike" cap="none" dirty="0">
+              <a:solidFill>
+                <a:srgbClr val="93DF5F"/>
+              </a:solidFill>
+              <a:latin typeface="Times New Roman" panose="02020603050405020304"/>
+              <a:ea typeface="Times New Roman" panose="02020603050405020304"/>
+              <a:cs typeface="Times New Roman" panose="02020603050405020304"/>
+              <a:sym typeface="Times New Roman" panose="02020603050405020304"/>
+            </a:endParaRPr>
+          </a:p>
+        </p:txBody>
+      </p:sp>
+      <p:cxnSp>
+        <p:nvCxnSpPr>
+          <p:cNvPr id="153" name="Google Shape;153;geea522d09e_0_15"/>
+          <p:cNvCxnSpPr/>
+          <p:nvPr/>
+        </p:nvCxnSpPr>
+        <p:spPr>
+          <a:xfrm>
+            <a:off x="776143" y="1325163"/>
+            <a:ext cx="5210700" cy="0"/>
+          </a:xfrm>
+          <a:prstGeom prst="straightConnector1">
+            <a:avLst/>
+          </a:prstGeom>
+          <a:noFill/>
+          <a:ln w="25400" cap="flat" cmpd="sng">
+            <a:solidFill>
+              <a:schemeClr val="accent1"/>
+            </a:solidFill>
+            <a:prstDash val="solid"/>
+            <a:round/>
+            <a:headEnd type="none" w="sm" len="sm"/>
+            <a:tailEnd type="none" w="sm" len="sm"/>
+          </a:ln>
+        </p:spPr>
+      </p:cxnSp>
+      <p:pic>
+        <p:nvPicPr>
+          <p:cNvPr id="154" name="Google Shape;154;geea522d09e_0_15"/>
+          <p:cNvPicPr preferRelativeResize="0"/>
+          <p:nvPr/>
+        </p:nvPicPr>
+        <p:blipFill rotWithShape="1">
+          <a:blip r:embed="rId3"/>
+          <a:srcRect/>
+          <a:stretch>
+            <a:fillRect/>
+          </a:stretch>
+        </p:blipFill>
+        <p:spPr>
+          <a:xfrm>
+            <a:off x="677316" y="6274352"/>
+            <a:ext cx="1639649" cy="413900"/>
+          </a:xfrm>
+          <a:prstGeom prst="rect">
+            <a:avLst/>
+          </a:prstGeom>
+          <a:noFill/>
+          <a:ln>
+            <a:noFill/>
+          </a:ln>
+        </p:spPr>
+      </p:pic>
+    </p:spTree>
+    <p:extLst>
+      <p:ext uri="{BB962C8B-B14F-4D97-AF65-F5344CB8AC3E}">
+        <p14:creationId xmlns:p14="http://schemas.microsoft.com/office/powerpoint/2010/main" val="1731101876"/>
+      </p:ext>
+    </p:extLst>
+  </p:cSld>
+  <p:clrMapOvr>
+    <a:masterClrMapping/>
+  </p:clrMapOvr>
+</p:sld>
+</file>
+
+<file path=ppt/slides/slide19.xml><?xml version="1.0" encoding="utf-8"?>
+<p:sld xmlns:a="http://schemas.openxmlformats.org/drawingml/2006/main" xmlns:r="http://schemas.openxmlformats.org/officeDocument/2006/relationships" xmlns:p="http://schemas.openxmlformats.org/presentationml/2006/main">
+  <p:cSld>
+    <p:spTree>
+      <p:nvGrpSpPr>
+        <p:cNvPr id="1" name="Shape 150"/>
+        <p:cNvGrpSpPr/>
+        <p:nvPr/>
+      </p:nvGrpSpPr>
+      <p:grpSpPr>
+        <a:xfrm>
+          <a:off x="0" y="0"/>
+          <a:ext cx="0" cy="0"/>
+          <a:chOff x="0" y="0"/>
+          <a:chExt cx="0" cy="0"/>
+        </a:xfrm>
+      </p:grpSpPr>
+      <p:sp>
+        <p:nvSpPr>
+          <p:cNvPr id="151" name="Google Shape;151;geea522d09e_0_15"/>
+          <p:cNvSpPr txBox="1">
+            <a:spLocks noGrp="1"/>
+          </p:cNvSpPr>
+          <p:nvPr>
+            <p:ph type="body" idx="1"/>
+          </p:nvPr>
+        </p:nvSpPr>
+        <p:spPr>
+          <a:xfrm>
+            <a:off x="695325" y="1450340"/>
+            <a:ext cx="8596630" cy="4840605"/>
+          </a:xfrm>
+          <a:prstGeom prst="rect">
+            <a:avLst/>
+          </a:prstGeom>
+          <a:noFill/>
+          <a:ln>
+            <a:noFill/>
+          </a:ln>
+        </p:spPr>
+        <p:txBody>
+          <a:bodyPr spcFirstLastPara="1" wrap="square" lIns="91425" tIns="45700" rIns="91425" bIns="45700" anchor="t" anchorCtr="0">
+            <a:noAutofit/>
+          </a:bodyPr>
+          <a:lstStyle/>
+          <a:p>
+            <a:pPr>
+              <a:lnSpc>
+                <a:spcPct val="200000"/>
+              </a:lnSpc>
+              <a:spcBef>
+                <a:spcPts val="0"/>
+              </a:spcBef>
+              <a:buClr>
+                <a:schemeClr val="lt1"/>
+              </a:buClr>
+            </a:pPr>
+            <a:r>
+              <a:rPr lang="en-US" dirty="0">
+                <a:solidFill>
+                  <a:schemeClr val="lt1"/>
+                </a:solidFill>
+                <a:latin typeface="Times New Roman" panose="02020603050405020304"/>
+                <a:cs typeface="Times New Roman" panose="02020603050405020304"/>
+                <a:sym typeface="Times New Roman" panose="02020603050405020304"/>
+              </a:rPr>
+              <a:t>For the filters that are implemented as Attribute and add directly to the controller or action methods, cannot have constructor dependencies.</a:t>
+            </a:r>
+          </a:p>
+          <a:p>
+            <a:pPr>
+              <a:lnSpc>
+                <a:spcPct val="200000"/>
+              </a:lnSpc>
+              <a:spcBef>
+                <a:spcPts val="0"/>
+              </a:spcBef>
+              <a:buClr>
+                <a:schemeClr val="lt1"/>
+              </a:buClr>
+            </a:pPr>
+            <a:r>
+              <a:rPr lang="en-US" dirty="0">
+                <a:solidFill>
+                  <a:schemeClr val="lt1"/>
+                </a:solidFill>
+                <a:latin typeface="Times New Roman" panose="02020603050405020304"/>
+                <a:cs typeface="Times New Roman" panose="02020603050405020304"/>
+                <a:sym typeface="Times New Roman" panose="02020603050405020304"/>
+              </a:rPr>
+              <a:t>Solution to deal with this limitation:</a:t>
+            </a:r>
+          </a:p>
+          <a:p>
+            <a:pPr lvl="1">
+              <a:lnSpc>
+                <a:spcPct val="200000"/>
+              </a:lnSpc>
+              <a:spcBef>
+                <a:spcPts val="0"/>
+              </a:spcBef>
+              <a:buClr>
+                <a:schemeClr val="lt1"/>
+              </a:buClr>
+            </a:pPr>
+            <a:r>
+              <a:rPr lang="en-US" sz="1800" dirty="0" err="1">
+                <a:solidFill>
+                  <a:schemeClr val="lt1"/>
+                </a:solidFill>
+                <a:latin typeface="Times New Roman" panose="02020603050405020304"/>
+                <a:cs typeface="Times New Roman" panose="02020603050405020304"/>
+              </a:rPr>
+              <a:t>ServiceFilterAttribute</a:t>
+            </a:r>
+            <a:endParaRPr lang="en-US" sz="1800" dirty="0">
+              <a:solidFill>
+                <a:schemeClr val="lt1"/>
+              </a:solidFill>
+              <a:latin typeface="Times New Roman" panose="02020603050405020304"/>
+              <a:cs typeface="Times New Roman" panose="02020603050405020304"/>
+            </a:endParaRPr>
+          </a:p>
+          <a:p>
+            <a:pPr lvl="1">
+              <a:lnSpc>
+                <a:spcPct val="200000"/>
+              </a:lnSpc>
+              <a:spcBef>
+                <a:spcPts val="0"/>
+              </a:spcBef>
+              <a:buClr>
+                <a:schemeClr val="lt1"/>
+              </a:buClr>
+            </a:pPr>
+            <a:r>
+              <a:rPr lang="en-US" sz="1800" dirty="0">
+                <a:solidFill>
+                  <a:schemeClr val="lt1"/>
+                </a:solidFill>
+                <a:latin typeface="Times New Roman" panose="02020603050405020304"/>
+                <a:cs typeface="Times New Roman" panose="02020603050405020304"/>
+                <a:sym typeface="Times New Roman" panose="02020603050405020304"/>
+              </a:rPr>
+              <a:t> </a:t>
+            </a:r>
+            <a:r>
+              <a:rPr lang="en-US" sz="1800" dirty="0" err="1">
+                <a:solidFill>
+                  <a:schemeClr val="lt1"/>
+                </a:solidFill>
+                <a:latin typeface="Times New Roman" panose="02020603050405020304"/>
+                <a:cs typeface="Times New Roman" panose="02020603050405020304"/>
+              </a:rPr>
+              <a:t>TypeFilterAttribute</a:t>
+            </a:r>
+            <a:endParaRPr lang="en-US" sz="1800" dirty="0">
+              <a:solidFill>
+                <a:schemeClr val="lt1"/>
+              </a:solidFill>
+              <a:latin typeface="Times New Roman" panose="02020603050405020304"/>
+              <a:cs typeface="Times New Roman" panose="02020603050405020304"/>
+            </a:endParaRPr>
+          </a:p>
+          <a:p>
+            <a:pPr lvl="1">
+              <a:lnSpc>
+                <a:spcPct val="200000"/>
+              </a:lnSpc>
+              <a:spcBef>
+                <a:spcPts val="0"/>
+              </a:spcBef>
+              <a:buClr>
+                <a:schemeClr val="lt1"/>
+              </a:buClr>
+            </a:pPr>
+            <a:r>
+              <a:rPr lang="en-US" sz="1800" dirty="0" err="1">
+                <a:solidFill>
+                  <a:schemeClr val="lt1"/>
+                </a:solidFill>
+                <a:latin typeface="Times New Roman" panose="02020603050405020304"/>
+                <a:cs typeface="Times New Roman" panose="02020603050405020304"/>
+              </a:rPr>
+              <a:t>IFilterFactory</a:t>
+            </a:r>
+            <a:endParaRPr lang="en-US" sz="1800" dirty="0">
+              <a:solidFill>
+                <a:schemeClr val="lt1"/>
+              </a:solidFill>
+              <a:latin typeface="Times New Roman" panose="02020603050405020304"/>
+              <a:cs typeface="Times New Roman" panose="02020603050405020304"/>
+              <a:sym typeface="Times New Roman" panose="02020603050405020304"/>
+            </a:endParaRPr>
+          </a:p>
+          <a:p>
+            <a:pPr>
+              <a:lnSpc>
+                <a:spcPct val="200000"/>
+              </a:lnSpc>
+              <a:spcBef>
+                <a:spcPts val="0"/>
+              </a:spcBef>
+              <a:buClr>
+                <a:schemeClr val="lt1"/>
+              </a:buClr>
+            </a:pPr>
+            <a:endParaRPr lang="en-US" dirty="0">
+              <a:solidFill>
+                <a:schemeClr val="lt1"/>
+              </a:solidFill>
+              <a:latin typeface="Times New Roman" panose="02020603050405020304"/>
+              <a:cs typeface="Times New Roman" panose="02020603050405020304"/>
+              <a:sym typeface="Times New Roman" panose="02020603050405020304"/>
+            </a:endParaRPr>
+          </a:p>
+          <a:p>
+            <a:pPr>
+              <a:lnSpc>
+                <a:spcPct val="200000"/>
+              </a:lnSpc>
+              <a:spcBef>
+                <a:spcPts val="0"/>
+              </a:spcBef>
+              <a:buClr>
+                <a:schemeClr val="lt1"/>
+              </a:buClr>
+            </a:pPr>
+            <a:endParaRPr lang="en-US" dirty="0">
+              <a:solidFill>
+                <a:schemeClr val="lt1"/>
+              </a:solidFill>
+              <a:latin typeface="Times New Roman" panose="02020603050405020304"/>
+              <a:cs typeface="Times New Roman" panose="02020603050405020304"/>
+              <a:sym typeface="Times New Roman" panose="02020603050405020304"/>
+            </a:endParaRPr>
+          </a:p>
+          <a:p>
+            <a:pPr marL="594360" lvl="1" indent="0">
+              <a:lnSpc>
+                <a:spcPct val="200000"/>
+              </a:lnSpc>
+              <a:spcBef>
+                <a:spcPts val="0"/>
+              </a:spcBef>
+              <a:buClr>
+                <a:schemeClr val="lt1"/>
+              </a:buClr>
+              <a:buNone/>
+            </a:pPr>
+            <a:endParaRPr lang="en-US" dirty="0">
+              <a:solidFill>
+                <a:schemeClr val="lt1"/>
+              </a:solidFill>
+              <a:latin typeface="Times New Roman" panose="02020603050405020304"/>
+              <a:cs typeface="Times New Roman" panose="02020603050405020304"/>
+              <a:sym typeface="Times New Roman" panose="02020603050405020304"/>
+            </a:endParaRPr>
+          </a:p>
+        </p:txBody>
+      </p:sp>
+      <p:sp>
+        <p:nvSpPr>
+          <p:cNvPr id="152" name="Google Shape;152;geea522d09e_0_15"/>
+          <p:cNvSpPr txBox="1"/>
+          <p:nvPr/>
+        </p:nvSpPr>
+        <p:spPr>
+          <a:xfrm>
+            <a:off x="677334" y="678873"/>
+            <a:ext cx="7720942" cy="646290"/>
+          </a:xfrm>
+          <a:prstGeom prst="rect">
+            <a:avLst/>
+          </a:prstGeom>
+          <a:noFill/>
+          <a:ln>
+            <a:noFill/>
+          </a:ln>
+        </p:spPr>
+        <p:txBody>
+          <a:bodyPr spcFirstLastPara="1" wrap="square" lIns="91425" tIns="45700" rIns="91425" bIns="45700" anchor="t" anchorCtr="0">
+            <a:spAutoFit/>
+          </a:bodyPr>
+          <a:lstStyle/>
+          <a:p>
+            <a:pPr marL="0" marR="0" lvl="0" indent="0" algn="l" rtl="0">
+              <a:lnSpc>
+                <a:spcPct val="100000"/>
+              </a:lnSpc>
+              <a:spcBef>
+                <a:spcPts val="0"/>
+              </a:spcBef>
+              <a:spcAft>
+                <a:spcPts val="0"/>
+              </a:spcAft>
+              <a:buClr>
+                <a:srgbClr val="000000"/>
+              </a:buClr>
+              <a:buSzPts val="3600"/>
+              <a:buFont typeface="Arial" panose="020B0604020202020204"/>
+              <a:buNone/>
+            </a:pPr>
+            <a:r>
+              <a:rPr lang="en-US" sz="3600" b="0" i="0" u="none" strike="noStrike" cap="none" dirty="0">
+                <a:solidFill>
+                  <a:srgbClr val="93DF5F"/>
+                </a:solidFill>
+                <a:latin typeface="Times New Roman" panose="02020603050405020304"/>
+                <a:ea typeface="Times New Roman" panose="02020603050405020304"/>
+                <a:cs typeface="Times New Roman" panose="02020603050405020304"/>
+                <a:sym typeface="Times New Roman" panose="02020603050405020304"/>
+              </a:rPr>
+              <a:t>Filter in ASP.NET Core</a:t>
+            </a:r>
+            <a:endParaRPr sz="3600" b="0" i="0" u="none" strike="noStrike" cap="none" dirty="0">
+              <a:solidFill>
+                <a:srgbClr val="93DF5F"/>
+              </a:solidFill>
+              <a:latin typeface="Times New Roman" panose="02020603050405020304"/>
+              <a:ea typeface="Times New Roman" panose="02020603050405020304"/>
+              <a:cs typeface="Times New Roman" panose="02020603050405020304"/>
+              <a:sym typeface="Times New Roman" panose="02020603050405020304"/>
+            </a:endParaRPr>
+          </a:p>
+        </p:txBody>
+      </p:sp>
+      <p:cxnSp>
+        <p:nvCxnSpPr>
+          <p:cNvPr id="153" name="Google Shape;153;geea522d09e_0_15"/>
+          <p:cNvCxnSpPr/>
+          <p:nvPr/>
+        </p:nvCxnSpPr>
+        <p:spPr>
+          <a:xfrm>
+            <a:off x="776143" y="1325163"/>
+            <a:ext cx="5210700" cy="0"/>
+          </a:xfrm>
+          <a:prstGeom prst="straightConnector1">
+            <a:avLst/>
+          </a:prstGeom>
+          <a:noFill/>
+          <a:ln w="25400" cap="flat" cmpd="sng">
+            <a:solidFill>
+              <a:schemeClr val="accent1"/>
+            </a:solidFill>
+            <a:prstDash val="solid"/>
+            <a:round/>
+            <a:headEnd type="none" w="sm" len="sm"/>
+            <a:tailEnd type="none" w="sm" len="sm"/>
+          </a:ln>
+        </p:spPr>
+      </p:cxnSp>
+      <p:pic>
+        <p:nvPicPr>
+          <p:cNvPr id="154" name="Google Shape;154;geea522d09e_0_15"/>
+          <p:cNvPicPr preferRelativeResize="0"/>
+          <p:nvPr/>
+        </p:nvPicPr>
+        <p:blipFill rotWithShape="1">
+          <a:blip r:embed="rId3"/>
+          <a:srcRect/>
+          <a:stretch>
+            <a:fillRect/>
+          </a:stretch>
+        </p:blipFill>
+        <p:spPr>
+          <a:xfrm>
+            <a:off x="677316" y="6274352"/>
+            <a:ext cx="1639649" cy="413900"/>
+          </a:xfrm>
+          <a:prstGeom prst="rect">
+            <a:avLst/>
+          </a:prstGeom>
+          <a:noFill/>
+          <a:ln>
+            <a:noFill/>
+          </a:ln>
+        </p:spPr>
+      </p:pic>
+    </p:spTree>
+    <p:extLst>
+      <p:ext uri="{BB962C8B-B14F-4D97-AF65-F5344CB8AC3E}">
+        <p14:creationId xmlns:p14="http://schemas.microsoft.com/office/powerpoint/2010/main" val="2151674157"/>
       </p:ext>
     </p:extLst>
   </p:cSld>
@@ -28321,863 +28794,6 @@
               </a:buClr>
             </a:pPr>
             <a:r>
-              <a:rPr lang="en-US" dirty="0">
-                <a:solidFill>
-                  <a:schemeClr val="lt1"/>
-                </a:solidFill>
-                <a:latin typeface="Times New Roman" panose="02020603050405020304"/>
-                <a:cs typeface="Times New Roman" panose="02020603050405020304"/>
-                <a:sym typeface="Times New Roman" panose="02020603050405020304"/>
-              </a:rPr>
-              <a:t>We can implement for multiple filters type in single class.</a:t>
-            </a:r>
-          </a:p>
-          <a:p>
-            <a:pPr>
-              <a:lnSpc>
-                <a:spcPct val="200000"/>
-              </a:lnSpc>
-              <a:spcBef>
-                <a:spcPts val="0"/>
-              </a:spcBef>
-              <a:buClr>
-                <a:schemeClr val="lt1"/>
-              </a:buClr>
-            </a:pPr>
-            <a:r>
-              <a:rPr lang="en-US" dirty="0">
-                <a:solidFill>
-                  <a:schemeClr val="lt1"/>
-                </a:solidFill>
-                <a:latin typeface="Times New Roman" panose="02020603050405020304"/>
-                <a:cs typeface="Times New Roman" panose="02020603050405020304"/>
-              </a:rPr>
-              <a:t>If we implement both synchronous &amp; asynchronous , synchronous interface is never called.</a:t>
-            </a:r>
-          </a:p>
-          <a:p>
-            <a:pPr>
-              <a:lnSpc>
-                <a:spcPct val="200000"/>
-              </a:lnSpc>
-              <a:spcBef>
-                <a:spcPts val="0"/>
-              </a:spcBef>
-              <a:buClr>
-                <a:schemeClr val="lt1"/>
-              </a:buClr>
-            </a:pPr>
-            <a:r>
-              <a:rPr lang="en-US" dirty="0">
-                <a:solidFill>
-                  <a:schemeClr val="lt1"/>
-                </a:solidFill>
-                <a:latin typeface="Times New Roman" panose="02020603050405020304"/>
-                <a:cs typeface="Times New Roman" panose="02020603050405020304"/>
-                <a:sym typeface="Times New Roman" panose="02020603050405020304"/>
-              </a:rPr>
-              <a:t>Filter can be added to the pipeline at </a:t>
-            </a:r>
-            <a:r>
-              <a:rPr lang="en-US" i="1" dirty="0">
-                <a:solidFill>
-                  <a:schemeClr val="lt1"/>
-                </a:solidFill>
-                <a:latin typeface="Times New Roman" panose="02020603050405020304"/>
-                <a:cs typeface="Times New Roman" panose="02020603050405020304"/>
-                <a:sym typeface="Times New Roman" panose="02020603050405020304"/>
-              </a:rPr>
-              <a:t>one</a:t>
-            </a:r>
-            <a:r>
-              <a:rPr lang="en-US" dirty="0">
-                <a:solidFill>
-                  <a:schemeClr val="lt1"/>
-                </a:solidFill>
-                <a:latin typeface="Times New Roman" panose="02020603050405020304"/>
-                <a:cs typeface="Times New Roman" panose="02020603050405020304"/>
-                <a:sym typeface="Times New Roman" panose="02020603050405020304"/>
-              </a:rPr>
-              <a:t> of </a:t>
-            </a:r>
-            <a:r>
-              <a:rPr lang="en-US" b="1" dirty="0">
-                <a:solidFill>
-                  <a:schemeClr val="lt1"/>
-                </a:solidFill>
-                <a:latin typeface="Times New Roman" panose="02020603050405020304"/>
-                <a:cs typeface="Times New Roman" panose="02020603050405020304"/>
-                <a:sym typeface="Times New Roman" panose="02020603050405020304"/>
-              </a:rPr>
-              <a:t>three</a:t>
-            </a:r>
-            <a:r>
-              <a:rPr lang="en-US" dirty="0">
-                <a:solidFill>
-                  <a:schemeClr val="lt1"/>
-                </a:solidFill>
-                <a:latin typeface="Times New Roman" panose="02020603050405020304"/>
-                <a:cs typeface="Times New Roman" panose="02020603050405020304"/>
-                <a:sym typeface="Times New Roman" panose="02020603050405020304"/>
-              </a:rPr>
-              <a:t> scopes</a:t>
-            </a:r>
-          </a:p>
-          <a:p>
-            <a:pPr lvl="1">
-              <a:lnSpc>
-                <a:spcPct val="200000"/>
-              </a:lnSpc>
-              <a:spcBef>
-                <a:spcPts val="0"/>
-              </a:spcBef>
-              <a:buClr>
-                <a:schemeClr val="lt1"/>
-              </a:buClr>
-            </a:pPr>
-            <a:r>
-              <a:rPr lang="en-US" dirty="0">
-                <a:solidFill>
-                  <a:schemeClr val="lt1"/>
-                </a:solidFill>
-                <a:latin typeface="Times New Roman" panose="02020603050405020304"/>
-                <a:cs typeface="Times New Roman" panose="02020603050405020304"/>
-                <a:sym typeface="Times New Roman" panose="02020603050405020304"/>
-              </a:rPr>
-              <a:t>Action method</a:t>
-            </a:r>
-          </a:p>
-          <a:p>
-            <a:pPr lvl="1">
-              <a:lnSpc>
-                <a:spcPct val="200000"/>
-              </a:lnSpc>
-              <a:spcBef>
-                <a:spcPts val="0"/>
-              </a:spcBef>
-              <a:buClr>
-                <a:schemeClr val="lt1"/>
-              </a:buClr>
-            </a:pPr>
-            <a:r>
-              <a:rPr lang="en-US" dirty="0">
-                <a:solidFill>
-                  <a:schemeClr val="lt1"/>
-                </a:solidFill>
-                <a:latin typeface="Times New Roman" panose="02020603050405020304"/>
-                <a:cs typeface="Times New Roman" panose="02020603050405020304"/>
-                <a:sym typeface="Times New Roman" panose="02020603050405020304"/>
-              </a:rPr>
-              <a:t>Controller</a:t>
-            </a:r>
-          </a:p>
-          <a:p>
-            <a:pPr lvl="1">
-              <a:lnSpc>
-                <a:spcPct val="200000"/>
-              </a:lnSpc>
-              <a:spcBef>
-                <a:spcPts val="0"/>
-              </a:spcBef>
-              <a:buClr>
-                <a:schemeClr val="lt1"/>
-              </a:buClr>
-            </a:pPr>
-            <a:r>
-              <a:rPr lang="en-US" dirty="0">
-                <a:solidFill>
-                  <a:schemeClr val="lt1"/>
-                </a:solidFill>
-                <a:latin typeface="Times New Roman" panose="02020603050405020304"/>
-                <a:cs typeface="Times New Roman" panose="02020603050405020304"/>
-                <a:sym typeface="Times New Roman" panose="02020603050405020304"/>
-              </a:rPr>
-              <a:t>Globally (Apply for all controllers and actions)</a:t>
-            </a:r>
-          </a:p>
-          <a:p>
-            <a:pPr>
-              <a:lnSpc>
-                <a:spcPct val="200000"/>
-              </a:lnSpc>
-              <a:spcBef>
-                <a:spcPts val="0"/>
-              </a:spcBef>
-              <a:buClr>
-                <a:schemeClr val="lt1"/>
-              </a:buClr>
-            </a:pPr>
-            <a:r>
-              <a:rPr lang="en-US" dirty="0">
-                <a:solidFill>
-                  <a:schemeClr val="lt1"/>
-                </a:solidFill>
-                <a:latin typeface="Times New Roman" panose="02020603050405020304"/>
-                <a:cs typeface="Times New Roman" panose="02020603050405020304"/>
-                <a:sym typeface="Times New Roman" panose="02020603050405020304"/>
-              </a:rPr>
-              <a:t>We can short circuit the filter pipeline by setting “Result” Property of the </a:t>
-            </a:r>
-            <a:r>
-              <a:rPr lang="en-US" b="1" dirty="0">
-                <a:solidFill>
-                  <a:schemeClr val="lt1"/>
-                </a:solidFill>
-                <a:latin typeface="Times New Roman" panose="02020603050405020304"/>
-                <a:cs typeface="Times New Roman" panose="02020603050405020304"/>
-                <a:sym typeface="Times New Roman" panose="02020603050405020304"/>
-              </a:rPr>
-              <a:t>Context </a:t>
-            </a:r>
-            <a:r>
-              <a:rPr lang="en-US" dirty="0">
-                <a:solidFill>
-                  <a:schemeClr val="lt1"/>
-                </a:solidFill>
-                <a:latin typeface="Times New Roman" panose="02020603050405020304"/>
-                <a:cs typeface="Times New Roman" panose="02020603050405020304"/>
-                <a:sym typeface="Times New Roman" panose="02020603050405020304"/>
-              </a:rPr>
-              <a:t>parameter.</a:t>
-            </a:r>
-            <a:endParaRPr lang="en-US" b="1" dirty="0">
-              <a:solidFill>
-                <a:schemeClr val="lt1"/>
-              </a:solidFill>
-              <a:latin typeface="Times New Roman" panose="02020603050405020304"/>
-              <a:cs typeface="Times New Roman" panose="02020603050405020304"/>
-              <a:sym typeface="Times New Roman" panose="02020603050405020304"/>
-            </a:endParaRPr>
-          </a:p>
-          <a:p>
-            <a:pPr marL="594360" lvl="1" indent="0">
-              <a:lnSpc>
-                <a:spcPct val="200000"/>
-              </a:lnSpc>
-              <a:spcBef>
-                <a:spcPts val="0"/>
-              </a:spcBef>
-              <a:buClr>
-                <a:schemeClr val="lt1"/>
-              </a:buClr>
-              <a:buNone/>
-            </a:pPr>
-            <a:endParaRPr lang="en-US" dirty="0">
-              <a:solidFill>
-                <a:schemeClr val="lt1"/>
-              </a:solidFill>
-              <a:latin typeface="Times New Roman" panose="02020603050405020304"/>
-              <a:cs typeface="Times New Roman" panose="02020603050405020304"/>
-              <a:sym typeface="Times New Roman" panose="02020603050405020304"/>
-            </a:endParaRPr>
-          </a:p>
-          <a:p>
-            <a:pPr marL="594360" lvl="1" indent="0">
-              <a:lnSpc>
-                <a:spcPct val="200000"/>
-              </a:lnSpc>
-              <a:spcBef>
-                <a:spcPts val="0"/>
-              </a:spcBef>
-              <a:buClr>
-                <a:schemeClr val="lt1"/>
-              </a:buClr>
-              <a:buNone/>
-            </a:pPr>
-            <a:endParaRPr lang="en-US" dirty="0">
-              <a:solidFill>
-                <a:schemeClr val="lt1"/>
-              </a:solidFill>
-              <a:latin typeface="Times New Roman" panose="02020603050405020304"/>
-              <a:cs typeface="Times New Roman" panose="02020603050405020304"/>
-              <a:sym typeface="Times New Roman" panose="02020603050405020304"/>
-            </a:endParaRPr>
-          </a:p>
-        </p:txBody>
-      </p:sp>
-      <p:sp>
-        <p:nvSpPr>
-          <p:cNvPr id="152" name="Google Shape;152;geea522d09e_0_15"/>
-          <p:cNvSpPr txBox="1"/>
-          <p:nvPr/>
-        </p:nvSpPr>
-        <p:spPr>
-          <a:xfrm>
-            <a:off x="677334" y="678873"/>
-            <a:ext cx="7720942" cy="646290"/>
-          </a:xfrm>
-          <a:prstGeom prst="rect">
-            <a:avLst/>
-          </a:prstGeom>
-          <a:noFill/>
-          <a:ln>
-            <a:noFill/>
-          </a:ln>
-        </p:spPr>
-        <p:txBody>
-          <a:bodyPr spcFirstLastPara="1" wrap="square" lIns="91425" tIns="45700" rIns="91425" bIns="45700" anchor="t" anchorCtr="0">
-            <a:spAutoFit/>
-          </a:bodyPr>
-          <a:lstStyle/>
-          <a:p>
-            <a:pPr marL="0" marR="0" lvl="0" indent="0" algn="l" rtl="0">
-              <a:lnSpc>
-                <a:spcPct val="100000"/>
-              </a:lnSpc>
-              <a:spcBef>
-                <a:spcPts val="0"/>
-              </a:spcBef>
-              <a:spcAft>
-                <a:spcPts val="0"/>
-              </a:spcAft>
-              <a:buClr>
-                <a:srgbClr val="000000"/>
-              </a:buClr>
-              <a:buSzPts val="3600"/>
-              <a:buFont typeface="Arial" panose="020B0604020202020204"/>
-              <a:buNone/>
-            </a:pPr>
-            <a:r>
-              <a:rPr lang="en-US" sz="3600" b="0" i="0" u="none" strike="noStrike" cap="none" dirty="0">
-                <a:solidFill>
-                  <a:srgbClr val="93DF5F"/>
-                </a:solidFill>
-                <a:latin typeface="Times New Roman" panose="02020603050405020304"/>
-                <a:ea typeface="Times New Roman" panose="02020603050405020304"/>
-                <a:cs typeface="Times New Roman" panose="02020603050405020304"/>
-                <a:sym typeface="Times New Roman" panose="02020603050405020304"/>
-              </a:rPr>
-              <a:t>Filter in ASP.NET Core</a:t>
-            </a:r>
-            <a:endParaRPr sz="3600" b="0" i="0" u="none" strike="noStrike" cap="none" dirty="0">
-              <a:solidFill>
-                <a:srgbClr val="93DF5F"/>
-              </a:solidFill>
-              <a:latin typeface="Times New Roman" panose="02020603050405020304"/>
-              <a:ea typeface="Times New Roman" panose="02020603050405020304"/>
-              <a:cs typeface="Times New Roman" panose="02020603050405020304"/>
-              <a:sym typeface="Times New Roman" panose="02020603050405020304"/>
-            </a:endParaRPr>
-          </a:p>
-        </p:txBody>
-      </p:sp>
-      <p:cxnSp>
-        <p:nvCxnSpPr>
-          <p:cNvPr id="153" name="Google Shape;153;geea522d09e_0_15"/>
-          <p:cNvCxnSpPr/>
-          <p:nvPr/>
-        </p:nvCxnSpPr>
-        <p:spPr>
-          <a:xfrm>
-            <a:off x="776143" y="1325163"/>
-            <a:ext cx="5210700" cy="0"/>
-          </a:xfrm>
-          <a:prstGeom prst="straightConnector1">
-            <a:avLst/>
-          </a:prstGeom>
-          <a:noFill/>
-          <a:ln w="25400" cap="flat" cmpd="sng">
-            <a:solidFill>
-              <a:schemeClr val="accent1"/>
-            </a:solidFill>
-            <a:prstDash val="solid"/>
-            <a:round/>
-            <a:headEnd type="none" w="sm" len="sm"/>
-            <a:tailEnd type="none" w="sm" len="sm"/>
-          </a:ln>
-        </p:spPr>
-      </p:cxnSp>
-      <p:pic>
-        <p:nvPicPr>
-          <p:cNvPr id="154" name="Google Shape;154;geea522d09e_0_15"/>
-          <p:cNvPicPr preferRelativeResize="0"/>
-          <p:nvPr/>
-        </p:nvPicPr>
-        <p:blipFill rotWithShape="1">
-          <a:blip r:embed="rId3"/>
-          <a:srcRect/>
-          <a:stretch>
-            <a:fillRect/>
-          </a:stretch>
-        </p:blipFill>
-        <p:spPr>
-          <a:xfrm>
-            <a:off x="677316" y="6274352"/>
-            <a:ext cx="1639649" cy="413900"/>
-          </a:xfrm>
-          <a:prstGeom prst="rect">
-            <a:avLst/>
-          </a:prstGeom>
-          <a:noFill/>
-          <a:ln>
-            <a:noFill/>
-          </a:ln>
-        </p:spPr>
-      </p:pic>
-    </p:spTree>
-    <p:extLst>
-      <p:ext uri="{BB962C8B-B14F-4D97-AF65-F5344CB8AC3E}">
-        <p14:creationId xmlns:p14="http://schemas.microsoft.com/office/powerpoint/2010/main" val="1731101876"/>
-      </p:ext>
-    </p:extLst>
-  </p:cSld>
-  <p:clrMapOvr>
-    <a:masterClrMapping/>
-  </p:clrMapOvr>
-</p:sld>
-</file>
-
-<file path=ppt/slides/slide21.xml><?xml version="1.0" encoding="utf-8"?>
-<p:sld xmlns:a="http://schemas.openxmlformats.org/drawingml/2006/main" xmlns:r="http://schemas.openxmlformats.org/officeDocument/2006/relationships" xmlns:p="http://schemas.openxmlformats.org/presentationml/2006/main">
-  <p:cSld>
-    <p:spTree>
-      <p:nvGrpSpPr>
-        <p:cNvPr id="1" name="Shape 150"/>
-        <p:cNvGrpSpPr/>
-        <p:nvPr/>
-      </p:nvGrpSpPr>
-      <p:grpSpPr>
-        <a:xfrm>
-          <a:off x="0" y="0"/>
-          <a:ext cx="0" cy="0"/>
-          <a:chOff x="0" y="0"/>
-          <a:chExt cx="0" cy="0"/>
-        </a:xfrm>
-      </p:grpSpPr>
-      <p:sp>
-        <p:nvSpPr>
-          <p:cNvPr id="151" name="Google Shape;151;geea522d09e_0_15"/>
-          <p:cNvSpPr txBox="1">
-            <a:spLocks noGrp="1"/>
-          </p:cNvSpPr>
-          <p:nvPr>
-            <p:ph type="body" idx="1"/>
-          </p:nvPr>
-        </p:nvSpPr>
-        <p:spPr>
-          <a:xfrm>
-            <a:off x="695325" y="1450340"/>
-            <a:ext cx="8596630" cy="4840605"/>
-          </a:xfrm>
-          <a:prstGeom prst="rect">
-            <a:avLst/>
-          </a:prstGeom>
-          <a:noFill/>
-          <a:ln>
-            <a:noFill/>
-          </a:ln>
-        </p:spPr>
-        <p:txBody>
-          <a:bodyPr spcFirstLastPara="1" wrap="square" lIns="91425" tIns="45700" rIns="91425" bIns="45700" anchor="t" anchorCtr="0">
-            <a:noAutofit/>
-          </a:bodyPr>
-          <a:lstStyle/>
-          <a:p>
-            <a:pPr>
-              <a:lnSpc>
-                <a:spcPct val="200000"/>
-              </a:lnSpc>
-              <a:spcBef>
-                <a:spcPts val="0"/>
-              </a:spcBef>
-              <a:buClr>
-                <a:schemeClr val="lt1"/>
-              </a:buClr>
-            </a:pPr>
-            <a:r>
-              <a:rPr lang="en-US" dirty="0">
-                <a:solidFill>
-                  <a:schemeClr val="lt1"/>
-                </a:solidFill>
-                <a:latin typeface="Times New Roman" panose="02020603050405020304"/>
-                <a:cs typeface="Times New Roman" panose="02020603050405020304"/>
-                <a:sym typeface="Times New Roman" panose="02020603050405020304"/>
-              </a:rPr>
-              <a:t>For the filters that are implemented as Attribute and add directly to the controller or action methods, cannot have constructor dependencies.</a:t>
-            </a:r>
-          </a:p>
-          <a:p>
-            <a:pPr>
-              <a:lnSpc>
-                <a:spcPct val="200000"/>
-              </a:lnSpc>
-              <a:spcBef>
-                <a:spcPts val="0"/>
-              </a:spcBef>
-              <a:buClr>
-                <a:schemeClr val="lt1"/>
-              </a:buClr>
-            </a:pPr>
-            <a:r>
-              <a:rPr lang="en-US" dirty="0">
-                <a:solidFill>
-                  <a:schemeClr val="lt1"/>
-                </a:solidFill>
-                <a:latin typeface="Times New Roman" panose="02020603050405020304"/>
-                <a:cs typeface="Times New Roman" panose="02020603050405020304"/>
-                <a:sym typeface="Times New Roman" panose="02020603050405020304"/>
-              </a:rPr>
-              <a:t>Solution to deal with this limitation:</a:t>
-            </a:r>
-          </a:p>
-          <a:p>
-            <a:pPr lvl="1">
-              <a:lnSpc>
-                <a:spcPct val="200000"/>
-              </a:lnSpc>
-              <a:spcBef>
-                <a:spcPts val="0"/>
-              </a:spcBef>
-              <a:buClr>
-                <a:schemeClr val="lt1"/>
-              </a:buClr>
-            </a:pPr>
-            <a:r>
-              <a:rPr lang="en-US" sz="1800" dirty="0" err="1">
-                <a:solidFill>
-                  <a:schemeClr val="lt1"/>
-                </a:solidFill>
-                <a:latin typeface="Times New Roman" panose="02020603050405020304"/>
-                <a:cs typeface="Times New Roman" panose="02020603050405020304"/>
-              </a:rPr>
-              <a:t>ServiceFilterAttribute</a:t>
-            </a:r>
-            <a:endParaRPr lang="en-US" sz="1800" dirty="0">
-              <a:solidFill>
-                <a:schemeClr val="lt1"/>
-              </a:solidFill>
-              <a:latin typeface="Times New Roman" panose="02020603050405020304"/>
-              <a:cs typeface="Times New Roman" panose="02020603050405020304"/>
-            </a:endParaRPr>
-          </a:p>
-          <a:p>
-            <a:pPr lvl="1">
-              <a:lnSpc>
-                <a:spcPct val="200000"/>
-              </a:lnSpc>
-              <a:spcBef>
-                <a:spcPts val="0"/>
-              </a:spcBef>
-              <a:buClr>
-                <a:schemeClr val="lt1"/>
-              </a:buClr>
-            </a:pPr>
-            <a:r>
-              <a:rPr lang="en-US" sz="1800" dirty="0">
-                <a:solidFill>
-                  <a:schemeClr val="lt1"/>
-                </a:solidFill>
-                <a:latin typeface="Times New Roman" panose="02020603050405020304"/>
-                <a:cs typeface="Times New Roman" panose="02020603050405020304"/>
-                <a:sym typeface="Times New Roman" panose="02020603050405020304"/>
-              </a:rPr>
-              <a:t> </a:t>
-            </a:r>
-            <a:r>
-              <a:rPr lang="en-US" sz="1800" dirty="0" err="1">
-                <a:solidFill>
-                  <a:schemeClr val="lt1"/>
-                </a:solidFill>
-                <a:latin typeface="Times New Roman" panose="02020603050405020304"/>
-                <a:cs typeface="Times New Roman" panose="02020603050405020304"/>
-              </a:rPr>
-              <a:t>TypeFilterAttribute</a:t>
-            </a:r>
-            <a:endParaRPr lang="en-US" sz="1800" dirty="0">
-              <a:solidFill>
-                <a:schemeClr val="lt1"/>
-              </a:solidFill>
-              <a:latin typeface="Times New Roman" panose="02020603050405020304"/>
-              <a:cs typeface="Times New Roman" panose="02020603050405020304"/>
-            </a:endParaRPr>
-          </a:p>
-          <a:p>
-            <a:pPr lvl="1">
-              <a:lnSpc>
-                <a:spcPct val="200000"/>
-              </a:lnSpc>
-              <a:spcBef>
-                <a:spcPts val="0"/>
-              </a:spcBef>
-              <a:buClr>
-                <a:schemeClr val="lt1"/>
-              </a:buClr>
-            </a:pPr>
-            <a:r>
-              <a:rPr lang="en-US" sz="1800" dirty="0" err="1">
-                <a:solidFill>
-                  <a:schemeClr val="lt1"/>
-                </a:solidFill>
-                <a:latin typeface="Times New Roman" panose="02020603050405020304"/>
-                <a:cs typeface="Times New Roman" panose="02020603050405020304"/>
-              </a:rPr>
-              <a:t>IFilterFactory</a:t>
-            </a:r>
-            <a:endParaRPr lang="en-US" sz="1800" dirty="0">
-              <a:solidFill>
-                <a:schemeClr val="lt1"/>
-              </a:solidFill>
-              <a:latin typeface="Times New Roman" panose="02020603050405020304"/>
-              <a:cs typeface="Times New Roman" panose="02020603050405020304"/>
-              <a:sym typeface="Times New Roman" panose="02020603050405020304"/>
-            </a:endParaRPr>
-          </a:p>
-          <a:p>
-            <a:pPr>
-              <a:lnSpc>
-                <a:spcPct val="200000"/>
-              </a:lnSpc>
-              <a:spcBef>
-                <a:spcPts val="0"/>
-              </a:spcBef>
-              <a:buClr>
-                <a:schemeClr val="lt1"/>
-              </a:buClr>
-            </a:pPr>
-            <a:endParaRPr lang="en-US" dirty="0">
-              <a:solidFill>
-                <a:schemeClr val="lt1"/>
-              </a:solidFill>
-              <a:latin typeface="Times New Roman" panose="02020603050405020304"/>
-              <a:cs typeface="Times New Roman" panose="02020603050405020304"/>
-              <a:sym typeface="Times New Roman" panose="02020603050405020304"/>
-            </a:endParaRPr>
-          </a:p>
-          <a:p>
-            <a:pPr>
-              <a:lnSpc>
-                <a:spcPct val="200000"/>
-              </a:lnSpc>
-              <a:spcBef>
-                <a:spcPts val="0"/>
-              </a:spcBef>
-              <a:buClr>
-                <a:schemeClr val="lt1"/>
-              </a:buClr>
-            </a:pPr>
-            <a:endParaRPr lang="en-US" dirty="0">
-              <a:solidFill>
-                <a:schemeClr val="lt1"/>
-              </a:solidFill>
-              <a:latin typeface="Times New Roman" panose="02020603050405020304"/>
-              <a:cs typeface="Times New Roman" panose="02020603050405020304"/>
-              <a:sym typeface="Times New Roman" panose="02020603050405020304"/>
-            </a:endParaRPr>
-          </a:p>
-          <a:p>
-            <a:pPr marL="594360" lvl="1" indent="0">
-              <a:lnSpc>
-                <a:spcPct val="200000"/>
-              </a:lnSpc>
-              <a:spcBef>
-                <a:spcPts val="0"/>
-              </a:spcBef>
-              <a:buClr>
-                <a:schemeClr val="lt1"/>
-              </a:buClr>
-              <a:buNone/>
-            </a:pPr>
-            <a:endParaRPr lang="en-US" dirty="0">
-              <a:solidFill>
-                <a:schemeClr val="lt1"/>
-              </a:solidFill>
-              <a:latin typeface="Times New Roman" panose="02020603050405020304"/>
-              <a:cs typeface="Times New Roman" panose="02020603050405020304"/>
-              <a:sym typeface="Times New Roman" panose="02020603050405020304"/>
-            </a:endParaRPr>
-          </a:p>
-        </p:txBody>
-      </p:sp>
-      <p:sp>
-        <p:nvSpPr>
-          <p:cNvPr id="152" name="Google Shape;152;geea522d09e_0_15"/>
-          <p:cNvSpPr txBox="1"/>
-          <p:nvPr/>
-        </p:nvSpPr>
-        <p:spPr>
-          <a:xfrm>
-            <a:off x="677334" y="678873"/>
-            <a:ext cx="7720942" cy="646290"/>
-          </a:xfrm>
-          <a:prstGeom prst="rect">
-            <a:avLst/>
-          </a:prstGeom>
-          <a:noFill/>
-          <a:ln>
-            <a:noFill/>
-          </a:ln>
-        </p:spPr>
-        <p:txBody>
-          <a:bodyPr spcFirstLastPara="1" wrap="square" lIns="91425" tIns="45700" rIns="91425" bIns="45700" anchor="t" anchorCtr="0">
-            <a:spAutoFit/>
-          </a:bodyPr>
-          <a:lstStyle/>
-          <a:p>
-            <a:pPr marL="0" marR="0" lvl="0" indent="0" algn="l" rtl="0">
-              <a:lnSpc>
-                <a:spcPct val="100000"/>
-              </a:lnSpc>
-              <a:spcBef>
-                <a:spcPts val="0"/>
-              </a:spcBef>
-              <a:spcAft>
-                <a:spcPts val="0"/>
-              </a:spcAft>
-              <a:buClr>
-                <a:srgbClr val="000000"/>
-              </a:buClr>
-              <a:buSzPts val="3600"/>
-              <a:buFont typeface="Arial" panose="020B0604020202020204"/>
-              <a:buNone/>
-            </a:pPr>
-            <a:r>
-              <a:rPr lang="en-US" sz="3600" b="0" i="0" u="none" strike="noStrike" cap="none" dirty="0">
-                <a:solidFill>
-                  <a:srgbClr val="93DF5F"/>
-                </a:solidFill>
-                <a:latin typeface="Times New Roman" panose="02020603050405020304"/>
-                <a:ea typeface="Times New Roman" panose="02020603050405020304"/>
-                <a:cs typeface="Times New Roman" panose="02020603050405020304"/>
-                <a:sym typeface="Times New Roman" panose="02020603050405020304"/>
-              </a:rPr>
-              <a:t>Filter in ASP.NET Core</a:t>
-            </a:r>
-            <a:endParaRPr sz="3600" b="0" i="0" u="none" strike="noStrike" cap="none" dirty="0">
-              <a:solidFill>
-                <a:srgbClr val="93DF5F"/>
-              </a:solidFill>
-              <a:latin typeface="Times New Roman" panose="02020603050405020304"/>
-              <a:ea typeface="Times New Roman" panose="02020603050405020304"/>
-              <a:cs typeface="Times New Roman" panose="02020603050405020304"/>
-              <a:sym typeface="Times New Roman" panose="02020603050405020304"/>
-            </a:endParaRPr>
-          </a:p>
-        </p:txBody>
-      </p:sp>
-      <p:cxnSp>
-        <p:nvCxnSpPr>
-          <p:cNvPr id="153" name="Google Shape;153;geea522d09e_0_15"/>
-          <p:cNvCxnSpPr/>
-          <p:nvPr/>
-        </p:nvCxnSpPr>
-        <p:spPr>
-          <a:xfrm>
-            <a:off x="776143" y="1325163"/>
-            <a:ext cx="5210700" cy="0"/>
-          </a:xfrm>
-          <a:prstGeom prst="straightConnector1">
-            <a:avLst/>
-          </a:prstGeom>
-          <a:noFill/>
-          <a:ln w="25400" cap="flat" cmpd="sng">
-            <a:solidFill>
-              <a:schemeClr val="accent1"/>
-            </a:solidFill>
-            <a:prstDash val="solid"/>
-            <a:round/>
-            <a:headEnd type="none" w="sm" len="sm"/>
-            <a:tailEnd type="none" w="sm" len="sm"/>
-          </a:ln>
-        </p:spPr>
-      </p:cxnSp>
-      <p:pic>
-        <p:nvPicPr>
-          <p:cNvPr id="154" name="Google Shape;154;geea522d09e_0_15"/>
-          <p:cNvPicPr preferRelativeResize="0"/>
-          <p:nvPr/>
-        </p:nvPicPr>
-        <p:blipFill rotWithShape="1">
-          <a:blip r:embed="rId3"/>
-          <a:srcRect/>
-          <a:stretch>
-            <a:fillRect/>
-          </a:stretch>
-        </p:blipFill>
-        <p:spPr>
-          <a:xfrm>
-            <a:off x="677316" y="6274352"/>
-            <a:ext cx="1639649" cy="413900"/>
-          </a:xfrm>
-          <a:prstGeom prst="rect">
-            <a:avLst/>
-          </a:prstGeom>
-          <a:noFill/>
-          <a:ln>
-            <a:noFill/>
-          </a:ln>
-        </p:spPr>
-      </p:pic>
-    </p:spTree>
-    <p:extLst>
-      <p:ext uri="{BB962C8B-B14F-4D97-AF65-F5344CB8AC3E}">
-        <p14:creationId xmlns:p14="http://schemas.microsoft.com/office/powerpoint/2010/main" val="2151674157"/>
-      </p:ext>
-    </p:extLst>
-  </p:cSld>
-  <p:clrMapOvr>
-    <a:masterClrMapping/>
-  </p:clrMapOvr>
-</p:sld>
-</file>
-
-<file path=ppt/slides/slide22.xml><?xml version="1.0" encoding="utf-8"?>
-<p:sld xmlns:a="http://schemas.openxmlformats.org/drawingml/2006/main" xmlns:r="http://schemas.openxmlformats.org/officeDocument/2006/relationships" xmlns:p="http://schemas.openxmlformats.org/presentationml/2006/main">
-  <p:cSld>
-    <p:spTree>
-      <p:nvGrpSpPr>
-        <p:cNvPr id="1" name="Shape 150"/>
-        <p:cNvGrpSpPr/>
-        <p:nvPr/>
-      </p:nvGrpSpPr>
-      <p:grpSpPr>
-        <a:xfrm>
-          <a:off x="0" y="0"/>
-          <a:ext cx="0" cy="0"/>
-          <a:chOff x="0" y="0"/>
-          <a:chExt cx="0" cy="0"/>
-        </a:xfrm>
-      </p:grpSpPr>
-      <p:sp>
-        <p:nvSpPr>
-          <p:cNvPr id="151" name="Google Shape;151;geea522d09e_0_15"/>
-          <p:cNvSpPr txBox="1">
-            <a:spLocks noGrp="1"/>
-          </p:cNvSpPr>
-          <p:nvPr>
-            <p:ph type="body" idx="1"/>
-          </p:nvPr>
-        </p:nvSpPr>
-        <p:spPr>
-          <a:xfrm>
-            <a:off x="695325" y="1450340"/>
-            <a:ext cx="8596630" cy="4840605"/>
-          </a:xfrm>
-          <a:prstGeom prst="rect">
-            <a:avLst/>
-          </a:prstGeom>
-          <a:noFill/>
-          <a:ln>
-            <a:noFill/>
-          </a:ln>
-        </p:spPr>
-        <p:txBody>
-          <a:bodyPr spcFirstLastPara="1" wrap="square" lIns="91425" tIns="45700" rIns="91425" bIns="45700" anchor="t" anchorCtr="0">
-            <a:noAutofit/>
-          </a:bodyPr>
-          <a:lstStyle/>
-          <a:p>
-            <a:pPr>
-              <a:lnSpc>
-                <a:spcPct val="200000"/>
-              </a:lnSpc>
-              <a:spcBef>
-                <a:spcPts val="0"/>
-              </a:spcBef>
-              <a:buClr>
-                <a:schemeClr val="lt1"/>
-              </a:buClr>
-            </a:pPr>
-            <a:r>
               <a:rPr lang="en-US" sz="1800" dirty="0" err="1">
                 <a:solidFill>
                   <a:schemeClr val="lt1"/>
@@ -29401,7 +29017,7 @@
 </p:sld>
 </file>
 
-<file path=ppt/slides/slide23.xml><?xml version="1.0" encoding="utf-8"?>
+<file path=ppt/slides/slide21.xml><?xml version="1.0" encoding="utf-8"?>
 <p:sld xmlns:a="http://schemas.openxmlformats.org/drawingml/2006/main" xmlns:r="http://schemas.openxmlformats.org/officeDocument/2006/relationships" xmlns:p="http://schemas.openxmlformats.org/presentationml/2006/main">
   <p:cSld>
     <p:spTree>
@@ -29712,7 +29328,7 @@
 </p:sld>
 </file>
 
-<file path=ppt/slides/slide24.xml><?xml version="1.0" encoding="utf-8"?>
+<file path=ppt/slides/slide22.xml><?xml version="1.0" encoding="utf-8"?>
 <p:sld xmlns:a="http://schemas.openxmlformats.org/drawingml/2006/main" xmlns:r="http://schemas.openxmlformats.org/officeDocument/2006/relationships" xmlns:p="http://schemas.openxmlformats.org/presentationml/2006/main">
   <p:cSld>
     <p:spTree>
@@ -30128,7 +29744,7 @@
 </p:sld>
 </file>
 
-<file path=ppt/slides/slide25.xml><?xml version="1.0" encoding="utf-8"?>
+<file path=ppt/slides/slide23.xml><?xml version="1.0" encoding="utf-8"?>
 <p:sld xmlns:a="http://schemas.openxmlformats.org/drawingml/2006/main" xmlns:r="http://schemas.openxmlformats.org/officeDocument/2006/relationships" xmlns:p="http://schemas.openxmlformats.org/presentationml/2006/main">
   <p:cSld>
     <p:spTree>
@@ -30582,7 +30198,7 @@
 </p:sld>
 </file>
 
-<file path=ppt/slides/slide26.xml><?xml version="1.0" encoding="utf-8"?>
+<file path=ppt/slides/slide24.xml><?xml version="1.0" encoding="utf-8"?>
 <p:sld xmlns:a="http://schemas.openxmlformats.org/drawingml/2006/main" xmlns:r="http://schemas.openxmlformats.org/officeDocument/2006/relationships" xmlns:p="http://schemas.openxmlformats.org/presentationml/2006/main">
   <p:cSld>
     <p:spTree>
@@ -30812,7 +30428,887 @@
 </p:sld>
 </file>
 
+<file path=ppt/slides/slide25.xml><?xml version="1.0" encoding="utf-8"?>
+<p:sld xmlns:a="http://schemas.openxmlformats.org/drawingml/2006/main" xmlns:r="http://schemas.openxmlformats.org/officeDocument/2006/relationships" xmlns:p="http://schemas.openxmlformats.org/presentationml/2006/main">
+  <p:cSld>
+    <p:spTree>
+      <p:nvGrpSpPr>
+        <p:cNvPr id="1" name="Shape 150"/>
+        <p:cNvGrpSpPr/>
+        <p:nvPr/>
+      </p:nvGrpSpPr>
+      <p:grpSpPr>
+        <a:xfrm>
+          <a:off x="0" y="0"/>
+          <a:ext cx="0" cy="0"/>
+          <a:chOff x="0" y="0"/>
+          <a:chExt cx="0" cy="0"/>
+        </a:xfrm>
+      </p:grpSpPr>
+      <p:sp>
+        <p:nvSpPr>
+          <p:cNvPr id="151" name="Google Shape;151;geea522d09e_0_15"/>
+          <p:cNvSpPr txBox="1">
+            <a:spLocks noGrp="1"/>
+          </p:cNvSpPr>
+          <p:nvPr>
+            <p:ph type="body" idx="1"/>
+          </p:nvPr>
+        </p:nvSpPr>
+        <p:spPr>
+          <a:xfrm>
+            <a:off x="695325" y="1450340"/>
+            <a:ext cx="8596630" cy="4840605"/>
+          </a:xfrm>
+          <a:prstGeom prst="rect">
+            <a:avLst/>
+          </a:prstGeom>
+          <a:noFill/>
+          <a:ln>
+            <a:noFill/>
+          </a:ln>
+        </p:spPr>
+        <p:txBody>
+          <a:bodyPr spcFirstLastPara="1" wrap="square" lIns="91425" tIns="45700" rIns="91425" bIns="45700" anchor="t" anchorCtr="0">
+            <a:noAutofit/>
+          </a:bodyPr>
+          <a:lstStyle/>
+          <a:p>
+            <a:pPr>
+              <a:lnSpc>
+                <a:spcPct val="200000"/>
+              </a:lnSpc>
+              <a:spcBef>
+                <a:spcPts val="0"/>
+              </a:spcBef>
+              <a:buClr>
+                <a:schemeClr val="lt1"/>
+              </a:buClr>
+            </a:pPr>
+            <a:r>
+              <a:rPr lang="en-US" dirty="0">
+                <a:solidFill>
+                  <a:schemeClr val="lt1"/>
+                </a:solidFill>
+                <a:latin typeface="Times New Roman" panose="02020603050405020304"/>
+                <a:cs typeface="Times New Roman" panose="02020603050405020304"/>
+                <a:sym typeface="Times New Roman" panose="02020603050405020304"/>
+              </a:rPr>
+              <a:t>Define “</a:t>
+            </a:r>
+            <a:r>
+              <a:rPr lang="en-US" dirty="0" err="1">
+                <a:solidFill>
+                  <a:schemeClr val="lt1"/>
+                </a:solidFill>
+                <a:latin typeface="Times New Roman" panose="02020603050405020304"/>
+                <a:cs typeface="Times New Roman" panose="02020603050405020304"/>
+                <a:sym typeface="Times New Roman" panose="02020603050405020304"/>
+              </a:rPr>
+              <a:t>ModelBinder</a:t>
+            </a:r>
+            <a:r>
+              <a:rPr lang="en-US" dirty="0">
+                <a:solidFill>
+                  <a:schemeClr val="lt1"/>
+                </a:solidFill>
+                <a:latin typeface="Times New Roman" panose="02020603050405020304"/>
+                <a:cs typeface="Times New Roman" panose="02020603050405020304"/>
+                <a:sym typeface="Times New Roman" panose="02020603050405020304"/>
+              </a:rPr>
+              <a:t>” </a:t>
+            </a:r>
+            <a:r>
+              <a:rPr lang="en-GB" dirty="0">
+                <a:solidFill>
+                  <a:schemeClr val="lt1"/>
+                </a:solidFill>
+                <a:latin typeface="Times New Roman" panose="02020603050405020304"/>
+                <a:cs typeface="Times New Roman" panose="02020603050405020304"/>
+              </a:rPr>
+              <a:t>that inherits from </a:t>
+            </a:r>
+            <a:r>
+              <a:rPr lang="en-US" dirty="0">
+                <a:solidFill>
+                  <a:schemeClr val="lt1"/>
+                </a:solidFill>
+                <a:latin typeface="Times New Roman" panose="02020603050405020304"/>
+                <a:cs typeface="Times New Roman" panose="02020603050405020304"/>
+                <a:sym typeface="Times New Roman" panose="02020603050405020304"/>
+              </a:rPr>
+              <a:t>“</a:t>
+            </a:r>
+            <a:r>
+              <a:rPr lang="en-GB" dirty="0" err="1">
+                <a:solidFill>
+                  <a:schemeClr val="lt1"/>
+                </a:solidFill>
+                <a:latin typeface="Times New Roman" panose="02020603050405020304"/>
+                <a:cs typeface="Times New Roman" panose="02020603050405020304"/>
+              </a:rPr>
+              <a:t>IModelBinder</a:t>
+            </a:r>
+            <a:r>
+              <a:rPr lang="en-US" dirty="0">
+                <a:solidFill>
+                  <a:schemeClr val="lt1"/>
+                </a:solidFill>
+                <a:latin typeface="Times New Roman" panose="02020603050405020304"/>
+                <a:cs typeface="Times New Roman" panose="02020603050405020304"/>
+                <a:sym typeface="Times New Roman" panose="02020603050405020304"/>
+              </a:rPr>
+              <a:t>”</a:t>
+            </a:r>
+          </a:p>
+          <a:p>
+            <a:pPr>
+              <a:lnSpc>
+                <a:spcPct val="200000"/>
+              </a:lnSpc>
+              <a:spcBef>
+                <a:spcPts val="0"/>
+              </a:spcBef>
+              <a:buClr>
+                <a:schemeClr val="lt1"/>
+              </a:buClr>
+            </a:pPr>
+            <a:r>
+              <a:rPr lang="en-US" dirty="0">
+                <a:solidFill>
+                  <a:schemeClr val="lt1"/>
+                </a:solidFill>
+                <a:latin typeface="Times New Roman" panose="02020603050405020304"/>
+                <a:cs typeface="Times New Roman" panose="02020603050405020304"/>
+                <a:sym typeface="Times New Roman" panose="02020603050405020304"/>
+              </a:rPr>
+              <a:t>Define “</a:t>
+            </a:r>
+            <a:r>
+              <a:rPr lang="en-US" b="1" dirty="0">
+                <a:solidFill>
+                  <a:schemeClr val="lt1"/>
+                </a:solidFill>
+                <a:latin typeface="Times New Roman" panose="02020603050405020304"/>
+                <a:cs typeface="Times New Roman" panose="02020603050405020304"/>
+                <a:sym typeface="Times New Roman" panose="02020603050405020304"/>
+              </a:rPr>
+              <a:t>Provider</a:t>
+            </a:r>
+            <a:r>
+              <a:rPr lang="en-US" dirty="0">
+                <a:solidFill>
+                  <a:schemeClr val="lt1"/>
+                </a:solidFill>
+                <a:latin typeface="Times New Roman" panose="02020603050405020304"/>
+                <a:cs typeface="Times New Roman" panose="02020603050405020304"/>
+                <a:sym typeface="Times New Roman" panose="02020603050405020304"/>
+              </a:rPr>
+              <a:t>” to check which model binder will be used.</a:t>
+            </a:r>
+          </a:p>
+          <a:p>
+            <a:pPr>
+              <a:lnSpc>
+                <a:spcPct val="200000"/>
+              </a:lnSpc>
+              <a:spcBef>
+                <a:spcPts val="0"/>
+              </a:spcBef>
+              <a:buClr>
+                <a:schemeClr val="lt1"/>
+              </a:buClr>
+            </a:pPr>
+            <a:r>
+              <a:rPr lang="en-US" dirty="0">
+                <a:solidFill>
+                  <a:schemeClr val="lt1"/>
+                </a:solidFill>
+                <a:latin typeface="Times New Roman" panose="02020603050405020304"/>
+                <a:cs typeface="Times New Roman" panose="02020603050405020304"/>
+                <a:sym typeface="Times New Roman" panose="02020603050405020304"/>
+              </a:rPr>
+              <a:t>Add new Provider to Configure service</a:t>
+            </a:r>
+          </a:p>
+          <a:p>
+            <a:pPr>
+              <a:lnSpc>
+                <a:spcPct val="200000"/>
+              </a:lnSpc>
+              <a:spcBef>
+                <a:spcPts val="0"/>
+              </a:spcBef>
+              <a:buClr>
+                <a:schemeClr val="lt1"/>
+              </a:buClr>
+            </a:pPr>
+            <a:endParaRPr lang="en-US" dirty="0">
+              <a:solidFill>
+                <a:schemeClr val="lt1"/>
+              </a:solidFill>
+              <a:latin typeface="Times New Roman" panose="02020603050405020304"/>
+              <a:cs typeface="Times New Roman" panose="02020603050405020304"/>
+              <a:sym typeface="Times New Roman" panose="02020603050405020304"/>
+            </a:endParaRPr>
+          </a:p>
+        </p:txBody>
+      </p:sp>
+      <p:sp>
+        <p:nvSpPr>
+          <p:cNvPr id="152" name="Google Shape;152;geea522d09e_0_15"/>
+          <p:cNvSpPr txBox="1"/>
+          <p:nvPr/>
+        </p:nvSpPr>
+        <p:spPr>
+          <a:xfrm>
+            <a:off x="677333" y="678873"/>
+            <a:ext cx="9633615" cy="646290"/>
+          </a:xfrm>
+          <a:prstGeom prst="rect">
+            <a:avLst/>
+          </a:prstGeom>
+          <a:noFill/>
+          <a:ln>
+            <a:noFill/>
+          </a:ln>
+        </p:spPr>
+        <p:txBody>
+          <a:bodyPr spcFirstLastPara="1" wrap="square" lIns="91425" tIns="45700" rIns="91425" bIns="45700" anchor="t" anchorCtr="0">
+            <a:spAutoFit/>
+          </a:bodyPr>
+          <a:lstStyle/>
+          <a:p>
+            <a:pPr marL="0" marR="0" lvl="0" indent="0" algn="l" rtl="0">
+              <a:lnSpc>
+                <a:spcPct val="100000"/>
+              </a:lnSpc>
+              <a:spcBef>
+                <a:spcPts val="0"/>
+              </a:spcBef>
+              <a:spcAft>
+                <a:spcPts val="0"/>
+              </a:spcAft>
+              <a:buClr>
+                <a:srgbClr val="000000"/>
+              </a:buClr>
+              <a:buSzPts val="3600"/>
+              <a:buFont typeface="Arial" panose="020B0604020202020204"/>
+              <a:buNone/>
+            </a:pPr>
+            <a:r>
+              <a:rPr lang="en-US" sz="3600" b="0" i="0" u="none" strike="noStrike" cap="none" dirty="0">
+                <a:solidFill>
+                  <a:srgbClr val="93DF5F"/>
+                </a:solidFill>
+                <a:latin typeface="Times New Roman" panose="02020603050405020304"/>
+                <a:ea typeface="Times New Roman" panose="02020603050405020304"/>
+                <a:cs typeface="Times New Roman" panose="02020603050405020304"/>
+                <a:sym typeface="Times New Roman" panose="02020603050405020304"/>
+              </a:rPr>
+              <a:t>Create Custom Model Binding in ASP.NET Core</a:t>
+            </a:r>
+            <a:endParaRPr sz="3600" b="0" i="0" u="none" strike="noStrike" cap="none" dirty="0">
+              <a:solidFill>
+                <a:srgbClr val="93DF5F"/>
+              </a:solidFill>
+              <a:latin typeface="Times New Roman" panose="02020603050405020304"/>
+              <a:ea typeface="Times New Roman" panose="02020603050405020304"/>
+              <a:cs typeface="Times New Roman" panose="02020603050405020304"/>
+              <a:sym typeface="Times New Roman" panose="02020603050405020304"/>
+            </a:endParaRPr>
+          </a:p>
+        </p:txBody>
+      </p:sp>
+      <p:cxnSp>
+        <p:nvCxnSpPr>
+          <p:cNvPr id="153" name="Google Shape;153;geea522d09e_0_15"/>
+          <p:cNvCxnSpPr/>
+          <p:nvPr/>
+        </p:nvCxnSpPr>
+        <p:spPr>
+          <a:xfrm>
+            <a:off x="776143" y="1325163"/>
+            <a:ext cx="5210700" cy="0"/>
+          </a:xfrm>
+          <a:prstGeom prst="straightConnector1">
+            <a:avLst/>
+          </a:prstGeom>
+          <a:noFill/>
+          <a:ln w="25400" cap="flat" cmpd="sng">
+            <a:solidFill>
+              <a:schemeClr val="accent1"/>
+            </a:solidFill>
+            <a:prstDash val="solid"/>
+            <a:round/>
+            <a:headEnd type="none" w="sm" len="sm"/>
+            <a:tailEnd type="none" w="sm" len="sm"/>
+          </a:ln>
+        </p:spPr>
+      </p:cxnSp>
+      <p:pic>
+        <p:nvPicPr>
+          <p:cNvPr id="154" name="Google Shape;154;geea522d09e_0_15"/>
+          <p:cNvPicPr preferRelativeResize="0"/>
+          <p:nvPr/>
+        </p:nvPicPr>
+        <p:blipFill rotWithShape="1">
+          <a:blip r:embed="rId3"/>
+          <a:srcRect/>
+          <a:stretch>
+            <a:fillRect/>
+          </a:stretch>
+        </p:blipFill>
+        <p:spPr>
+          <a:xfrm>
+            <a:off x="677316" y="6274352"/>
+            <a:ext cx="1639649" cy="413900"/>
+          </a:xfrm>
+          <a:prstGeom prst="rect">
+            <a:avLst/>
+          </a:prstGeom>
+          <a:noFill/>
+          <a:ln>
+            <a:noFill/>
+          </a:ln>
+        </p:spPr>
+      </p:pic>
+    </p:spTree>
+    <p:extLst>
+      <p:ext uri="{BB962C8B-B14F-4D97-AF65-F5344CB8AC3E}">
+        <p14:creationId xmlns:p14="http://schemas.microsoft.com/office/powerpoint/2010/main" val="2212123671"/>
+      </p:ext>
+    </p:extLst>
+  </p:cSld>
+  <p:clrMapOvr>
+    <a:masterClrMapping/>
+  </p:clrMapOvr>
+</p:sld>
+</file>
+
+<file path=ppt/slides/slide26.xml><?xml version="1.0" encoding="utf-8"?>
+<p:sld xmlns:a="http://schemas.openxmlformats.org/drawingml/2006/main" xmlns:r="http://schemas.openxmlformats.org/officeDocument/2006/relationships" xmlns:p="http://schemas.openxmlformats.org/presentationml/2006/main">
+  <p:cSld>
+    <p:spTree>
+      <p:nvGrpSpPr>
+        <p:cNvPr id="1" name="Shape 150"/>
+        <p:cNvGrpSpPr/>
+        <p:nvPr/>
+      </p:nvGrpSpPr>
+      <p:grpSpPr>
+        <a:xfrm>
+          <a:off x="0" y="0"/>
+          <a:ext cx="0" cy="0"/>
+          <a:chOff x="0" y="0"/>
+          <a:chExt cx="0" cy="0"/>
+        </a:xfrm>
+      </p:grpSpPr>
+      <p:sp>
+        <p:nvSpPr>
+          <p:cNvPr id="151" name="Google Shape;151;geea522d09e_0_15"/>
+          <p:cNvSpPr txBox="1">
+            <a:spLocks noGrp="1"/>
+          </p:cNvSpPr>
+          <p:nvPr>
+            <p:ph type="body" idx="1"/>
+          </p:nvPr>
+        </p:nvSpPr>
+        <p:spPr>
+          <a:xfrm>
+            <a:off x="695325" y="1450340"/>
+            <a:ext cx="8596630" cy="4840605"/>
+          </a:xfrm>
+          <a:prstGeom prst="rect">
+            <a:avLst/>
+          </a:prstGeom>
+          <a:noFill/>
+          <a:ln>
+            <a:noFill/>
+          </a:ln>
+        </p:spPr>
+        <p:txBody>
+          <a:bodyPr spcFirstLastPara="1" wrap="square" lIns="91425" tIns="45700" rIns="91425" bIns="45700" anchor="t" anchorCtr="0">
+            <a:noAutofit/>
+          </a:bodyPr>
+          <a:lstStyle/>
+          <a:p>
+            <a:pPr marL="137160" indent="0">
+              <a:lnSpc>
+                <a:spcPct val="200000"/>
+              </a:lnSpc>
+              <a:spcBef>
+                <a:spcPts val="0"/>
+              </a:spcBef>
+              <a:buClr>
+                <a:schemeClr val="lt1"/>
+              </a:buClr>
+              <a:buNone/>
+            </a:pPr>
+            <a:endParaRPr lang="en-US" dirty="0">
+              <a:solidFill>
+                <a:schemeClr val="lt1"/>
+              </a:solidFill>
+              <a:latin typeface="Times New Roman" panose="02020603050405020304"/>
+              <a:cs typeface="Times New Roman" panose="02020603050405020304"/>
+              <a:sym typeface="Times New Roman" panose="02020603050405020304"/>
+            </a:endParaRPr>
+          </a:p>
+        </p:txBody>
+      </p:sp>
+      <p:sp>
+        <p:nvSpPr>
+          <p:cNvPr id="152" name="Google Shape;152;geea522d09e_0_15"/>
+          <p:cNvSpPr txBox="1"/>
+          <p:nvPr/>
+        </p:nvSpPr>
+        <p:spPr>
+          <a:xfrm>
+            <a:off x="677333" y="678873"/>
+            <a:ext cx="9633615" cy="646290"/>
+          </a:xfrm>
+          <a:prstGeom prst="rect">
+            <a:avLst/>
+          </a:prstGeom>
+          <a:noFill/>
+          <a:ln>
+            <a:noFill/>
+          </a:ln>
+        </p:spPr>
+        <p:txBody>
+          <a:bodyPr spcFirstLastPara="1" wrap="square" lIns="91425" tIns="45700" rIns="91425" bIns="45700" anchor="t" anchorCtr="0">
+            <a:spAutoFit/>
+          </a:bodyPr>
+          <a:lstStyle/>
+          <a:p>
+            <a:pPr marL="0" marR="0" lvl="0" indent="0" algn="l" rtl="0">
+              <a:lnSpc>
+                <a:spcPct val="100000"/>
+              </a:lnSpc>
+              <a:spcBef>
+                <a:spcPts val="0"/>
+              </a:spcBef>
+              <a:spcAft>
+                <a:spcPts val="0"/>
+              </a:spcAft>
+              <a:buClr>
+                <a:srgbClr val="000000"/>
+              </a:buClr>
+              <a:buSzPts val="3600"/>
+              <a:buFont typeface="Arial" panose="020B0604020202020204"/>
+              <a:buNone/>
+            </a:pPr>
+            <a:r>
+              <a:rPr lang="en-US" sz="3600" b="0" i="0" u="none" strike="noStrike" cap="none" dirty="0">
+                <a:solidFill>
+                  <a:srgbClr val="93DF5F"/>
+                </a:solidFill>
+                <a:latin typeface="Times New Roman" panose="02020603050405020304"/>
+                <a:ea typeface="Times New Roman" panose="02020603050405020304"/>
+                <a:cs typeface="Times New Roman" panose="02020603050405020304"/>
+                <a:sym typeface="Times New Roman" panose="02020603050405020304"/>
+              </a:rPr>
+              <a:t>Create Custom Model Binding in ASP.NET Core</a:t>
+            </a:r>
+            <a:endParaRPr sz="3600" b="0" i="0" u="none" strike="noStrike" cap="none" dirty="0">
+              <a:solidFill>
+                <a:srgbClr val="93DF5F"/>
+              </a:solidFill>
+              <a:latin typeface="Times New Roman" panose="02020603050405020304"/>
+              <a:ea typeface="Times New Roman" panose="02020603050405020304"/>
+              <a:cs typeface="Times New Roman" panose="02020603050405020304"/>
+              <a:sym typeface="Times New Roman" panose="02020603050405020304"/>
+            </a:endParaRPr>
+          </a:p>
+        </p:txBody>
+      </p:sp>
+      <p:cxnSp>
+        <p:nvCxnSpPr>
+          <p:cNvPr id="153" name="Google Shape;153;geea522d09e_0_15"/>
+          <p:cNvCxnSpPr/>
+          <p:nvPr/>
+        </p:nvCxnSpPr>
+        <p:spPr>
+          <a:xfrm>
+            <a:off x="776143" y="1325163"/>
+            <a:ext cx="5210700" cy="0"/>
+          </a:xfrm>
+          <a:prstGeom prst="straightConnector1">
+            <a:avLst/>
+          </a:prstGeom>
+          <a:noFill/>
+          <a:ln w="25400" cap="flat" cmpd="sng">
+            <a:solidFill>
+              <a:schemeClr val="accent1"/>
+            </a:solidFill>
+            <a:prstDash val="solid"/>
+            <a:round/>
+            <a:headEnd type="none" w="sm" len="sm"/>
+            <a:tailEnd type="none" w="sm" len="sm"/>
+          </a:ln>
+        </p:spPr>
+      </p:cxnSp>
+      <p:pic>
+        <p:nvPicPr>
+          <p:cNvPr id="154" name="Google Shape;154;geea522d09e_0_15"/>
+          <p:cNvPicPr preferRelativeResize="0"/>
+          <p:nvPr/>
+        </p:nvPicPr>
+        <p:blipFill rotWithShape="1">
+          <a:blip r:embed="rId3"/>
+          <a:srcRect/>
+          <a:stretch>
+            <a:fillRect/>
+          </a:stretch>
+        </p:blipFill>
+        <p:spPr>
+          <a:xfrm>
+            <a:off x="677316" y="6274352"/>
+            <a:ext cx="1639649" cy="413900"/>
+          </a:xfrm>
+          <a:prstGeom prst="rect">
+            <a:avLst/>
+          </a:prstGeom>
+          <a:noFill/>
+          <a:ln>
+            <a:noFill/>
+          </a:ln>
+        </p:spPr>
+      </p:pic>
+      <p:pic>
+        <p:nvPicPr>
+          <p:cNvPr id="3" name="Picture 2">
+            <a:extLst>
+              <a:ext uri="{FF2B5EF4-FFF2-40B4-BE49-F238E27FC236}">
+                <a16:creationId xmlns:a16="http://schemas.microsoft.com/office/drawing/2014/main" id="{940598DB-A03B-247A-F628-38AA8D07965B}"/>
+              </a:ext>
+            </a:extLst>
+          </p:cNvPr>
+          <p:cNvPicPr>
+            <a:picLocks noChangeAspect="1"/>
+          </p:cNvPicPr>
+          <p:nvPr/>
+        </p:nvPicPr>
+        <p:blipFill>
+          <a:blip r:embed="rId4"/>
+          <a:stretch>
+            <a:fillRect/>
+          </a:stretch>
+        </p:blipFill>
+        <p:spPr>
+          <a:xfrm>
+            <a:off x="677317" y="1450339"/>
+            <a:ext cx="5418684" cy="2928654"/>
+          </a:xfrm>
+          <a:prstGeom prst="rect">
+            <a:avLst/>
+          </a:prstGeom>
+        </p:spPr>
+      </p:pic>
+      <p:pic>
+        <p:nvPicPr>
+          <p:cNvPr id="5" name="Picture 4">
+            <a:extLst>
+              <a:ext uri="{FF2B5EF4-FFF2-40B4-BE49-F238E27FC236}">
+                <a16:creationId xmlns:a16="http://schemas.microsoft.com/office/drawing/2014/main" id="{27FCD466-0558-08DE-6AD0-FC9A738F334A}"/>
+              </a:ext>
+            </a:extLst>
+          </p:cNvPr>
+          <p:cNvPicPr>
+            <a:picLocks noChangeAspect="1"/>
+          </p:cNvPicPr>
+          <p:nvPr/>
+        </p:nvPicPr>
+        <p:blipFill>
+          <a:blip r:embed="rId5"/>
+          <a:stretch>
+            <a:fillRect/>
+          </a:stretch>
+        </p:blipFill>
+        <p:spPr>
+          <a:xfrm>
+            <a:off x="4381094" y="4288403"/>
+            <a:ext cx="4910861" cy="1985949"/>
+          </a:xfrm>
+          <a:prstGeom prst="rect">
+            <a:avLst/>
+          </a:prstGeom>
+        </p:spPr>
+      </p:pic>
+    </p:spTree>
+    <p:extLst>
+      <p:ext uri="{BB962C8B-B14F-4D97-AF65-F5344CB8AC3E}">
+        <p14:creationId xmlns:p14="http://schemas.microsoft.com/office/powerpoint/2010/main" val="2202949364"/>
+      </p:ext>
+    </p:extLst>
+  </p:cSld>
+  <p:clrMapOvr>
+    <a:masterClrMapping/>
+  </p:clrMapOvr>
+</p:sld>
+</file>
+
 <file path=ppt/slides/slide27.xml><?xml version="1.0" encoding="utf-8"?>
+<p:sld xmlns:a="http://schemas.openxmlformats.org/drawingml/2006/main" xmlns:r="http://schemas.openxmlformats.org/officeDocument/2006/relationships" xmlns:p="http://schemas.openxmlformats.org/presentationml/2006/main">
+  <p:cSld>
+    <p:spTree>
+      <p:nvGrpSpPr>
+        <p:cNvPr id="1" name="Shape 150"/>
+        <p:cNvGrpSpPr/>
+        <p:nvPr/>
+      </p:nvGrpSpPr>
+      <p:grpSpPr>
+        <a:xfrm>
+          <a:off x="0" y="0"/>
+          <a:ext cx="0" cy="0"/>
+          <a:chOff x="0" y="0"/>
+          <a:chExt cx="0" cy="0"/>
+        </a:xfrm>
+      </p:grpSpPr>
+      <p:sp>
+        <p:nvSpPr>
+          <p:cNvPr id="151" name="Google Shape;151;geea522d09e_0_15"/>
+          <p:cNvSpPr txBox="1">
+            <a:spLocks noGrp="1"/>
+          </p:cNvSpPr>
+          <p:nvPr>
+            <p:ph type="body" idx="1"/>
+          </p:nvPr>
+        </p:nvSpPr>
+        <p:spPr>
+          <a:xfrm>
+            <a:off x="695325" y="1450340"/>
+            <a:ext cx="8596630" cy="4840605"/>
+          </a:xfrm>
+          <a:prstGeom prst="rect">
+            <a:avLst/>
+          </a:prstGeom>
+          <a:noFill/>
+          <a:ln>
+            <a:noFill/>
+          </a:ln>
+        </p:spPr>
+        <p:txBody>
+          <a:bodyPr spcFirstLastPara="1" wrap="square" lIns="91425" tIns="45700" rIns="91425" bIns="45700" anchor="t" anchorCtr="0">
+            <a:noAutofit/>
+          </a:bodyPr>
+          <a:lstStyle/>
+          <a:p>
+            <a:pPr marL="137160" indent="0">
+              <a:lnSpc>
+                <a:spcPct val="200000"/>
+              </a:lnSpc>
+              <a:spcBef>
+                <a:spcPts val="0"/>
+              </a:spcBef>
+              <a:buClr>
+                <a:schemeClr val="lt1"/>
+              </a:buClr>
+              <a:buNone/>
+            </a:pPr>
+            <a:endParaRPr lang="en-US" dirty="0">
+              <a:solidFill>
+                <a:schemeClr val="lt1"/>
+              </a:solidFill>
+              <a:latin typeface="Times New Roman" panose="02020603050405020304"/>
+              <a:cs typeface="Times New Roman" panose="02020603050405020304"/>
+              <a:sym typeface="Times New Roman" panose="02020603050405020304"/>
+            </a:endParaRPr>
+          </a:p>
+        </p:txBody>
+      </p:sp>
+      <p:sp>
+        <p:nvSpPr>
+          <p:cNvPr id="152" name="Google Shape;152;geea522d09e_0_15"/>
+          <p:cNvSpPr txBox="1"/>
+          <p:nvPr/>
+        </p:nvSpPr>
+        <p:spPr>
+          <a:xfrm>
+            <a:off x="677333" y="678873"/>
+            <a:ext cx="9633615" cy="646290"/>
+          </a:xfrm>
+          <a:prstGeom prst="rect">
+            <a:avLst/>
+          </a:prstGeom>
+          <a:noFill/>
+          <a:ln>
+            <a:noFill/>
+          </a:ln>
+        </p:spPr>
+        <p:txBody>
+          <a:bodyPr spcFirstLastPara="1" wrap="square" lIns="91425" tIns="45700" rIns="91425" bIns="45700" anchor="t" anchorCtr="0">
+            <a:spAutoFit/>
+          </a:bodyPr>
+          <a:lstStyle/>
+          <a:p>
+            <a:pPr marL="0" marR="0" lvl="0" indent="0" algn="l" rtl="0">
+              <a:lnSpc>
+                <a:spcPct val="100000"/>
+              </a:lnSpc>
+              <a:spcBef>
+                <a:spcPts val="0"/>
+              </a:spcBef>
+              <a:spcAft>
+                <a:spcPts val="0"/>
+              </a:spcAft>
+              <a:buClr>
+                <a:srgbClr val="000000"/>
+              </a:buClr>
+              <a:buSzPts val="3600"/>
+              <a:buFont typeface="Arial" panose="020B0604020202020204"/>
+              <a:buNone/>
+            </a:pPr>
+            <a:r>
+              <a:rPr lang="en-US" sz="3600" b="0" i="0" u="none" strike="noStrike" cap="none" dirty="0">
+                <a:solidFill>
+                  <a:srgbClr val="93DF5F"/>
+                </a:solidFill>
+                <a:latin typeface="Times New Roman" panose="02020603050405020304"/>
+                <a:ea typeface="Times New Roman" panose="02020603050405020304"/>
+                <a:cs typeface="Times New Roman" panose="02020603050405020304"/>
+                <a:sym typeface="Times New Roman" panose="02020603050405020304"/>
+              </a:rPr>
+              <a:t>Create Custom Model Binding in ASP.NET Core</a:t>
+            </a:r>
+            <a:endParaRPr sz="3600" b="0" i="0" u="none" strike="noStrike" cap="none" dirty="0">
+              <a:solidFill>
+                <a:srgbClr val="93DF5F"/>
+              </a:solidFill>
+              <a:latin typeface="Times New Roman" panose="02020603050405020304"/>
+              <a:ea typeface="Times New Roman" panose="02020603050405020304"/>
+              <a:cs typeface="Times New Roman" panose="02020603050405020304"/>
+              <a:sym typeface="Times New Roman" panose="02020603050405020304"/>
+            </a:endParaRPr>
+          </a:p>
+        </p:txBody>
+      </p:sp>
+      <p:cxnSp>
+        <p:nvCxnSpPr>
+          <p:cNvPr id="153" name="Google Shape;153;geea522d09e_0_15"/>
+          <p:cNvCxnSpPr/>
+          <p:nvPr/>
+        </p:nvCxnSpPr>
+        <p:spPr>
+          <a:xfrm>
+            <a:off x="776143" y="1325163"/>
+            <a:ext cx="5210700" cy="0"/>
+          </a:xfrm>
+          <a:prstGeom prst="straightConnector1">
+            <a:avLst/>
+          </a:prstGeom>
+          <a:noFill/>
+          <a:ln w="25400" cap="flat" cmpd="sng">
+            <a:solidFill>
+              <a:schemeClr val="accent1"/>
+            </a:solidFill>
+            <a:prstDash val="solid"/>
+            <a:round/>
+            <a:headEnd type="none" w="sm" len="sm"/>
+            <a:tailEnd type="none" w="sm" len="sm"/>
+          </a:ln>
+        </p:spPr>
+      </p:cxnSp>
+      <p:pic>
+        <p:nvPicPr>
+          <p:cNvPr id="154" name="Google Shape;154;geea522d09e_0_15"/>
+          <p:cNvPicPr preferRelativeResize="0"/>
+          <p:nvPr/>
+        </p:nvPicPr>
+        <p:blipFill rotWithShape="1">
+          <a:blip r:embed="rId3"/>
+          <a:srcRect/>
+          <a:stretch>
+            <a:fillRect/>
+          </a:stretch>
+        </p:blipFill>
+        <p:spPr>
+          <a:xfrm>
+            <a:off x="677316" y="6274352"/>
+            <a:ext cx="1639649" cy="413900"/>
+          </a:xfrm>
+          <a:prstGeom prst="rect">
+            <a:avLst/>
+          </a:prstGeom>
+          <a:noFill/>
+          <a:ln>
+            <a:noFill/>
+          </a:ln>
+        </p:spPr>
+      </p:pic>
+      <p:pic>
+        <p:nvPicPr>
+          <p:cNvPr id="4" name="Picture 3">
+            <a:extLst>
+              <a:ext uri="{FF2B5EF4-FFF2-40B4-BE49-F238E27FC236}">
+                <a16:creationId xmlns:a16="http://schemas.microsoft.com/office/drawing/2014/main" id="{0AA801E8-6C68-6498-0931-B6787D30B2E7}"/>
+              </a:ext>
+            </a:extLst>
+          </p:cNvPr>
+          <p:cNvPicPr>
+            <a:picLocks noChangeAspect="1"/>
+          </p:cNvPicPr>
+          <p:nvPr/>
+        </p:nvPicPr>
+        <p:blipFill>
+          <a:blip r:embed="rId4"/>
+          <a:stretch>
+            <a:fillRect/>
+          </a:stretch>
+        </p:blipFill>
+        <p:spPr>
+          <a:xfrm>
+            <a:off x="677316" y="1517014"/>
+            <a:ext cx="6029325" cy="1714500"/>
+          </a:xfrm>
+          <a:prstGeom prst="rect">
+            <a:avLst/>
+          </a:prstGeom>
+        </p:spPr>
+      </p:pic>
+      <p:pic>
+        <p:nvPicPr>
+          <p:cNvPr id="7" name="Picture 6">
+            <a:extLst>
+              <a:ext uri="{FF2B5EF4-FFF2-40B4-BE49-F238E27FC236}">
+                <a16:creationId xmlns:a16="http://schemas.microsoft.com/office/drawing/2014/main" id="{0535AB71-7938-150F-3C9C-5E84BFE578F0}"/>
+              </a:ext>
+            </a:extLst>
+          </p:cNvPr>
+          <p:cNvPicPr>
+            <a:picLocks noChangeAspect="1"/>
+          </p:cNvPicPr>
+          <p:nvPr/>
+        </p:nvPicPr>
+        <p:blipFill>
+          <a:blip r:embed="rId5"/>
+          <a:stretch>
+            <a:fillRect/>
+          </a:stretch>
+        </p:blipFill>
+        <p:spPr>
+          <a:xfrm>
+            <a:off x="677316" y="3664545"/>
+            <a:ext cx="5829300" cy="1981200"/>
+          </a:xfrm>
+          <a:prstGeom prst="rect">
+            <a:avLst/>
+          </a:prstGeom>
+        </p:spPr>
+      </p:pic>
+    </p:spTree>
+    <p:extLst>
+      <p:ext uri="{BB962C8B-B14F-4D97-AF65-F5344CB8AC3E}">
+        <p14:creationId xmlns:p14="http://schemas.microsoft.com/office/powerpoint/2010/main" val="4138953601"/>
+      </p:ext>
+    </p:extLst>
+  </p:cSld>
+  <p:clrMapOvr>
+    <a:masterClrMapping/>
+  </p:clrMapOvr>
+</p:sld>
+</file>
+
+<file path=ppt/slides/slide28.xml><?xml version="1.0" encoding="utf-8"?>
 <p:sld xmlns:a="http://schemas.openxmlformats.org/drawingml/2006/main" xmlns:r="http://schemas.openxmlformats.org/officeDocument/2006/relationships" xmlns:p="http://schemas.openxmlformats.org/presentationml/2006/main">
   <p:cSld>
     <p:spTree>
@@ -30935,7 +31431,7 @@
 </p:sld>
 </file>
 
-<file path=ppt/slides/slide28.xml><?xml version="1.0" encoding="utf-8"?>
+<file path=ppt/slides/slide29.xml><?xml version="1.0" encoding="utf-8"?>
 <p:sld xmlns:a="http://schemas.openxmlformats.org/drawingml/2006/main" xmlns:r="http://schemas.openxmlformats.org/officeDocument/2006/relationships" xmlns:p="http://schemas.openxmlformats.org/presentationml/2006/main">
   <p:cSld>
     <p:spTree>
@@ -31032,124 +31528,6 @@
                 <a:sym typeface="Times New Roman" panose="02020603050405020304"/>
               </a:rPr>
               <a:t>Q &amp; A</a:t>
-            </a:r>
-            <a:endParaRPr sz="4800" b="0" i="0" u="none" strike="noStrike" cap="none">
-              <a:solidFill>
-                <a:schemeClr val="lt1"/>
-              </a:solidFill>
-              <a:latin typeface="Times New Roman" panose="02020603050405020304"/>
-              <a:ea typeface="Times New Roman" panose="02020603050405020304"/>
-              <a:cs typeface="Times New Roman" panose="02020603050405020304"/>
-              <a:sym typeface="Times New Roman" panose="02020603050405020304"/>
-            </a:endParaRPr>
-          </a:p>
-        </p:txBody>
-      </p:sp>
-    </p:spTree>
-  </p:cSld>
-  <p:clrMapOvr>
-    <a:masterClrMapping/>
-  </p:clrMapOvr>
-</p:sld>
-</file>
-
-<file path=ppt/slides/slide29.xml><?xml version="1.0" encoding="utf-8"?>
-<p:sld xmlns:a="http://schemas.openxmlformats.org/drawingml/2006/main" xmlns:r="http://schemas.openxmlformats.org/officeDocument/2006/relationships" xmlns:p="http://schemas.openxmlformats.org/presentationml/2006/main">
-  <p:cSld>
-    <p:spTree>
-      <p:nvGrpSpPr>
-        <p:cNvPr id="1" name="Shape 166"/>
-        <p:cNvGrpSpPr/>
-        <p:nvPr/>
-      </p:nvGrpSpPr>
-      <p:grpSpPr>
-        <a:xfrm>
-          <a:off x="0" y="0"/>
-          <a:ext cx="0" cy="0"/>
-          <a:chOff x="0" y="0"/>
-          <a:chExt cx="0" cy="0"/>
-        </a:xfrm>
-      </p:grpSpPr>
-      <p:pic>
-        <p:nvPicPr>
-          <p:cNvPr id="169" name="Google Shape;169;geef53d5d55_1_253"/>
-          <p:cNvPicPr preferRelativeResize="0"/>
-          <p:nvPr/>
-        </p:nvPicPr>
-        <p:blipFill rotWithShape="1">
-          <a:blip r:embed="rId3"/>
-          <a:srcRect/>
-          <a:stretch>
-            <a:fillRect/>
-          </a:stretch>
-        </p:blipFill>
-        <p:spPr>
-          <a:xfrm>
-            <a:off x="677316" y="6274352"/>
-            <a:ext cx="1639649" cy="413900"/>
-          </a:xfrm>
-          <a:prstGeom prst="rect">
-            <a:avLst/>
-          </a:prstGeom>
-          <a:noFill/>
-          <a:ln>
-            <a:noFill/>
-          </a:ln>
-        </p:spPr>
-      </p:pic>
-      <p:sp>
-        <p:nvSpPr>
-          <p:cNvPr id="170" name="Google Shape;170;geef53d5d55_1_253"/>
-          <p:cNvSpPr txBox="1"/>
-          <p:nvPr/>
-        </p:nvSpPr>
-        <p:spPr>
-          <a:xfrm>
-            <a:off x="3601700" y="3130125"/>
-            <a:ext cx="4509600" cy="831000"/>
-          </a:xfrm>
-          <a:prstGeom prst="rect">
-            <a:avLst/>
-          </a:prstGeom>
-          <a:noFill/>
-          <a:ln>
-            <a:noFill/>
-          </a:ln>
-        </p:spPr>
-        <p:txBody>
-          <a:bodyPr spcFirstLastPara="1" wrap="square" lIns="91425" tIns="45700" rIns="91425" bIns="45700" anchor="t" anchorCtr="0">
-            <a:spAutoFit/>
-          </a:bodyPr>
-          <a:lstStyle/>
-          <a:p>
-            <a:pPr marL="0" marR="0" lvl="0" indent="0" algn="l" rtl="0">
-              <a:lnSpc>
-                <a:spcPct val="100000"/>
-              </a:lnSpc>
-              <a:spcBef>
-                <a:spcPts val="0"/>
-              </a:spcBef>
-              <a:spcAft>
-                <a:spcPts val="0"/>
-              </a:spcAft>
-              <a:buClr>
-                <a:srgbClr val="000000"/>
-              </a:buClr>
-              <a:buSzPts val="4800"/>
-              <a:buFont typeface="Arial" panose="020B0604020202020204"/>
-              <a:buNone/>
-            </a:pPr>
-            <a:r>
-              <a:rPr lang="en-US" sz="4800">
-                <a:solidFill>
-                  <a:schemeClr val="lt1"/>
-                </a:solidFill>
-                <a:latin typeface="Times New Roman" panose="02020603050405020304"/>
-                <a:ea typeface="Times New Roman" panose="02020603050405020304"/>
-                <a:cs typeface="Times New Roman" panose="02020603050405020304"/>
-                <a:sym typeface="Times New Roman" panose="02020603050405020304"/>
-              </a:rPr>
-              <a:t>THANK YOU!!!</a:t>
             </a:r>
             <a:endParaRPr sz="4800" b="0" i="0" u="none" strike="noStrike" cap="none">
               <a:solidFill>
@@ -31476,6 +31854,124 @@
         <p14:creationId xmlns:p14="http://schemas.microsoft.com/office/powerpoint/2010/main" val="4006986412"/>
       </p:ext>
     </p:extLst>
+  </p:cSld>
+  <p:clrMapOvr>
+    <a:masterClrMapping/>
+  </p:clrMapOvr>
+</p:sld>
+</file>
+
+<file path=ppt/slides/slide30.xml><?xml version="1.0" encoding="utf-8"?>
+<p:sld xmlns:a="http://schemas.openxmlformats.org/drawingml/2006/main" xmlns:r="http://schemas.openxmlformats.org/officeDocument/2006/relationships" xmlns:p="http://schemas.openxmlformats.org/presentationml/2006/main">
+  <p:cSld>
+    <p:spTree>
+      <p:nvGrpSpPr>
+        <p:cNvPr id="1" name="Shape 166"/>
+        <p:cNvGrpSpPr/>
+        <p:nvPr/>
+      </p:nvGrpSpPr>
+      <p:grpSpPr>
+        <a:xfrm>
+          <a:off x="0" y="0"/>
+          <a:ext cx="0" cy="0"/>
+          <a:chOff x="0" y="0"/>
+          <a:chExt cx="0" cy="0"/>
+        </a:xfrm>
+      </p:grpSpPr>
+      <p:pic>
+        <p:nvPicPr>
+          <p:cNvPr id="169" name="Google Shape;169;geef53d5d55_1_253"/>
+          <p:cNvPicPr preferRelativeResize="0"/>
+          <p:nvPr/>
+        </p:nvPicPr>
+        <p:blipFill rotWithShape="1">
+          <a:blip r:embed="rId3"/>
+          <a:srcRect/>
+          <a:stretch>
+            <a:fillRect/>
+          </a:stretch>
+        </p:blipFill>
+        <p:spPr>
+          <a:xfrm>
+            <a:off x="677316" y="6274352"/>
+            <a:ext cx="1639649" cy="413900"/>
+          </a:xfrm>
+          <a:prstGeom prst="rect">
+            <a:avLst/>
+          </a:prstGeom>
+          <a:noFill/>
+          <a:ln>
+            <a:noFill/>
+          </a:ln>
+        </p:spPr>
+      </p:pic>
+      <p:sp>
+        <p:nvSpPr>
+          <p:cNvPr id="170" name="Google Shape;170;geef53d5d55_1_253"/>
+          <p:cNvSpPr txBox="1"/>
+          <p:nvPr/>
+        </p:nvSpPr>
+        <p:spPr>
+          <a:xfrm>
+            <a:off x="3601700" y="3130125"/>
+            <a:ext cx="4509600" cy="831000"/>
+          </a:xfrm>
+          <a:prstGeom prst="rect">
+            <a:avLst/>
+          </a:prstGeom>
+          <a:noFill/>
+          <a:ln>
+            <a:noFill/>
+          </a:ln>
+        </p:spPr>
+        <p:txBody>
+          <a:bodyPr spcFirstLastPara="1" wrap="square" lIns="91425" tIns="45700" rIns="91425" bIns="45700" anchor="t" anchorCtr="0">
+            <a:spAutoFit/>
+          </a:bodyPr>
+          <a:lstStyle/>
+          <a:p>
+            <a:pPr marL="0" marR="0" lvl="0" indent="0" algn="l" rtl="0">
+              <a:lnSpc>
+                <a:spcPct val="100000"/>
+              </a:lnSpc>
+              <a:spcBef>
+                <a:spcPts val="0"/>
+              </a:spcBef>
+              <a:spcAft>
+                <a:spcPts val="0"/>
+              </a:spcAft>
+              <a:buClr>
+                <a:srgbClr val="000000"/>
+              </a:buClr>
+              <a:buSzPts val="4800"/>
+              <a:buFont typeface="Arial" panose="020B0604020202020204"/>
+              <a:buNone/>
+            </a:pPr>
+            <a:r>
+              <a:rPr lang="en-US" sz="4800">
+                <a:solidFill>
+                  <a:schemeClr val="lt1"/>
+                </a:solidFill>
+                <a:latin typeface="Times New Roman" panose="02020603050405020304"/>
+                <a:ea typeface="Times New Roman" panose="02020603050405020304"/>
+                <a:cs typeface="Times New Roman" panose="02020603050405020304"/>
+                <a:sym typeface="Times New Roman" panose="02020603050405020304"/>
+              </a:rPr>
+              <a:t>THANK YOU!!!</a:t>
+            </a:r>
+            <a:endParaRPr sz="4800" b="0" i="0" u="none" strike="noStrike" cap="none">
+              <a:solidFill>
+                <a:schemeClr val="lt1"/>
+              </a:solidFill>
+              <a:latin typeface="Times New Roman" panose="02020603050405020304"/>
+              <a:ea typeface="Times New Roman" panose="02020603050405020304"/>
+              <a:cs typeface="Times New Roman" panose="02020603050405020304"/>
+              <a:sym typeface="Times New Roman" panose="02020603050405020304"/>
+            </a:endParaRPr>
+          </a:p>
+        </p:txBody>
+      </p:sp>
+    </p:spTree>
   </p:cSld>
   <p:clrMapOvr>
     <a:masterClrMapping/>
@@ -31692,7 +32188,7 @@
                 <a:latin typeface="Times New Roman" panose="02020603050405020304"/>
                 <a:cs typeface="Times New Roman" panose="02020603050405020304"/>
               </a:rPr>
-              <a:t>Use is used to configure multiple middleware. We can include next parameter which calls the next middleware.</a:t>
+              <a:t>Use is used to configure multiple middleware. We can include next parameter which invoke the next middleware.</a:t>
             </a:r>
           </a:p>
           <a:p>

--- a/Middleware/Middleware.pptx
+++ b/Middleware/Middleware.pptx
@@ -5,7 +5,7 @@
     <p:sldMasterId id="2147483648" r:id="rId1"/>
   </p:sldMasterIdLst>
   <p:notesMasterIdLst>
-    <p:notesMasterId r:id="rId32"/>
+    <p:notesMasterId r:id="rId34"/>
   </p:notesMasterIdLst>
   <p:sldIdLst>
     <p:sldId id="256" r:id="rId2"/>
@@ -25,19 +25,21 @@
     <p:sldId id="300" r:id="rId16"/>
     <p:sldId id="302" r:id="rId17"/>
     <p:sldId id="304" r:id="rId18"/>
-    <p:sldId id="305" r:id="rId19"/>
-    <p:sldId id="306" r:id="rId20"/>
-    <p:sldId id="307" r:id="rId21"/>
-    <p:sldId id="308" r:id="rId22"/>
-    <p:sldId id="310" r:id="rId23"/>
-    <p:sldId id="311" r:id="rId24"/>
-    <p:sldId id="312" r:id="rId25"/>
-    <p:sldId id="313" r:id="rId26"/>
-    <p:sldId id="314" r:id="rId27"/>
-    <p:sldId id="315" r:id="rId28"/>
-    <p:sldId id="309" r:id="rId29"/>
-    <p:sldId id="274" r:id="rId30"/>
-    <p:sldId id="259" r:id="rId31"/>
+    <p:sldId id="316" r:id="rId19"/>
+    <p:sldId id="317" r:id="rId20"/>
+    <p:sldId id="305" r:id="rId21"/>
+    <p:sldId id="306" r:id="rId22"/>
+    <p:sldId id="307" r:id="rId23"/>
+    <p:sldId id="308" r:id="rId24"/>
+    <p:sldId id="310" r:id="rId25"/>
+    <p:sldId id="311" r:id="rId26"/>
+    <p:sldId id="312" r:id="rId27"/>
+    <p:sldId id="313" r:id="rId28"/>
+    <p:sldId id="314" r:id="rId29"/>
+    <p:sldId id="315" r:id="rId30"/>
+    <p:sldId id="309" r:id="rId31"/>
+    <p:sldId id="274" r:id="rId32"/>
+    <p:sldId id="259" r:id="rId33"/>
   </p:sldIdLst>
   <p:sldSz cx="12192000" cy="6858000"/>
   <p:notesSz cx="6858000" cy="9144000"/>
@@ -2034,6 +2036,260 @@
               <a:buSzPts val="1100"/>
               <a:buNone/>
             </a:pPr>
+            <a:endParaRPr dirty="0"/>
+          </a:p>
+        </p:txBody>
+      </p:sp>
+      <p:sp>
+        <p:nvSpPr>
+          <p:cNvPr id="149" name="Google Shape;149;geea522d09e_0_15:notes"/>
+          <p:cNvSpPr>
+            <a:spLocks noGrp="1" noRot="1" noChangeAspect="1"/>
+          </p:cNvSpPr>
+          <p:nvPr>
+            <p:ph type="sldImg" idx="2"/>
+          </p:nvPr>
+        </p:nvSpPr>
+        <p:spPr>
+          <a:xfrm>
+            <a:off x="381000" y="685800"/>
+            <a:ext cx="6096000" cy="3429000"/>
+          </a:xfrm>
+          <a:custGeom>
+            <a:avLst/>
+            <a:gdLst/>
+            <a:ahLst/>
+            <a:cxnLst/>
+            <a:rect l="l" t="t" r="r" b="b"/>
+            <a:pathLst>
+              <a:path w="120000" h="120000" extrusionOk="0">
+                <a:moveTo>
+                  <a:pt x="0" y="0"/>
+                </a:moveTo>
+                <a:lnTo>
+                  <a:pt x="120000" y="0"/>
+                </a:lnTo>
+                <a:lnTo>
+                  <a:pt x="120000" y="120000"/>
+                </a:lnTo>
+                <a:lnTo>
+                  <a:pt x="0" y="120000"/>
+                </a:lnTo>
+                <a:close/>
+              </a:path>
+            </a:pathLst>
+          </a:custGeom>
+          <a:noFill/>
+          <a:ln w="9525" cap="flat" cmpd="sng">
+            <a:solidFill>
+              <a:srgbClr val="000000"/>
+            </a:solidFill>
+            <a:prstDash val="solid"/>
+            <a:round/>
+            <a:headEnd type="none" w="sm" len="sm"/>
+            <a:tailEnd type="none" w="sm" len="sm"/>
+          </a:ln>
+        </p:spPr>
+      </p:sp>
+    </p:spTree>
+    <p:extLst>
+      <p:ext uri="{BB962C8B-B14F-4D97-AF65-F5344CB8AC3E}">
+        <p14:creationId xmlns:p14="http://schemas.microsoft.com/office/powerpoint/2010/main" val="2277296403"/>
+      </p:ext>
+    </p:extLst>
+  </p:cSld>
+  <p:clrMapOvr>
+    <a:masterClrMapping/>
+  </p:clrMapOvr>
+</p:notes>
+</file>
+
+<file path=ppt/notesSlides/notesSlide18.xml><?xml version="1.0" encoding="utf-8"?>
+<p:notes xmlns:a="http://schemas.openxmlformats.org/drawingml/2006/main" xmlns:r="http://schemas.openxmlformats.org/officeDocument/2006/relationships" xmlns:p="http://schemas.openxmlformats.org/presentationml/2006/main" showMasterSp="0" showMasterPhAnim="0">
+  <p:cSld>
+    <p:spTree>
+      <p:nvGrpSpPr>
+        <p:cNvPr id="1" name="Shape 147"/>
+        <p:cNvGrpSpPr/>
+        <p:nvPr/>
+      </p:nvGrpSpPr>
+      <p:grpSpPr>
+        <a:xfrm>
+          <a:off x="0" y="0"/>
+          <a:ext cx="0" cy="0"/>
+          <a:chOff x="0" y="0"/>
+          <a:chExt cx="0" cy="0"/>
+        </a:xfrm>
+      </p:grpSpPr>
+      <p:sp>
+        <p:nvSpPr>
+          <p:cNvPr id="148" name="Google Shape;148;geea522d09e_0_15:notes"/>
+          <p:cNvSpPr txBox="1">
+            <a:spLocks noGrp="1"/>
+          </p:cNvSpPr>
+          <p:nvPr>
+            <p:ph type="body" idx="1"/>
+          </p:nvPr>
+        </p:nvSpPr>
+        <p:spPr>
+          <a:xfrm>
+            <a:off x="685800" y="4343400"/>
+            <a:ext cx="5486400" cy="4114800"/>
+          </a:xfrm>
+          <a:prstGeom prst="rect">
+            <a:avLst/>
+          </a:prstGeom>
+          <a:noFill/>
+          <a:ln>
+            <a:noFill/>
+          </a:ln>
+        </p:spPr>
+        <p:txBody>
+          <a:bodyPr spcFirstLastPara="1" wrap="square" lIns="91425" tIns="91425" rIns="91425" bIns="91425" anchor="t" anchorCtr="0">
+            <a:noAutofit/>
+          </a:bodyPr>
+          <a:lstStyle/>
+          <a:p>
+            <a:pPr marL="0" lvl="0" indent="0" algn="l" rtl="0">
+              <a:lnSpc>
+                <a:spcPct val="100000"/>
+              </a:lnSpc>
+              <a:spcBef>
+                <a:spcPts val="0"/>
+              </a:spcBef>
+              <a:spcAft>
+                <a:spcPts val="0"/>
+              </a:spcAft>
+              <a:buSzPts val="1100"/>
+              <a:buNone/>
+            </a:pPr>
+            <a:endParaRPr dirty="0"/>
+          </a:p>
+        </p:txBody>
+      </p:sp>
+      <p:sp>
+        <p:nvSpPr>
+          <p:cNvPr id="149" name="Google Shape;149;geea522d09e_0_15:notes"/>
+          <p:cNvSpPr>
+            <a:spLocks noGrp="1" noRot="1" noChangeAspect="1"/>
+          </p:cNvSpPr>
+          <p:nvPr>
+            <p:ph type="sldImg" idx="2"/>
+          </p:nvPr>
+        </p:nvSpPr>
+        <p:spPr>
+          <a:xfrm>
+            <a:off x="381000" y="685800"/>
+            <a:ext cx="6096000" cy="3429000"/>
+          </a:xfrm>
+          <a:custGeom>
+            <a:avLst/>
+            <a:gdLst/>
+            <a:ahLst/>
+            <a:cxnLst/>
+            <a:rect l="l" t="t" r="r" b="b"/>
+            <a:pathLst>
+              <a:path w="120000" h="120000" extrusionOk="0">
+                <a:moveTo>
+                  <a:pt x="0" y="0"/>
+                </a:moveTo>
+                <a:lnTo>
+                  <a:pt x="120000" y="0"/>
+                </a:lnTo>
+                <a:lnTo>
+                  <a:pt x="120000" y="120000"/>
+                </a:lnTo>
+                <a:lnTo>
+                  <a:pt x="0" y="120000"/>
+                </a:lnTo>
+                <a:close/>
+              </a:path>
+            </a:pathLst>
+          </a:custGeom>
+          <a:noFill/>
+          <a:ln w="9525" cap="flat" cmpd="sng">
+            <a:solidFill>
+              <a:srgbClr val="000000"/>
+            </a:solidFill>
+            <a:prstDash val="solid"/>
+            <a:round/>
+            <a:headEnd type="none" w="sm" len="sm"/>
+            <a:tailEnd type="none" w="sm" len="sm"/>
+          </a:ln>
+        </p:spPr>
+      </p:sp>
+    </p:spTree>
+    <p:extLst>
+      <p:ext uri="{BB962C8B-B14F-4D97-AF65-F5344CB8AC3E}">
+        <p14:creationId xmlns:p14="http://schemas.microsoft.com/office/powerpoint/2010/main" val="3986449654"/>
+      </p:ext>
+    </p:extLst>
+  </p:cSld>
+  <p:clrMapOvr>
+    <a:masterClrMapping/>
+  </p:clrMapOvr>
+</p:notes>
+</file>
+
+<file path=ppt/notesSlides/notesSlide19.xml><?xml version="1.0" encoding="utf-8"?>
+<p:notes xmlns:a="http://schemas.openxmlformats.org/drawingml/2006/main" xmlns:r="http://schemas.openxmlformats.org/officeDocument/2006/relationships" xmlns:p="http://schemas.openxmlformats.org/presentationml/2006/main" showMasterSp="0" showMasterPhAnim="0">
+  <p:cSld>
+    <p:spTree>
+      <p:nvGrpSpPr>
+        <p:cNvPr id="1" name="Shape 147"/>
+        <p:cNvGrpSpPr/>
+        <p:nvPr/>
+      </p:nvGrpSpPr>
+      <p:grpSpPr>
+        <a:xfrm>
+          <a:off x="0" y="0"/>
+          <a:ext cx="0" cy="0"/>
+          <a:chOff x="0" y="0"/>
+          <a:chExt cx="0" cy="0"/>
+        </a:xfrm>
+      </p:grpSpPr>
+      <p:sp>
+        <p:nvSpPr>
+          <p:cNvPr id="148" name="Google Shape;148;geea522d09e_0_15:notes"/>
+          <p:cNvSpPr txBox="1">
+            <a:spLocks noGrp="1"/>
+          </p:cNvSpPr>
+          <p:nvPr>
+            <p:ph type="body" idx="1"/>
+          </p:nvPr>
+        </p:nvSpPr>
+        <p:spPr>
+          <a:xfrm>
+            <a:off x="685800" y="4343400"/>
+            <a:ext cx="5486400" cy="4114800"/>
+          </a:xfrm>
+          <a:prstGeom prst="rect">
+            <a:avLst/>
+          </a:prstGeom>
+          <a:noFill/>
+          <a:ln>
+            <a:noFill/>
+          </a:ln>
+        </p:spPr>
+        <p:txBody>
+          <a:bodyPr spcFirstLastPara="1" wrap="square" lIns="91425" tIns="91425" rIns="91425" bIns="91425" anchor="t" anchorCtr="0">
+            <a:noAutofit/>
+          </a:bodyPr>
+          <a:lstStyle/>
+          <a:p>
+            <a:pPr marL="0" lvl="0" indent="0" algn="l" rtl="0">
+              <a:lnSpc>
+                <a:spcPct val="100000"/>
+              </a:lnSpc>
+              <a:spcBef>
+                <a:spcPts val="0"/>
+              </a:spcBef>
+              <a:spcAft>
+                <a:spcPts val="0"/>
+              </a:spcAft>
+              <a:buSzPts val="1100"/>
+              <a:buNone/>
+            </a:pPr>
             <a:r>
               <a:rPr lang="en-US" dirty="0"/>
               <a:t>Demo case implement both</a:t>
@@ -2097,264 +2353,6 @@
     <p:extLst>
       <p:ext uri="{BB962C8B-B14F-4D97-AF65-F5344CB8AC3E}">
         <p14:creationId xmlns:p14="http://schemas.microsoft.com/office/powerpoint/2010/main" val="654327005"/>
-      </p:ext>
-    </p:extLst>
-  </p:cSld>
-  <p:clrMapOvr>
-    <a:masterClrMapping/>
-  </p:clrMapOvr>
-</p:notes>
-</file>
-
-<file path=ppt/notesSlides/notesSlide18.xml><?xml version="1.0" encoding="utf-8"?>
-<p:notes xmlns:a="http://schemas.openxmlformats.org/drawingml/2006/main" xmlns:r="http://schemas.openxmlformats.org/officeDocument/2006/relationships" xmlns:p="http://schemas.openxmlformats.org/presentationml/2006/main" showMasterSp="0" showMasterPhAnim="0">
-  <p:cSld>
-    <p:spTree>
-      <p:nvGrpSpPr>
-        <p:cNvPr id="1" name="Shape 147"/>
-        <p:cNvGrpSpPr/>
-        <p:nvPr/>
-      </p:nvGrpSpPr>
-      <p:grpSpPr>
-        <a:xfrm>
-          <a:off x="0" y="0"/>
-          <a:ext cx="0" cy="0"/>
-          <a:chOff x="0" y="0"/>
-          <a:chExt cx="0" cy="0"/>
-        </a:xfrm>
-      </p:grpSpPr>
-      <p:sp>
-        <p:nvSpPr>
-          <p:cNvPr id="148" name="Google Shape;148;geea522d09e_0_15:notes"/>
-          <p:cNvSpPr txBox="1">
-            <a:spLocks noGrp="1"/>
-          </p:cNvSpPr>
-          <p:nvPr>
-            <p:ph type="body" idx="1"/>
-          </p:nvPr>
-        </p:nvSpPr>
-        <p:spPr>
-          <a:xfrm>
-            <a:off x="685800" y="4343400"/>
-            <a:ext cx="5486400" cy="4114800"/>
-          </a:xfrm>
-          <a:prstGeom prst="rect">
-            <a:avLst/>
-          </a:prstGeom>
-          <a:noFill/>
-          <a:ln>
-            <a:noFill/>
-          </a:ln>
-        </p:spPr>
-        <p:txBody>
-          <a:bodyPr spcFirstLastPara="1" wrap="square" lIns="91425" tIns="91425" rIns="91425" bIns="91425" anchor="t" anchorCtr="0">
-            <a:noAutofit/>
-          </a:bodyPr>
-          <a:lstStyle/>
-          <a:p>
-            <a:pPr marL="0" lvl="0" indent="0" algn="l" rtl="0">
-              <a:lnSpc>
-                <a:spcPct val="100000"/>
-              </a:lnSpc>
-              <a:spcBef>
-                <a:spcPts val="0"/>
-              </a:spcBef>
-              <a:spcAft>
-                <a:spcPts val="0"/>
-              </a:spcAft>
-              <a:buSzPts val="1100"/>
-              <a:buNone/>
-            </a:pPr>
-            <a:r>
-              <a:rPr lang="en-US" dirty="0"/>
-              <a:t>Attribute limitation. </a:t>
-            </a:r>
-            <a:endParaRPr dirty="0"/>
-          </a:p>
-        </p:txBody>
-      </p:sp>
-      <p:sp>
-        <p:nvSpPr>
-          <p:cNvPr id="149" name="Google Shape;149;geea522d09e_0_15:notes"/>
-          <p:cNvSpPr>
-            <a:spLocks noGrp="1" noRot="1" noChangeAspect="1"/>
-          </p:cNvSpPr>
-          <p:nvPr>
-            <p:ph type="sldImg" idx="2"/>
-          </p:nvPr>
-        </p:nvSpPr>
-        <p:spPr>
-          <a:xfrm>
-            <a:off x="381000" y="685800"/>
-            <a:ext cx="6096000" cy="3429000"/>
-          </a:xfrm>
-          <a:custGeom>
-            <a:avLst/>
-            <a:gdLst/>
-            <a:ahLst/>
-            <a:cxnLst/>
-            <a:rect l="l" t="t" r="r" b="b"/>
-            <a:pathLst>
-              <a:path w="120000" h="120000" extrusionOk="0">
-                <a:moveTo>
-                  <a:pt x="0" y="0"/>
-                </a:moveTo>
-                <a:lnTo>
-                  <a:pt x="120000" y="0"/>
-                </a:lnTo>
-                <a:lnTo>
-                  <a:pt x="120000" y="120000"/>
-                </a:lnTo>
-                <a:lnTo>
-                  <a:pt x="0" y="120000"/>
-                </a:lnTo>
-                <a:close/>
-              </a:path>
-            </a:pathLst>
-          </a:custGeom>
-          <a:noFill/>
-          <a:ln w="9525" cap="flat" cmpd="sng">
-            <a:solidFill>
-              <a:srgbClr val="000000"/>
-            </a:solidFill>
-            <a:prstDash val="solid"/>
-            <a:round/>
-            <a:headEnd type="none" w="sm" len="sm"/>
-            <a:tailEnd type="none" w="sm" len="sm"/>
-          </a:ln>
-        </p:spPr>
-      </p:sp>
-    </p:spTree>
-    <p:extLst>
-      <p:ext uri="{BB962C8B-B14F-4D97-AF65-F5344CB8AC3E}">
-        <p14:creationId xmlns:p14="http://schemas.microsoft.com/office/powerpoint/2010/main" val="388088034"/>
-      </p:ext>
-    </p:extLst>
-  </p:cSld>
-  <p:clrMapOvr>
-    <a:masterClrMapping/>
-  </p:clrMapOvr>
-</p:notes>
-</file>
-
-<file path=ppt/notesSlides/notesSlide19.xml><?xml version="1.0" encoding="utf-8"?>
-<p:notes xmlns:a="http://schemas.openxmlformats.org/drawingml/2006/main" xmlns:r="http://schemas.openxmlformats.org/officeDocument/2006/relationships" xmlns:p="http://schemas.openxmlformats.org/presentationml/2006/main" showMasterSp="0" showMasterPhAnim="0">
-  <p:cSld>
-    <p:spTree>
-      <p:nvGrpSpPr>
-        <p:cNvPr id="1" name="Shape 147"/>
-        <p:cNvGrpSpPr/>
-        <p:nvPr/>
-      </p:nvGrpSpPr>
-      <p:grpSpPr>
-        <a:xfrm>
-          <a:off x="0" y="0"/>
-          <a:ext cx="0" cy="0"/>
-          <a:chOff x="0" y="0"/>
-          <a:chExt cx="0" cy="0"/>
-        </a:xfrm>
-      </p:grpSpPr>
-      <p:sp>
-        <p:nvSpPr>
-          <p:cNvPr id="148" name="Google Shape;148;geea522d09e_0_15:notes"/>
-          <p:cNvSpPr txBox="1">
-            <a:spLocks noGrp="1"/>
-          </p:cNvSpPr>
-          <p:nvPr>
-            <p:ph type="body" idx="1"/>
-          </p:nvPr>
-        </p:nvSpPr>
-        <p:spPr>
-          <a:xfrm>
-            <a:off x="685800" y="4343400"/>
-            <a:ext cx="5486400" cy="4114800"/>
-          </a:xfrm>
-          <a:prstGeom prst="rect">
-            <a:avLst/>
-          </a:prstGeom>
-          <a:noFill/>
-          <a:ln>
-            <a:noFill/>
-          </a:ln>
-        </p:spPr>
-        <p:txBody>
-          <a:bodyPr spcFirstLastPara="1" wrap="square" lIns="91425" tIns="91425" rIns="91425" bIns="91425" anchor="t" anchorCtr="0">
-            <a:noAutofit/>
-          </a:bodyPr>
-          <a:lstStyle/>
-          <a:p>
-            <a:pPr marL="0" lvl="0" indent="0" algn="l" rtl="0">
-              <a:lnSpc>
-                <a:spcPct val="100000"/>
-              </a:lnSpc>
-              <a:spcBef>
-                <a:spcPts val="0"/>
-              </a:spcBef>
-              <a:spcAft>
-                <a:spcPts val="0"/>
-              </a:spcAft>
-              <a:buSzPts val="1100"/>
-              <a:buNone/>
-            </a:pPr>
-            <a:endParaRPr dirty="0"/>
-          </a:p>
-        </p:txBody>
-      </p:sp>
-      <p:sp>
-        <p:nvSpPr>
-          <p:cNvPr id="149" name="Google Shape;149;geea522d09e_0_15:notes"/>
-          <p:cNvSpPr>
-            <a:spLocks noGrp="1" noRot="1" noChangeAspect="1"/>
-          </p:cNvSpPr>
-          <p:nvPr>
-            <p:ph type="sldImg" idx="2"/>
-          </p:nvPr>
-        </p:nvSpPr>
-        <p:spPr>
-          <a:xfrm>
-            <a:off x="381000" y="685800"/>
-            <a:ext cx="6096000" cy="3429000"/>
-          </a:xfrm>
-          <a:custGeom>
-            <a:avLst/>
-            <a:gdLst/>
-            <a:ahLst/>
-            <a:cxnLst/>
-            <a:rect l="l" t="t" r="r" b="b"/>
-            <a:pathLst>
-              <a:path w="120000" h="120000" extrusionOk="0">
-                <a:moveTo>
-                  <a:pt x="0" y="0"/>
-                </a:moveTo>
-                <a:lnTo>
-                  <a:pt x="120000" y="0"/>
-                </a:lnTo>
-                <a:lnTo>
-                  <a:pt x="120000" y="120000"/>
-                </a:lnTo>
-                <a:lnTo>
-                  <a:pt x="0" y="120000"/>
-                </a:lnTo>
-                <a:close/>
-              </a:path>
-            </a:pathLst>
-          </a:custGeom>
-          <a:noFill/>
-          <a:ln w="9525" cap="flat" cmpd="sng">
-            <a:solidFill>
-              <a:srgbClr val="000000"/>
-            </a:solidFill>
-            <a:prstDash val="solid"/>
-            <a:round/>
-            <a:headEnd type="none" w="sm" len="sm"/>
-            <a:tailEnd type="none" w="sm" len="sm"/>
-          </a:ln>
-        </p:spPr>
-      </p:sp>
-    </p:spTree>
-    <p:extLst>
-      <p:ext uri="{BB962C8B-B14F-4D97-AF65-F5344CB8AC3E}">
-        <p14:creationId xmlns:p14="http://schemas.microsoft.com/office/powerpoint/2010/main" val="631912042"/>
       </p:ext>
     </p:extLst>
   </p:cSld>
@@ -2547,6 +2545,264 @@
             </a:pPr>
             <a:r>
               <a:rPr lang="en-US" dirty="0"/>
+              <a:t>Attribute limitation. </a:t>
+            </a:r>
+            <a:endParaRPr dirty="0"/>
+          </a:p>
+        </p:txBody>
+      </p:sp>
+      <p:sp>
+        <p:nvSpPr>
+          <p:cNvPr id="149" name="Google Shape;149;geea522d09e_0_15:notes"/>
+          <p:cNvSpPr>
+            <a:spLocks noGrp="1" noRot="1" noChangeAspect="1"/>
+          </p:cNvSpPr>
+          <p:nvPr>
+            <p:ph type="sldImg" idx="2"/>
+          </p:nvPr>
+        </p:nvSpPr>
+        <p:spPr>
+          <a:xfrm>
+            <a:off x="381000" y="685800"/>
+            <a:ext cx="6096000" cy="3429000"/>
+          </a:xfrm>
+          <a:custGeom>
+            <a:avLst/>
+            <a:gdLst/>
+            <a:ahLst/>
+            <a:cxnLst/>
+            <a:rect l="l" t="t" r="r" b="b"/>
+            <a:pathLst>
+              <a:path w="120000" h="120000" extrusionOk="0">
+                <a:moveTo>
+                  <a:pt x="0" y="0"/>
+                </a:moveTo>
+                <a:lnTo>
+                  <a:pt x="120000" y="0"/>
+                </a:lnTo>
+                <a:lnTo>
+                  <a:pt x="120000" y="120000"/>
+                </a:lnTo>
+                <a:lnTo>
+                  <a:pt x="0" y="120000"/>
+                </a:lnTo>
+                <a:close/>
+              </a:path>
+            </a:pathLst>
+          </a:custGeom>
+          <a:noFill/>
+          <a:ln w="9525" cap="flat" cmpd="sng">
+            <a:solidFill>
+              <a:srgbClr val="000000"/>
+            </a:solidFill>
+            <a:prstDash val="solid"/>
+            <a:round/>
+            <a:headEnd type="none" w="sm" len="sm"/>
+            <a:tailEnd type="none" w="sm" len="sm"/>
+          </a:ln>
+        </p:spPr>
+      </p:sp>
+    </p:spTree>
+    <p:extLst>
+      <p:ext uri="{BB962C8B-B14F-4D97-AF65-F5344CB8AC3E}">
+        <p14:creationId xmlns:p14="http://schemas.microsoft.com/office/powerpoint/2010/main" val="388088034"/>
+      </p:ext>
+    </p:extLst>
+  </p:cSld>
+  <p:clrMapOvr>
+    <a:masterClrMapping/>
+  </p:clrMapOvr>
+</p:notes>
+</file>
+
+<file path=ppt/notesSlides/notesSlide21.xml><?xml version="1.0" encoding="utf-8"?>
+<p:notes xmlns:a="http://schemas.openxmlformats.org/drawingml/2006/main" xmlns:r="http://schemas.openxmlformats.org/officeDocument/2006/relationships" xmlns:p="http://schemas.openxmlformats.org/presentationml/2006/main" showMasterSp="0" showMasterPhAnim="0">
+  <p:cSld>
+    <p:spTree>
+      <p:nvGrpSpPr>
+        <p:cNvPr id="1" name="Shape 147"/>
+        <p:cNvGrpSpPr/>
+        <p:nvPr/>
+      </p:nvGrpSpPr>
+      <p:grpSpPr>
+        <a:xfrm>
+          <a:off x="0" y="0"/>
+          <a:ext cx="0" cy="0"/>
+          <a:chOff x="0" y="0"/>
+          <a:chExt cx="0" cy="0"/>
+        </a:xfrm>
+      </p:grpSpPr>
+      <p:sp>
+        <p:nvSpPr>
+          <p:cNvPr id="148" name="Google Shape;148;geea522d09e_0_15:notes"/>
+          <p:cNvSpPr txBox="1">
+            <a:spLocks noGrp="1"/>
+          </p:cNvSpPr>
+          <p:nvPr>
+            <p:ph type="body" idx="1"/>
+          </p:nvPr>
+        </p:nvSpPr>
+        <p:spPr>
+          <a:xfrm>
+            <a:off x="685800" y="4343400"/>
+            <a:ext cx="5486400" cy="4114800"/>
+          </a:xfrm>
+          <a:prstGeom prst="rect">
+            <a:avLst/>
+          </a:prstGeom>
+          <a:noFill/>
+          <a:ln>
+            <a:noFill/>
+          </a:ln>
+        </p:spPr>
+        <p:txBody>
+          <a:bodyPr spcFirstLastPara="1" wrap="square" lIns="91425" tIns="91425" rIns="91425" bIns="91425" anchor="t" anchorCtr="0">
+            <a:noAutofit/>
+          </a:bodyPr>
+          <a:lstStyle/>
+          <a:p>
+            <a:pPr marL="0" lvl="0" indent="0" algn="l" rtl="0">
+              <a:lnSpc>
+                <a:spcPct val="100000"/>
+              </a:lnSpc>
+              <a:spcBef>
+                <a:spcPts val="0"/>
+              </a:spcBef>
+              <a:spcAft>
+                <a:spcPts val="0"/>
+              </a:spcAft>
+              <a:buSzPts val="1100"/>
+              <a:buNone/>
+            </a:pPr>
+            <a:endParaRPr dirty="0"/>
+          </a:p>
+        </p:txBody>
+      </p:sp>
+      <p:sp>
+        <p:nvSpPr>
+          <p:cNvPr id="149" name="Google Shape;149;geea522d09e_0_15:notes"/>
+          <p:cNvSpPr>
+            <a:spLocks noGrp="1" noRot="1" noChangeAspect="1"/>
+          </p:cNvSpPr>
+          <p:nvPr>
+            <p:ph type="sldImg" idx="2"/>
+          </p:nvPr>
+        </p:nvSpPr>
+        <p:spPr>
+          <a:xfrm>
+            <a:off x="381000" y="685800"/>
+            <a:ext cx="6096000" cy="3429000"/>
+          </a:xfrm>
+          <a:custGeom>
+            <a:avLst/>
+            <a:gdLst/>
+            <a:ahLst/>
+            <a:cxnLst/>
+            <a:rect l="l" t="t" r="r" b="b"/>
+            <a:pathLst>
+              <a:path w="120000" h="120000" extrusionOk="0">
+                <a:moveTo>
+                  <a:pt x="0" y="0"/>
+                </a:moveTo>
+                <a:lnTo>
+                  <a:pt x="120000" y="0"/>
+                </a:lnTo>
+                <a:lnTo>
+                  <a:pt x="120000" y="120000"/>
+                </a:lnTo>
+                <a:lnTo>
+                  <a:pt x="0" y="120000"/>
+                </a:lnTo>
+                <a:close/>
+              </a:path>
+            </a:pathLst>
+          </a:custGeom>
+          <a:noFill/>
+          <a:ln w="9525" cap="flat" cmpd="sng">
+            <a:solidFill>
+              <a:srgbClr val="000000"/>
+            </a:solidFill>
+            <a:prstDash val="solid"/>
+            <a:round/>
+            <a:headEnd type="none" w="sm" len="sm"/>
+            <a:tailEnd type="none" w="sm" len="sm"/>
+          </a:ln>
+        </p:spPr>
+      </p:sp>
+    </p:spTree>
+    <p:extLst>
+      <p:ext uri="{BB962C8B-B14F-4D97-AF65-F5344CB8AC3E}">
+        <p14:creationId xmlns:p14="http://schemas.microsoft.com/office/powerpoint/2010/main" val="631912042"/>
+      </p:ext>
+    </p:extLst>
+  </p:cSld>
+  <p:clrMapOvr>
+    <a:masterClrMapping/>
+  </p:clrMapOvr>
+</p:notes>
+</file>
+
+<file path=ppt/notesSlides/notesSlide22.xml><?xml version="1.0" encoding="utf-8"?>
+<p:notes xmlns:a="http://schemas.openxmlformats.org/drawingml/2006/main" xmlns:r="http://schemas.openxmlformats.org/officeDocument/2006/relationships" xmlns:p="http://schemas.openxmlformats.org/presentationml/2006/main" showMasterSp="0" showMasterPhAnim="0">
+  <p:cSld>
+    <p:spTree>
+      <p:nvGrpSpPr>
+        <p:cNvPr id="1" name="Shape 147"/>
+        <p:cNvGrpSpPr/>
+        <p:nvPr/>
+      </p:nvGrpSpPr>
+      <p:grpSpPr>
+        <a:xfrm>
+          <a:off x="0" y="0"/>
+          <a:ext cx="0" cy="0"/>
+          <a:chOff x="0" y="0"/>
+          <a:chExt cx="0" cy="0"/>
+        </a:xfrm>
+      </p:grpSpPr>
+      <p:sp>
+        <p:nvSpPr>
+          <p:cNvPr id="148" name="Google Shape;148;geea522d09e_0_15:notes"/>
+          <p:cNvSpPr txBox="1">
+            <a:spLocks noGrp="1"/>
+          </p:cNvSpPr>
+          <p:nvPr>
+            <p:ph type="body" idx="1"/>
+          </p:nvPr>
+        </p:nvSpPr>
+        <p:spPr>
+          <a:xfrm>
+            <a:off x="685800" y="4343400"/>
+            <a:ext cx="5486400" cy="4114800"/>
+          </a:xfrm>
+          <a:prstGeom prst="rect">
+            <a:avLst/>
+          </a:prstGeom>
+          <a:noFill/>
+          <a:ln>
+            <a:noFill/>
+          </a:ln>
+        </p:spPr>
+        <p:txBody>
+          <a:bodyPr spcFirstLastPara="1" wrap="square" lIns="91425" tIns="91425" rIns="91425" bIns="91425" anchor="t" anchorCtr="0">
+            <a:noAutofit/>
+          </a:bodyPr>
+          <a:lstStyle/>
+          <a:p>
+            <a:pPr marL="0" lvl="0" indent="0" algn="l" rtl="0">
+              <a:lnSpc>
+                <a:spcPct val="100000"/>
+              </a:lnSpc>
+              <a:spcBef>
+                <a:spcPts val="0"/>
+              </a:spcBef>
+              <a:spcAft>
+                <a:spcPts val="0"/>
+              </a:spcAft>
+              <a:buSzPts val="1100"/>
+              <a:buNone/>
+            </a:pPr>
+            <a:r>
+              <a:rPr lang="en-US" dirty="0"/>
               <a:t>Show code currently use in project . Open Endpoint show </a:t>
             </a:r>
             <a:r>
@@ -2621,7 +2877,7 @@
 </p:notes>
 </file>
 
-<file path=ppt/notesSlides/notesSlide21.xml><?xml version="1.0" encoding="utf-8"?>
+<file path=ppt/notesSlides/notesSlide23.xml><?xml version="1.0" encoding="utf-8"?>
 <p:notes xmlns:a="http://schemas.openxmlformats.org/drawingml/2006/main" xmlns:r="http://schemas.openxmlformats.org/officeDocument/2006/relationships" xmlns:p="http://schemas.openxmlformats.org/presentationml/2006/main" showMasterSp="0" showMasterPhAnim="0">
   <p:cSld>
     <p:spTree>
@@ -2748,7 +3004,7 @@
 </p:notes>
 </file>
 
-<file path=ppt/notesSlides/notesSlide22.xml><?xml version="1.0" encoding="utf-8"?>
+<file path=ppt/notesSlides/notesSlide24.xml><?xml version="1.0" encoding="utf-8"?>
 <p:notes xmlns:a="http://schemas.openxmlformats.org/drawingml/2006/main" xmlns:r="http://schemas.openxmlformats.org/officeDocument/2006/relationships" xmlns:p="http://schemas.openxmlformats.org/presentationml/2006/main" showMasterSp="0" showMasterPhAnim="0">
   <p:cSld>
     <p:spTree>
@@ -2875,7 +3131,7 @@
 </p:notes>
 </file>
 
-<file path=ppt/notesSlides/notesSlide23.xml><?xml version="1.0" encoding="utf-8"?>
+<file path=ppt/notesSlides/notesSlide25.xml><?xml version="1.0" encoding="utf-8"?>
 <p:notes xmlns:a="http://schemas.openxmlformats.org/drawingml/2006/main" xmlns:r="http://schemas.openxmlformats.org/officeDocument/2006/relationships" xmlns:p="http://schemas.openxmlformats.org/presentationml/2006/main" showMasterSp="0" showMasterPhAnim="0">
   <p:cSld>
     <p:spTree>
@@ -3002,7 +3258,7 @@
 </p:notes>
 </file>
 
-<file path=ppt/notesSlides/notesSlide24.xml><?xml version="1.0" encoding="utf-8"?>
+<file path=ppt/notesSlides/notesSlide26.xml><?xml version="1.0" encoding="utf-8"?>
 <p:notes xmlns:a="http://schemas.openxmlformats.org/drawingml/2006/main" xmlns:r="http://schemas.openxmlformats.org/officeDocument/2006/relationships" xmlns:p="http://schemas.openxmlformats.org/presentationml/2006/main" showMasterSp="0" showMasterPhAnim="0">
   <p:cSld>
     <p:spTree>
@@ -3196,7 +3452,7 @@
 </p:notes>
 </file>
 
-<file path=ppt/notesSlides/notesSlide25.xml><?xml version="1.0" encoding="utf-8"?>
+<file path=ppt/notesSlides/notesSlide27.xml><?xml version="1.0" encoding="utf-8"?>
 <p:notes xmlns:a="http://schemas.openxmlformats.org/drawingml/2006/main" xmlns:r="http://schemas.openxmlformats.org/officeDocument/2006/relationships" xmlns:p="http://schemas.openxmlformats.org/presentationml/2006/main" showMasterSp="0" showMasterPhAnim="0">
   <p:cSld>
     <p:spTree>
@@ -3390,7 +3646,7 @@
 </p:notes>
 </file>
 
-<file path=ppt/notesSlides/notesSlide26.xml><?xml version="1.0" encoding="utf-8"?>
+<file path=ppt/notesSlides/notesSlide28.xml><?xml version="1.0" encoding="utf-8"?>
 <p:notes xmlns:a="http://schemas.openxmlformats.org/drawingml/2006/main" xmlns:r="http://schemas.openxmlformats.org/officeDocument/2006/relationships" xmlns:p="http://schemas.openxmlformats.org/presentationml/2006/main" showMasterSp="0" showMasterPhAnim="0">
   <p:cSld>
     <p:spTree>
@@ -3584,7 +3840,7 @@
 </p:notes>
 </file>
 
-<file path=ppt/notesSlides/notesSlide27.xml><?xml version="1.0" encoding="utf-8"?>
+<file path=ppt/notesSlides/notesSlide29.xml><?xml version="1.0" encoding="utf-8"?>
 <p:notes xmlns:a="http://schemas.openxmlformats.org/drawingml/2006/main" xmlns:r="http://schemas.openxmlformats.org/officeDocument/2006/relationships" xmlns:p="http://schemas.openxmlformats.org/presentationml/2006/main" showMasterSp="0" showMasterPhAnim="0">
   <p:cSld>
     <p:spTree>
@@ -3730,7 +3986,134 @@
 </p:notes>
 </file>
 
-<file path=ppt/notesSlides/notesSlide28.xml><?xml version="1.0" encoding="utf-8"?>
+<file path=ppt/notesSlides/notesSlide3.xml><?xml version="1.0" encoding="utf-8"?>
+<p:notes xmlns:a="http://schemas.openxmlformats.org/drawingml/2006/main" xmlns:r="http://schemas.openxmlformats.org/officeDocument/2006/relationships" xmlns:p="http://schemas.openxmlformats.org/presentationml/2006/main" showMasterSp="0" showMasterPhAnim="0">
+  <p:cSld>
+    <p:spTree>
+      <p:nvGrpSpPr>
+        <p:cNvPr id="1" name="Shape 147"/>
+        <p:cNvGrpSpPr/>
+        <p:nvPr/>
+      </p:nvGrpSpPr>
+      <p:grpSpPr>
+        <a:xfrm>
+          <a:off x="0" y="0"/>
+          <a:ext cx="0" cy="0"/>
+          <a:chOff x="0" y="0"/>
+          <a:chExt cx="0" cy="0"/>
+        </a:xfrm>
+      </p:grpSpPr>
+      <p:sp>
+        <p:nvSpPr>
+          <p:cNvPr id="148" name="Google Shape;148;geea522d09e_0_15:notes"/>
+          <p:cNvSpPr txBox="1">
+            <a:spLocks noGrp="1"/>
+          </p:cNvSpPr>
+          <p:nvPr>
+            <p:ph type="body" idx="1"/>
+          </p:nvPr>
+        </p:nvSpPr>
+        <p:spPr>
+          <a:xfrm>
+            <a:off x="685800" y="4343400"/>
+            <a:ext cx="5486400" cy="4114800"/>
+          </a:xfrm>
+          <a:prstGeom prst="rect">
+            <a:avLst/>
+          </a:prstGeom>
+          <a:noFill/>
+          <a:ln>
+            <a:noFill/>
+          </a:ln>
+        </p:spPr>
+        <p:txBody>
+          <a:bodyPr spcFirstLastPara="1" wrap="square" lIns="91425" tIns="91425" rIns="91425" bIns="91425" anchor="t" anchorCtr="0">
+            <a:noAutofit/>
+          </a:bodyPr>
+          <a:lstStyle/>
+          <a:p>
+            <a:pPr marL="0" lvl="0" indent="0" algn="l" rtl="0">
+              <a:lnSpc>
+                <a:spcPct val="100000"/>
+              </a:lnSpc>
+              <a:spcBef>
+                <a:spcPts val="0"/>
+              </a:spcBef>
+              <a:spcAft>
+                <a:spcPts val="0"/>
+              </a:spcAft>
+              <a:buSzPts val="1100"/>
+              <a:buNone/>
+            </a:pPr>
+            <a:endParaRPr/>
+          </a:p>
+        </p:txBody>
+      </p:sp>
+      <p:sp>
+        <p:nvSpPr>
+          <p:cNvPr id="149" name="Google Shape;149;geea522d09e_0_15:notes"/>
+          <p:cNvSpPr>
+            <a:spLocks noGrp="1" noRot="1" noChangeAspect="1"/>
+          </p:cNvSpPr>
+          <p:nvPr>
+            <p:ph type="sldImg" idx="2"/>
+          </p:nvPr>
+        </p:nvSpPr>
+        <p:spPr>
+          <a:xfrm>
+            <a:off x="381000" y="685800"/>
+            <a:ext cx="6096000" cy="3429000"/>
+          </a:xfrm>
+          <a:custGeom>
+            <a:avLst/>
+            <a:gdLst/>
+            <a:ahLst/>
+            <a:cxnLst/>
+            <a:rect l="l" t="t" r="r" b="b"/>
+            <a:pathLst>
+              <a:path w="120000" h="120000" extrusionOk="0">
+                <a:moveTo>
+                  <a:pt x="0" y="0"/>
+                </a:moveTo>
+                <a:lnTo>
+                  <a:pt x="120000" y="0"/>
+                </a:lnTo>
+                <a:lnTo>
+                  <a:pt x="120000" y="120000"/>
+                </a:lnTo>
+                <a:lnTo>
+                  <a:pt x="0" y="120000"/>
+                </a:lnTo>
+                <a:close/>
+              </a:path>
+            </a:pathLst>
+          </a:custGeom>
+          <a:noFill/>
+          <a:ln w="9525" cap="flat" cmpd="sng">
+            <a:solidFill>
+              <a:srgbClr val="000000"/>
+            </a:solidFill>
+            <a:prstDash val="solid"/>
+            <a:round/>
+            <a:headEnd type="none" w="sm" len="sm"/>
+            <a:tailEnd type="none" w="sm" len="sm"/>
+          </a:ln>
+        </p:spPr>
+      </p:sp>
+    </p:spTree>
+    <p:extLst>
+      <p:ext uri="{BB962C8B-B14F-4D97-AF65-F5344CB8AC3E}">
+        <p14:creationId xmlns:p14="http://schemas.microsoft.com/office/powerpoint/2010/main" val="190360089"/>
+      </p:ext>
+    </p:extLst>
+  </p:cSld>
+  <p:clrMapOvr>
+    <a:masterClrMapping/>
+  </p:clrMapOvr>
+</p:notes>
+</file>
+
+<file path=ppt/notesSlides/notesSlide30.xml><?xml version="1.0" encoding="utf-8"?>
 <p:notes xmlns:a="http://schemas.openxmlformats.org/drawingml/2006/main" xmlns:r="http://schemas.openxmlformats.org/officeDocument/2006/relationships" xmlns:p="http://schemas.openxmlformats.org/presentationml/2006/main" showMasterSp="0" showMasterPhAnim="0">
   <p:cSld>
     <p:spTree>
@@ -3852,7 +4235,7 @@
 </p:notes>
 </file>
 
-<file path=ppt/notesSlides/notesSlide29.xml><?xml version="1.0" encoding="utf-8"?>
+<file path=ppt/notesSlides/notesSlide31.xml><?xml version="1.0" encoding="utf-8"?>
 <p:notes xmlns:a="http://schemas.openxmlformats.org/drawingml/2006/main" xmlns:r="http://schemas.openxmlformats.org/officeDocument/2006/relationships" xmlns:p="http://schemas.openxmlformats.org/presentationml/2006/main" showMasterSp="0" showMasterPhAnim="0">
   <p:cSld>
     <p:spTree>
@@ -3967,133 +4350,6 @@
         </p:spPr>
       </p:sp>
     </p:spTree>
-  </p:cSld>
-  <p:clrMapOvr>
-    <a:masterClrMapping/>
-  </p:clrMapOvr>
-</p:notes>
-</file>
-
-<file path=ppt/notesSlides/notesSlide3.xml><?xml version="1.0" encoding="utf-8"?>
-<p:notes xmlns:a="http://schemas.openxmlformats.org/drawingml/2006/main" xmlns:r="http://schemas.openxmlformats.org/officeDocument/2006/relationships" xmlns:p="http://schemas.openxmlformats.org/presentationml/2006/main" showMasterSp="0" showMasterPhAnim="0">
-  <p:cSld>
-    <p:spTree>
-      <p:nvGrpSpPr>
-        <p:cNvPr id="1" name="Shape 147"/>
-        <p:cNvGrpSpPr/>
-        <p:nvPr/>
-      </p:nvGrpSpPr>
-      <p:grpSpPr>
-        <a:xfrm>
-          <a:off x="0" y="0"/>
-          <a:ext cx="0" cy="0"/>
-          <a:chOff x="0" y="0"/>
-          <a:chExt cx="0" cy="0"/>
-        </a:xfrm>
-      </p:grpSpPr>
-      <p:sp>
-        <p:nvSpPr>
-          <p:cNvPr id="148" name="Google Shape;148;geea522d09e_0_15:notes"/>
-          <p:cNvSpPr txBox="1">
-            <a:spLocks noGrp="1"/>
-          </p:cNvSpPr>
-          <p:nvPr>
-            <p:ph type="body" idx="1"/>
-          </p:nvPr>
-        </p:nvSpPr>
-        <p:spPr>
-          <a:xfrm>
-            <a:off x="685800" y="4343400"/>
-            <a:ext cx="5486400" cy="4114800"/>
-          </a:xfrm>
-          <a:prstGeom prst="rect">
-            <a:avLst/>
-          </a:prstGeom>
-          <a:noFill/>
-          <a:ln>
-            <a:noFill/>
-          </a:ln>
-        </p:spPr>
-        <p:txBody>
-          <a:bodyPr spcFirstLastPara="1" wrap="square" lIns="91425" tIns="91425" rIns="91425" bIns="91425" anchor="t" anchorCtr="0">
-            <a:noAutofit/>
-          </a:bodyPr>
-          <a:lstStyle/>
-          <a:p>
-            <a:pPr marL="0" lvl="0" indent="0" algn="l" rtl="0">
-              <a:lnSpc>
-                <a:spcPct val="100000"/>
-              </a:lnSpc>
-              <a:spcBef>
-                <a:spcPts val="0"/>
-              </a:spcBef>
-              <a:spcAft>
-                <a:spcPts val="0"/>
-              </a:spcAft>
-              <a:buSzPts val="1100"/>
-              <a:buNone/>
-            </a:pPr>
-            <a:endParaRPr/>
-          </a:p>
-        </p:txBody>
-      </p:sp>
-      <p:sp>
-        <p:nvSpPr>
-          <p:cNvPr id="149" name="Google Shape;149;geea522d09e_0_15:notes"/>
-          <p:cNvSpPr>
-            <a:spLocks noGrp="1" noRot="1" noChangeAspect="1"/>
-          </p:cNvSpPr>
-          <p:nvPr>
-            <p:ph type="sldImg" idx="2"/>
-          </p:nvPr>
-        </p:nvSpPr>
-        <p:spPr>
-          <a:xfrm>
-            <a:off x="381000" y="685800"/>
-            <a:ext cx="6096000" cy="3429000"/>
-          </a:xfrm>
-          <a:custGeom>
-            <a:avLst/>
-            <a:gdLst/>
-            <a:ahLst/>
-            <a:cxnLst/>
-            <a:rect l="l" t="t" r="r" b="b"/>
-            <a:pathLst>
-              <a:path w="120000" h="120000" extrusionOk="0">
-                <a:moveTo>
-                  <a:pt x="0" y="0"/>
-                </a:moveTo>
-                <a:lnTo>
-                  <a:pt x="120000" y="0"/>
-                </a:lnTo>
-                <a:lnTo>
-                  <a:pt x="120000" y="120000"/>
-                </a:lnTo>
-                <a:lnTo>
-                  <a:pt x="0" y="120000"/>
-                </a:lnTo>
-                <a:close/>
-              </a:path>
-            </a:pathLst>
-          </a:custGeom>
-          <a:noFill/>
-          <a:ln w="9525" cap="flat" cmpd="sng">
-            <a:solidFill>
-              <a:srgbClr val="000000"/>
-            </a:solidFill>
-            <a:prstDash val="solid"/>
-            <a:round/>
-            <a:headEnd type="none" w="sm" len="sm"/>
-            <a:tailEnd type="none" w="sm" len="sm"/>
-          </a:ln>
-        </p:spPr>
-      </p:sp>
-    </p:spTree>
-    <p:extLst>
-      <p:ext uri="{BB962C8B-B14F-4D97-AF65-F5344CB8AC3E}">
-        <p14:creationId xmlns:p14="http://schemas.microsoft.com/office/powerpoint/2010/main" val="190360089"/>
-      </p:ext>
-    </p:extLst>
   </p:cSld>
   <p:clrMapOvr>
     <a:masterClrMapping/>
@@ -24957,10 +25213,10 @@
                 <a:cs typeface="Times New Roman" panose="02020603050405020304"/>
                 <a:sym typeface="Times New Roman" panose="02020603050405020304"/>
               </a:rPr>
-              <a:t>Map also support </a:t>
+              <a:t>Map also </a:t>
             </a:r>
             <a:r>
-              <a:rPr lang="en-US" dirty="0" err="1">
+              <a:rPr lang="en-US">
                 <a:solidFill>
                   <a:schemeClr val="lt1"/>
                 </a:solidFill>
@@ -24968,7 +25224,7 @@
                 <a:cs typeface="Times New Roman" panose="02020603050405020304"/>
                 <a:sym typeface="Times New Roman" panose="02020603050405020304"/>
               </a:rPr>
-              <a:t>mutile</a:t>
+              <a:t>support multi </a:t>
             </a:r>
             <a:r>
               <a:rPr lang="en-US" dirty="0">
@@ -24979,7 +25235,7 @@
                 <a:cs typeface="Times New Roman" panose="02020603050405020304"/>
                 <a:sym typeface="Times New Roman" panose="02020603050405020304"/>
               </a:rPr>
-              <a:t> segments at once</a:t>
+              <a:t>segments at once</a:t>
             </a:r>
           </a:p>
           <a:p>
@@ -25313,7 +25569,29 @@
                 <a:cs typeface="Times New Roman" panose="02020603050405020304"/>
                 <a:sym typeface="Times New Roman" panose="02020603050405020304"/>
               </a:rPr>
-              <a:t>Use “Map” when branch request based on request path only.</a:t>
+              <a:t>Use “</a:t>
+            </a:r>
+            <a:r>
+              <a:rPr lang="en-US" b="1" dirty="0">
+                <a:solidFill>
+                  <a:schemeClr val="lt1"/>
+                </a:solidFill>
+                <a:latin typeface="Times New Roman" panose="02020603050405020304"/>
+                <a:cs typeface="Times New Roman" panose="02020603050405020304"/>
+                <a:sym typeface="Times New Roman" panose="02020603050405020304"/>
+              </a:rPr>
+              <a:t>Map</a:t>
+            </a:r>
+            <a:r>
+              <a:rPr lang="en-US" dirty="0">
+                <a:solidFill>
+                  <a:schemeClr val="lt1"/>
+                </a:solidFill>
+                <a:latin typeface="Times New Roman" panose="02020603050405020304"/>
+                <a:cs typeface="Times New Roman" panose="02020603050405020304"/>
+                <a:sym typeface="Times New Roman" panose="02020603050405020304"/>
+              </a:rPr>
+              <a:t>” when branch request based on request path only.</a:t>
             </a:r>
           </a:p>
           <a:p>
@@ -25346,7 +25624,7 @@
               <a:t>Use “</a:t>
             </a:r>
             <a:r>
-              <a:rPr lang="en-US" dirty="0" err="1">
+              <a:rPr lang="en-US" b="1" dirty="0" err="1">
                 <a:solidFill>
                   <a:schemeClr val="lt1"/>
                 </a:solidFill>
@@ -25759,7 +26037,7 @@
               <a:t>Unlike “</a:t>
             </a:r>
             <a:r>
-              <a:rPr lang="en-US" dirty="0" err="1">
+              <a:rPr lang="en-US" b="1" dirty="0" err="1">
                 <a:solidFill>
                   <a:schemeClr val="lt1"/>
                 </a:solidFill>
@@ -27081,14 +27359,6 @@
               </a:rPr>
               <a:t>synchronous and asynchronous.</a:t>
             </a:r>
-            <a:endParaRPr lang="en-US" dirty="0">
-              <a:solidFill>
-                <a:schemeClr val="lt1"/>
-              </a:solidFill>
-              <a:latin typeface="Times New Roman" panose="02020603050405020304"/>
-              <a:cs typeface="Times New Roman" panose="02020603050405020304"/>
-              <a:sym typeface="Times New Roman" panose="02020603050405020304"/>
-            </a:endParaRPr>
           </a:p>
           <a:p>
             <a:pPr>
@@ -27487,15 +27757,37 @@
               </a:buClr>
             </a:pPr>
             <a:r>
-              <a:rPr lang="en-US" dirty="0">
-                <a:solidFill>
-                  <a:schemeClr val="lt1"/>
+              <a:rPr lang="en-US" sz="1600" b="1" dirty="0">
+                <a:solidFill>
+                  <a:srgbClr val="FFC000"/>
                 </a:solidFill>
                 <a:latin typeface="Times New Roman" panose="02020603050405020304"/>
                 <a:cs typeface="Times New Roman" panose="02020603050405020304"/>
                 <a:sym typeface="Times New Roman" panose="02020603050405020304"/>
               </a:rPr>
-              <a:t>We can implement for multiple filters type in single class.</a:t>
+              <a:t>Authorization Filter </a:t>
+            </a:r>
+            <a:r>
+              <a:rPr lang="en-US" sz="1600" dirty="0">
+                <a:solidFill>
+                  <a:srgbClr val="FFC000"/>
+                </a:solidFill>
+                <a:latin typeface="Times New Roman" panose="02020603050405020304"/>
+                <a:cs typeface="Times New Roman" panose="02020603050405020304"/>
+                <a:sym typeface="Times New Roman" panose="02020603050405020304"/>
+              </a:rPr>
+              <a:t>:</a:t>
+            </a:r>
+            <a:r>
+              <a:rPr lang="en-US" sz="1600" dirty="0">
+                <a:solidFill>
+                  <a:schemeClr val="lt1"/>
+                </a:solidFill>
+                <a:latin typeface="Times New Roman" panose="02020603050405020304"/>
+                <a:cs typeface="Times New Roman" panose="02020603050405020304"/>
+                <a:sym typeface="Times New Roman" panose="02020603050405020304"/>
+              </a:rPr>
+              <a:t>runs first among all the filters, used  to validate whether the user is authorized for the request.</a:t>
             </a:r>
           </a:p>
           <a:p>
@@ -27511,14 +27803,96 @@
               </a:buClr>
             </a:pPr>
             <a:r>
-              <a:rPr lang="en-US" dirty="0">
-                <a:solidFill>
-                  <a:schemeClr val="lt1"/>
+              <a:rPr lang="en-US" sz="1600" b="1" dirty="0">
+                <a:solidFill>
+                  <a:srgbClr val="FFC000"/>
                 </a:solidFill>
                 <a:latin typeface="Times New Roman" panose="02020603050405020304"/>
                 <a:cs typeface="Times New Roman" panose="02020603050405020304"/>
+                <a:sym typeface="Times New Roman" panose="02020603050405020304"/>
               </a:rPr>
-              <a:t>If we implement both synchronous &amp; asynchronous , synchronous interface is never called.</a:t>
+              <a:t>Resource Filter </a:t>
+            </a:r>
+            <a:r>
+              <a:rPr lang="en-US" sz="1600" dirty="0">
+                <a:solidFill>
+                  <a:schemeClr val="lt1"/>
+                </a:solidFill>
+                <a:latin typeface="Times New Roman" panose="02020603050405020304"/>
+                <a:cs typeface="Times New Roman" panose="02020603050405020304"/>
+                <a:sym typeface="Times New Roman" panose="02020603050405020304"/>
+              </a:rPr>
+              <a:t>: </a:t>
+            </a:r>
+          </a:p>
+          <a:p>
+            <a:pPr lvl="1">
+              <a:lnSpc>
+                <a:spcPct val="200000"/>
+              </a:lnSpc>
+              <a:spcBef>
+                <a:spcPts val="0"/>
+              </a:spcBef>
+              <a:buClr>
+                <a:schemeClr val="lt1"/>
+              </a:buClr>
+            </a:pPr>
+            <a:r>
+              <a:rPr lang="en-US" dirty="0" err="1">
+                <a:solidFill>
+                  <a:schemeClr val="lt1"/>
+                </a:solidFill>
+                <a:latin typeface="Times New Roman" panose="02020603050405020304"/>
+                <a:cs typeface="Times New Roman" panose="02020603050405020304"/>
+                <a:sym typeface="Times New Roman" panose="02020603050405020304"/>
+              </a:rPr>
+              <a:t>OnResourceExecuting</a:t>
+            </a:r>
+            <a:r>
+              <a:rPr lang="en-US" dirty="0">
+                <a:solidFill>
+                  <a:schemeClr val="lt1"/>
+                </a:solidFill>
+                <a:latin typeface="Times New Roman" panose="02020603050405020304"/>
+                <a:cs typeface="Times New Roman" panose="02020603050405020304"/>
+                <a:sym typeface="Times New Roman" panose="02020603050405020304"/>
+              </a:rPr>
+              <a:t> : Run after the authorization filter </a:t>
+            </a:r>
+          </a:p>
+          <a:p>
+            <a:pPr lvl="1">
+              <a:lnSpc>
+                <a:spcPct val="200000"/>
+              </a:lnSpc>
+              <a:spcBef>
+                <a:spcPts val="0"/>
+              </a:spcBef>
+              <a:buClr>
+                <a:schemeClr val="lt1"/>
+              </a:buClr>
+            </a:pPr>
+            <a:r>
+              <a:rPr lang="en-US" dirty="0" err="1">
+                <a:solidFill>
+                  <a:schemeClr val="lt1"/>
+                </a:solidFill>
+                <a:latin typeface="Times New Roman" panose="02020603050405020304"/>
+                <a:cs typeface="Times New Roman" panose="02020603050405020304"/>
+                <a:sym typeface="Times New Roman" panose="02020603050405020304"/>
+              </a:rPr>
+              <a:t>OnResourceExecuted</a:t>
+            </a:r>
+            <a:r>
+              <a:rPr lang="en-US" dirty="0">
+                <a:solidFill>
+                  <a:schemeClr val="lt1"/>
+                </a:solidFill>
+                <a:latin typeface="Times New Roman" panose="02020603050405020304"/>
+                <a:cs typeface="Times New Roman" panose="02020603050405020304"/>
+                <a:sym typeface="Times New Roman" panose="02020603050405020304"/>
+              </a:rPr>
+              <a:t> : Run after the rest of pipeline completed.</a:t>
             </a:r>
           </a:p>
           <a:p>
@@ -27534,18 +27908,31 @@
               </a:buClr>
             </a:pPr>
             <a:r>
-              <a:rPr lang="en-US" dirty="0">
-                <a:solidFill>
-                  <a:schemeClr val="lt1"/>
+              <a:rPr lang="en-US" sz="1600" b="1" dirty="0">
+                <a:solidFill>
+                  <a:srgbClr val="FFC000"/>
                 </a:solidFill>
                 <a:latin typeface="Times New Roman" panose="02020603050405020304"/>
                 <a:cs typeface="Times New Roman" panose="02020603050405020304"/>
                 <a:sym typeface="Times New Roman" panose="02020603050405020304"/>
               </a:rPr>
-              <a:t>Filter can be added to the pipeline at </a:t>
+              <a:t>Action Filter:</a:t>
             </a:r>
+          </a:p>
+          <a:p>
+            <a:pPr lvl="1">
+              <a:lnSpc>
+                <a:spcPct val="200000"/>
+              </a:lnSpc>
+              <a:spcBef>
+                <a:spcPts val="0"/>
+              </a:spcBef>
+              <a:buClr>
+                <a:schemeClr val="lt1"/>
+              </a:buClr>
+            </a:pPr>
             <a:r>
-              <a:rPr lang="en-US" i="1" dirty="0">
+              <a:rPr lang="en-US" dirty="0" err="1">
                 <a:solidFill>
                   <a:schemeClr val="lt1"/>
                 </a:solidFill>
@@ -27553,7 +27940,7 @@
                 <a:cs typeface="Times New Roman" panose="02020603050405020304"/>
                 <a:sym typeface="Times New Roman" panose="02020603050405020304"/>
               </a:rPr>
-              <a:t>one</a:t>
+              <a:t>OnActionExecuting</a:t>
             </a:r>
             <a:r>
               <a:rPr lang="en-US" dirty="0">
@@ -27564,10 +27951,23 @@
                 <a:cs typeface="Times New Roman" panose="02020603050405020304"/>
                 <a:sym typeface="Times New Roman" panose="02020603050405020304"/>
               </a:rPr>
-              <a:t> of </a:t>
+              <a:t> : Run before an action method is called.</a:t>
             </a:r>
+          </a:p>
+          <a:p>
+            <a:pPr lvl="1">
+              <a:lnSpc>
+                <a:spcPct val="200000"/>
+              </a:lnSpc>
+              <a:spcBef>
+                <a:spcPts val="0"/>
+              </a:spcBef>
+              <a:buClr>
+                <a:schemeClr val="lt1"/>
+              </a:buClr>
+            </a:pPr>
             <a:r>
-              <a:rPr lang="en-US" b="1" dirty="0">
+              <a:rPr lang="en-US" dirty="0" err="1">
                 <a:solidFill>
                   <a:schemeClr val="lt1"/>
                 </a:solidFill>
@@ -27575,7 +27975,7 @@
                 <a:cs typeface="Times New Roman" panose="02020603050405020304"/>
                 <a:sym typeface="Times New Roman" panose="02020603050405020304"/>
               </a:rPr>
-              <a:t>three</a:t>
+              <a:t>OnActionExecuted</a:t>
             </a:r>
             <a:r>
               <a:rPr lang="en-US" dirty="0">
@@ -27586,7 +27986,7 @@
                 <a:cs typeface="Times New Roman" panose="02020603050405020304"/>
                 <a:sym typeface="Times New Roman" panose="02020603050405020304"/>
               </a:rPr>
-              <a:t> scopes</a:t>
+              <a:t> : Run after an action method is called.</a:t>
             </a:r>
           </a:p>
           <a:p>
@@ -27602,15 +28002,14 @@
               </a:buClr>
             </a:pPr>
             <a:r>
-              <a:rPr lang="en-US" dirty="0">
+              <a:rPr lang="en-GB" dirty="0">
                 <a:solidFill>
                   <a:schemeClr val="lt1"/>
                 </a:solidFill>
                 <a:latin typeface="Times New Roman" panose="02020603050405020304"/>
                 <a:cs typeface="Times New Roman" panose="02020603050405020304"/>
-                <a:sym typeface="Times New Roman" panose="02020603050405020304"/>
               </a:rPr>
-              <a:t>Action method</a:t>
+              <a:t>Can change the arguments passed into an action.</a:t>
             </a:r>
           </a:p>
           <a:p>
@@ -27626,130 +28025,15 @@
               </a:buClr>
             </a:pPr>
             <a:r>
-              <a:rPr lang="en-US" dirty="0">
+              <a:rPr lang="en-GB" dirty="0">
                 <a:solidFill>
                   <a:schemeClr val="lt1"/>
                 </a:solidFill>
                 <a:latin typeface="Times New Roman" panose="02020603050405020304"/>
                 <a:cs typeface="Times New Roman" panose="02020603050405020304"/>
-                <a:sym typeface="Times New Roman" panose="02020603050405020304"/>
               </a:rPr>
-              <a:t>Controller</a:t>
+              <a:t>Not supported in Razor Pages.</a:t>
             </a:r>
-          </a:p>
-          <a:p>
-            <a:pPr lvl="1">
-              <a:lnSpc>
-                <a:spcPct val="200000"/>
-              </a:lnSpc>
-              <a:spcBef>
-                <a:spcPts val="0"/>
-              </a:spcBef>
-              <a:buClr>
-                <a:schemeClr val="lt1"/>
-              </a:buClr>
-            </a:pPr>
-            <a:r>
-              <a:rPr lang="en-US" dirty="0">
-                <a:solidFill>
-                  <a:schemeClr val="lt1"/>
-                </a:solidFill>
-                <a:latin typeface="Times New Roman" panose="02020603050405020304"/>
-                <a:cs typeface="Times New Roman" panose="02020603050405020304"/>
-                <a:sym typeface="Times New Roman" panose="02020603050405020304"/>
-              </a:rPr>
-              <a:t>Globally (Apply for all controllers and actions)</a:t>
-            </a:r>
-          </a:p>
-          <a:p>
-            <a:pPr>
-              <a:lnSpc>
-                <a:spcPct val="200000"/>
-              </a:lnSpc>
-              <a:spcBef>
-                <a:spcPts val="0"/>
-              </a:spcBef>
-              <a:buClr>
-                <a:schemeClr val="lt1"/>
-              </a:buClr>
-            </a:pPr>
-            <a:r>
-              <a:rPr lang="en-US" dirty="0">
-                <a:solidFill>
-                  <a:schemeClr val="lt1"/>
-                </a:solidFill>
-                <a:latin typeface="Times New Roman" panose="02020603050405020304"/>
-                <a:cs typeface="Times New Roman" panose="02020603050405020304"/>
-                <a:sym typeface="Times New Roman" panose="02020603050405020304"/>
-              </a:rPr>
-              <a:t>We can short circuit the filter pipeline by setting “Result” Property of the </a:t>
-            </a:r>
-            <a:r>
-              <a:rPr lang="en-US" b="1" dirty="0">
-                <a:solidFill>
-                  <a:schemeClr val="lt1"/>
-                </a:solidFill>
-                <a:latin typeface="Times New Roman" panose="02020603050405020304"/>
-                <a:cs typeface="Times New Roman" panose="02020603050405020304"/>
-                <a:sym typeface="Times New Roman" panose="02020603050405020304"/>
-              </a:rPr>
-              <a:t>Context </a:t>
-            </a:r>
-            <a:r>
-              <a:rPr lang="en-US" dirty="0">
-                <a:solidFill>
-                  <a:schemeClr val="lt1"/>
-                </a:solidFill>
-                <a:latin typeface="Times New Roman" panose="02020603050405020304"/>
-                <a:cs typeface="Times New Roman" panose="02020603050405020304"/>
-                <a:sym typeface="Times New Roman" panose="02020603050405020304"/>
-              </a:rPr>
-              <a:t>parameter.</a:t>
-            </a:r>
-            <a:endParaRPr lang="en-US" b="1" dirty="0">
-              <a:solidFill>
-                <a:schemeClr val="lt1"/>
-              </a:solidFill>
-              <a:latin typeface="Times New Roman" panose="02020603050405020304"/>
-              <a:cs typeface="Times New Roman" panose="02020603050405020304"/>
-              <a:sym typeface="Times New Roman" panose="02020603050405020304"/>
-            </a:endParaRPr>
-          </a:p>
-          <a:p>
-            <a:pPr marL="594360" lvl="1" indent="0">
-              <a:lnSpc>
-                <a:spcPct val="200000"/>
-              </a:lnSpc>
-              <a:spcBef>
-                <a:spcPts val="0"/>
-              </a:spcBef>
-              <a:buClr>
-                <a:schemeClr val="lt1"/>
-              </a:buClr>
-              <a:buNone/>
-            </a:pPr>
-            <a:endParaRPr lang="en-US" dirty="0">
-              <a:solidFill>
-                <a:schemeClr val="lt1"/>
-              </a:solidFill>
-              <a:latin typeface="Times New Roman" panose="02020603050405020304"/>
-              <a:cs typeface="Times New Roman" panose="02020603050405020304"/>
-              <a:sym typeface="Times New Roman" panose="02020603050405020304"/>
-            </a:endParaRPr>
-          </a:p>
-          <a:p>
-            <a:pPr marL="594360" lvl="1" indent="0">
-              <a:lnSpc>
-                <a:spcPct val="200000"/>
-              </a:lnSpc>
-              <a:spcBef>
-                <a:spcPts val="0"/>
-              </a:spcBef>
-              <a:buClr>
-                <a:schemeClr val="lt1"/>
-              </a:buClr>
-              <a:buNone/>
-            </a:pPr>
             <a:endParaRPr lang="en-US" dirty="0">
               <a:solidFill>
                 <a:schemeClr val="lt1"/>
@@ -27835,7 +28119,7 @@
         </p:nvCxnSpPr>
         <p:spPr>
           <a:xfrm>
-            <a:off x="776143" y="1325163"/>
+            <a:off x="815879" y="1325204"/>
             <a:ext cx="5210700" cy="0"/>
           </a:xfrm>
           <a:prstGeom prst="straightConnector1">
@@ -27883,7 +28167,7 @@
     </p:spTree>
     <p:extLst>
       <p:ext uri="{BB962C8B-B14F-4D97-AF65-F5344CB8AC3E}">
-        <p14:creationId xmlns:p14="http://schemas.microsoft.com/office/powerpoint/2010/main" val="1731101876"/>
+        <p14:creationId xmlns:p14="http://schemas.microsoft.com/office/powerpoint/2010/main" val="4237898565"/>
       </p:ext>
     </p:extLst>
   </p:cSld>
@@ -27951,29 +28235,16 @@
               </a:buClr>
             </a:pPr>
             <a:r>
-              <a:rPr lang="en-US" dirty="0">
-                <a:solidFill>
-                  <a:schemeClr val="lt1"/>
+              <a:rPr lang="en-US" b="1" dirty="0">
+                <a:solidFill>
+                  <a:srgbClr val="FFC000"/>
                 </a:solidFill>
                 <a:latin typeface="Times New Roman" panose="02020603050405020304"/>
                 <a:cs typeface="Times New Roman" panose="02020603050405020304"/>
                 <a:sym typeface="Times New Roman" panose="02020603050405020304"/>
               </a:rPr>
-              <a:t>For the filters that are implemented as Attribute and add directly to the controller or action methods, cannot have constructor dependencies.</a:t>
+              <a:t>Exception Filter: </a:t>
             </a:r>
-          </a:p>
-          <a:p>
-            <a:pPr>
-              <a:lnSpc>
-                <a:spcPct val="200000"/>
-              </a:lnSpc>
-              <a:spcBef>
-                <a:spcPts val="0"/>
-              </a:spcBef>
-              <a:buClr>
-                <a:schemeClr val="lt1"/>
-              </a:buClr>
-            </a:pPr>
             <a:r>
               <a:rPr lang="en-US" dirty="0">
                 <a:solidFill>
@@ -27983,110 +28254,110 @@
                 <a:cs typeface="Times New Roman" panose="02020603050405020304"/>
                 <a:sym typeface="Times New Roman" panose="02020603050405020304"/>
               </a:rPr>
-              <a:t>Solution to deal with this limitation:</a:t>
+              <a:t>execute for the exception before they are written to response body.</a:t>
             </a:r>
-          </a:p>
-          <a:p>
-            <a:pPr lvl="1">
-              <a:lnSpc>
-                <a:spcPct val="200000"/>
-              </a:lnSpc>
-              <a:spcBef>
-                <a:spcPts val="0"/>
-              </a:spcBef>
-              <a:buClr>
-                <a:schemeClr val="lt1"/>
-              </a:buClr>
-            </a:pPr>
-            <a:r>
-              <a:rPr lang="en-US" sz="1800" dirty="0" err="1">
-                <a:solidFill>
-                  <a:schemeClr val="lt1"/>
-                </a:solidFill>
-                <a:latin typeface="Times New Roman" panose="02020603050405020304"/>
-                <a:cs typeface="Times New Roman" panose="02020603050405020304"/>
-              </a:rPr>
-              <a:t>ServiceFilterAttribute</a:t>
-            </a:r>
-            <a:endParaRPr lang="en-US" sz="1800" dirty="0">
+            <a:endParaRPr lang="en-US" b="1" dirty="0">
               <a:solidFill>
-                <a:schemeClr val="lt1"/>
-              </a:solidFill>
-              <a:latin typeface="Times New Roman" panose="02020603050405020304"/>
-              <a:cs typeface="Times New Roman" panose="02020603050405020304"/>
-            </a:endParaRPr>
-          </a:p>
-          <a:p>
-            <a:pPr lvl="1">
-              <a:lnSpc>
-                <a:spcPct val="200000"/>
-              </a:lnSpc>
-              <a:spcBef>
-                <a:spcPts val="0"/>
-              </a:spcBef>
-              <a:buClr>
-                <a:schemeClr val="lt1"/>
-              </a:buClr>
-            </a:pPr>
-            <a:r>
-              <a:rPr lang="en-US" sz="1800" dirty="0">
-                <a:solidFill>
-                  <a:schemeClr val="lt1"/>
-                </a:solidFill>
-                <a:latin typeface="Times New Roman" panose="02020603050405020304"/>
-                <a:cs typeface="Times New Roman" panose="02020603050405020304"/>
-                <a:sym typeface="Times New Roman" panose="02020603050405020304"/>
-              </a:rPr>
-              <a:t> </a:t>
-            </a:r>
-            <a:r>
-              <a:rPr lang="en-US" sz="1800" dirty="0" err="1">
-                <a:solidFill>
-                  <a:schemeClr val="lt1"/>
-                </a:solidFill>
-                <a:latin typeface="Times New Roman" panose="02020603050405020304"/>
-                <a:cs typeface="Times New Roman" panose="02020603050405020304"/>
-              </a:rPr>
-              <a:t>TypeFilterAttribute</a:t>
-            </a:r>
-            <a:endParaRPr lang="en-US" sz="1800" dirty="0">
-              <a:solidFill>
-                <a:schemeClr val="lt1"/>
-              </a:solidFill>
-              <a:latin typeface="Times New Roman" panose="02020603050405020304"/>
-              <a:cs typeface="Times New Roman" panose="02020603050405020304"/>
-            </a:endParaRPr>
-          </a:p>
-          <a:p>
-            <a:pPr lvl="1">
-              <a:lnSpc>
-                <a:spcPct val="200000"/>
-              </a:lnSpc>
-              <a:spcBef>
-                <a:spcPts val="0"/>
-              </a:spcBef>
-              <a:buClr>
-                <a:schemeClr val="lt1"/>
-              </a:buClr>
-            </a:pPr>
-            <a:r>
-              <a:rPr lang="en-US" sz="1800" dirty="0" err="1">
-                <a:solidFill>
-                  <a:schemeClr val="lt1"/>
-                </a:solidFill>
-                <a:latin typeface="Times New Roman" panose="02020603050405020304"/>
-                <a:cs typeface="Times New Roman" panose="02020603050405020304"/>
-              </a:rPr>
-              <a:t>IFilterFactory</a:t>
-            </a:r>
-            <a:endParaRPr lang="en-US" sz="1800" dirty="0">
-              <a:solidFill>
-                <a:schemeClr val="lt1"/>
+                <a:srgbClr val="FFC000"/>
               </a:solidFill>
               <a:latin typeface="Times New Roman" panose="02020603050405020304"/>
               <a:cs typeface="Times New Roman" panose="02020603050405020304"/>
               <a:sym typeface="Times New Roman" panose="02020603050405020304"/>
             </a:endParaRPr>
+          </a:p>
+          <a:p>
+            <a:pPr>
+              <a:lnSpc>
+                <a:spcPct val="200000"/>
+              </a:lnSpc>
+              <a:spcBef>
+                <a:spcPts val="0"/>
+              </a:spcBef>
+              <a:buClr>
+                <a:schemeClr val="lt1"/>
+              </a:buClr>
+            </a:pPr>
+            <a:r>
+              <a:rPr lang="en-US" b="1" dirty="0">
+                <a:solidFill>
+                  <a:srgbClr val="FFC000"/>
+                </a:solidFill>
+                <a:latin typeface="Times New Roman" panose="02020603050405020304"/>
+                <a:cs typeface="Times New Roman" panose="02020603050405020304"/>
+                <a:sym typeface="Times New Roman" panose="02020603050405020304"/>
+              </a:rPr>
+              <a:t>Result Filter :</a:t>
+            </a:r>
+          </a:p>
+          <a:p>
+            <a:pPr lvl="1">
+              <a:lnSpc>
+                <a:spcPct val="200000"/>
+              </a:lnSpc>
+              <a:spcBef>
+                <a:spcPts val="0"/>
+              </a:spcBef>
+              <a:buClr>
+                <a:schemeClr val="lt1"/>
+              </a:buClr>
+            </a:pPr>
+            <a:r>
+              <a:rPr lang="en-US" sz="1800" dirty="0">
+                <a:solidFill>
+                  <a:schemeClr val="lt1"/>
+                </a:solidFill>
+                <a:latin typeface="Times New Roman" panose="02020603050405020304"/>
+                <a:cs typeface="Times New Roman" panose="02020603050405020304"/>
+                <a:sym typeface="Times New Roman" panose="02020603050405020304"/>
+              </a:rPr>
+              <a:t>Runs immediately before and after the execution of method complete.</a:t>
+            </a:r>
+          </a:p>
+          <a:p>
+            <a:pPr lvl="1">
+              <a:lnSpc>
+                <a:spcPct val="200000"/>
+              </a:lnSpc>
+              <a:spcBef>
+                <a:spcPts val="0"/>
+              </a:spcBef>
+              <a:buClr>
+                <a:schemeClr val="lt1"/>
+              </a:buClr>
+            </a:pPr>
+            <a:r>
+              <a:rPr lang="en-US" sz="1800" dirty="0">
+                <a:solidFill>
+                  <a:schemeClr val="lt1"/>
+                </a:solidFill>
+                <a:latin typeface="Times New Roman" panose="02020603050405020304"/>
+                <a:cs typeface="Times New Roman" panose="02020603050405020304"/>
+                <a:sym typeface="Times New Roman" panose="02020603050405020304"/>
+              </a:rPr>
+              <a:t>Runs only if the action method executed </a:t>
+            </a:r>
+            <a:r>
+              <a:rPr lang="en-US" sz="1800" b="1" i="1" dirty="0">
+                <a:solidFill>
+                  <a:srgbClr val="92D050"/>
+                </a:solidFill>
+                <a:latin typeface="Times New Roman" panose="02020603050405020304"/>
+                <a:cs typeface="Times New Roman" panose="02020603050405020304"/>
+                <a:sym typeface="Times New Roman" panose="02020603050405020304"/>
+              </a:rPr>
+              <a:t>successfully</a:t>
+            </a:r>
+            <a:r>
+              <a:rPr lang="en-US" sz="1800" dirty="0">
+                <a:solidFill>
+                  <a:schemeClr val="lt1"/>
+                </a:solidFill>
+                <a:latin typeface="Times New Roman" panose="02020603050405020304"/>
+                <a:cs typeface="Times New Roman" panose="02020603050405020304"/>
+                <a:sym typeface="Times New Roman" panose="02020603050405020304"/>
+              </a:rPr>
+              <a:t>.</a:t>
+            </a:r>
           </a:p>
           <a:p>
             <a:pPr>
@@ -28110,37 +28381,20 @@
             </a:endParaRPr>
           </a:p>
           <a:p>
-            <a:pPr>
+            <a:pPr marL="137160" lvl="0" indent="0" algn="l" rtl="0">
               <a:lnSpc>
                 <a:spcPct val="200000"/>
               </a:lnSpc>
               <a:spcBef>
                 <a:spcPts val="0"/>
               </a:spcBef>
+              <a:spcAft>
+                <a:spcPts val="0"/>
+              </a:spcAft>
               <a:buClr>
                 <a:schemeClr val="lt1"/>
               </a:buClr>
-            </a:pPr>
-            <a:endParaRPr lang="en-US" dirty="0">
-              <a:solidFill>
-                <a:schemeClr val="lt1"/>
-              </a:solidFill>
-              <a:latin typeface="Times New Roman" panose="02020603050405020304"/>
-              <a:cs typeface="Times New Roman" panose="02020603050405020304"/>
-              <a:sym typeface="Times New Roman" panose="02020603050405020304"/>
-            </a:endParaRPr>
-          </a:p>
-          <a:p>
-            <a:pPr marL="594360" lvl="1" indent="0">
-              <a:lnSpc>
-                <a:spcPct val="200000"/>
-              </a:lnSpc>
-              <a:spcBef>
-                <a:spcPts val="0"/>
-              </a:spcBef>
-              <a:buClr>
-                <a:schemeClr val="lt1"/>
-              </a:buClr>
+              <a:buSzPts val="1440"/>
               <a:buNone/>
             </a:pPr>
             <a:endParaRPr lang="en-US" dirty="0">
@@ -28228,7 +28482,7 @@
         </p:nvCxnSpPr>
         <p:spPr>
           <a:xfrm>
-            <a:off x="776143" y="1325163"/>
+            <a:off x="815879" y="1325204"/>
             <a:ext cx="5210700" cy="0"/>
           </a:xfrm>
           <a:prstGeom prst="straightConnector1">
@@ -28276,7 +28530,7 @@
     </p:spTree>
     <p:extLst>
       <p:ext uri="{BB962C8B-B14F-4D97-AF65-F5344CB8AC3E}">
-        <p14:creationId xmlns:p14="http://schemas.microsoft.com/office/powerpoint/2010/main" val="2151674157"/>
+        <p14:creationId xmlns:p14="http://schemas.microsoft.com/office/powerpoint/2010/main" val="3632372127"/>
       </p:ext>
     </p:extLst>
   </p:cSld>
@@ -28794,6 +29048,863 @@
               </a:buClr>
             </a:pPr>
             <a:r>
+              <a:rPr lang="en-US" dirty="0">
+                <a:solidFill>
+                  <a:schemeClr val="lt1"/>
+                </a:solidFill>
+                <a:latin typeface="Times New Roman" panose="02020603050405020304"/>
+                <a:cs typeface="Times New Roman" panose="02020603050405020304"/>
+                <a:sym typeface="Times New Roman" panose="02020603050405020304"/>
+              </a:rPr>
+              <a:t>We can implement for multiple filters type in single class.</a:t>
+            </a:r>
+          </a:p>
+          <a:p>
+            <a:pPr>
+              <a:lnSpc>
+                <a:spcPct val="200000"/>
+              </a:lnSpc>
+              <a:spcBef>
+                <a:spcPts val="0"/>
+              </a:spcBef>
+              <a:buClr>
+                <a:schemeClr val="lt1"/>
+              </a:buClr>
+            </a:pPr>
+            <a:r>
+              <a:rPr lang="en-US" dirty="0">
+                <a:solidFill>
+                  <a:schemeClr val="lt1"/>
+                </a:solidFill>
+                <a:latin typeface="Times New Roman" panose="02020603050405020304"/>
+                <a:cs typeface="Times New Roman" panose="02020603050405020304"/>
+              </a:rPr>
+              <a:t>If we implement both synchronous &amp; asynchronous , synchronous interface is never called.</a:t>
+            </a:r>
+          </a:p>
+          <a:p>
+            <a:pPr>
+              <a:lnSpc>
+                <a:spcPct val="200000"/>
+              </a:lnSpc>
+              <a:spcBef>
+                <a:spcPts val="0"/>
+              </a:spcBef>
+              <a:buClr>
+                <a:schemeClr val="lt1"/>
+              </a:buClr>
+            </a:pPr>
+            <a:r>
+              <a:rPr lang="en-US" dirty="0">
+                <a:solidFill>
+                  <a:schemeClr val="lt1"/>
+                </a:solidFill>
+                <a:latin typeface="Times New Roman" panose="02020603050405020304"/>
+                <a:cs typeface="Times New Roman" panose="02020603050405020304"/>
+                <a:sym typeface="Times New Roman" panose="02020603050405020304"/>
+              </a:rPr>
+              <a:t>Filter can be added to the pipeline at </a:t>
+            </a:r>
+            <a:r>
+              <a:rPr lang="en-US" i="1" dirty="0">
+                <a:solidFill>
+                  <a:schemeClr val="lt1"/>
+                </a:solidFill>
+                <a:latin typeface="Times New Roman" panose="02020603050405020304"/>
+                <a:cs typeface="Times New Roman" panose="02020603050405020304"/>
+                <a:sym typeface="Times New Roman" panose="02020603050405020304"/>
+              </a:rPr>
+              <a:t>one</a:t>
+            </a:r>
+            <a:r>
+              <a:rPr lang="en-US" dirty="0">
+                <a:solidFill>
+                  <a:schemeClr val="lt1"/>
+                </a:solidFill>
+                <a:latin typeface="Times New Roman" panose="02020603050405020304"/>
+                <a:cs typeface="Times New Roman" panose="02020603050405020304"/>
+                <a:sym typeface="Times New Roman" panose="02020603050405020304"/>
+              </a:rPr>
+              <a:t> of </a:t>
+            </a:r>
+            <a:r>
+              <a:rPr lang="en-US" b="1" dirty="0">
+                <a:solidFill>
+                  <a:schemeClr val="lt1"/>
+                </a:solidFill>
+                <a:latin typeface="Times New Roman" panose="02020603050405020304"/>
+                <a:cs typeface="Times New Roman" panose="02020603050405020304"/>
+                <a:sym typeface="Times New Roman" panose="02020603050405020304"/>
+              </a:rPr>
+              <a:t>three</a:t>
+            </a:r>
+            <a:r>
+              <a:rPr lang="en-US" dirty="0">
+                <a:solidFill>
+                  <a:schemeClr val="lt1"/>
+                </a:solidFill>
+                <a:latin typeface="Times New Roman" panose="02020603050405020304"/>
+                <a:cs typeface="Times New Roman" panose="02020603050405020304"/>
+                <a:sym typeface="Times New Roman" panose="02020603050405020304"/>
+              </a:rPr>
+              <a:t> scopes :</a:t>
+            </a:r>
+          </a:p>
+          <a:p>
+            <a:pPr lvl="1">
+              <a:lnSpc>
+                <a:spcPct val="200000"/>
+              </a:lnSpc>
+              <a:spcBef>
+                <a:spcPts val="0"/>
+              </a:spcBef>
+              <a:buClr>
+                <a:schemeClr val="lt1"/>
+              </a:buClr>
+            </a:pPr>
+            <a:r>
+              <a:rPr lang="en-US" dirty="0">
+                <a:solidFill>
+                  <a:schemeClr val="lt1"/>
+                </a:solidFill>
+                <a:latin typeface="Times New Roman" panose="02020603050405020304"/>
+                <a:cs typeface="Times New Roman" panose="02020603050405020304"/>
+                <a:sym typeface="Times New Roman" panose="02020603050405020304"/>
+              </a:rPr>
+              <a:t>Action method</a:t>
+            </a:r>
+          </a:p>
+          <a:p>
+            <a:pPr lvl="1">
+              <a:lnSpc>
+                <a:spcPct val="200000"/>
+              </a:lnSpc>
+              <a:spcBef>
+                <a:spcPts val="0"/>
+              </a:spcBef>
+              <a:buClr>
+                <a:schemeClr val="lt1"/>
+              </a:buClr>
+            </a:pPr>
+            <a:r>
+              <a:rPr lang="en-US" dirty="0">
+                <a:solidFill>
+                  <a:schemeClr val="lt1"/>
+                </a:solidFill>
+                <a:latin typeface="Times New Roman" panose="02020603050405020304"/>
+                <a:cs typeface="Times New Roman" panose="02020603050405020304"/>
+                <a:sym typeface="Times New Roman" panose="02020603050405020304"/>
+              </a:rPr>
+              <a:t>Controller</a:t>
+            </a:r>
+          </a:p>
+          <a:p>
+            <a:pPr lvl="1">
+              <a:lnSpc>
+                <a:spcPct val="200000"/>
+              </a:lnSpc>
+              <a:spcBef>
+                <a:spcPts val="0"/>
+              </a:spcBef>
+              <a:buClr>
+                <a:schemeClr val="lt1"/>
+              </a:buClr>
+            </a:pPr>
+            <a:r>
+              <a:rPr lang="en-US" dirty="0">
+                <a:solidFill>
+                  <a:schemeClr val="lt1"/>
+                </a:solidFill>
+                <a:latin typeface="Times New Roman" panose="02020603050405020304"/>
+                <a:cs typeface="Times New Roman" panose="02020603050405020304"/>
+                <a:sym typeface="Times New Roman" panose="02020603050405020304"/>
+              </a:rPr>
+              <a:t>Globally (Apply for all controllers and actions)</a:t>
+            </a:r>
+          </a:p>
+          <a:p>
+            <a:pPr>
+              <a:lnSpc>
+                <a:spcPct val="200000"/>
+              </a:lnSpc>
+              <a:spcBef>
+                <a:spcPts val="0"/>
+              </a:spcBef>
+              <a:buClr>
+                <a:schemeClr val="lt1"/>
+              </a:buClr>
+            </a:pPr>
+            <a:r>
+              <a:rPr lang="en-US" dirty="0">
+                <a:solidFill>
+                  <a:schemeClr val="lt1"/>
+                </a:solidFill>
+                <a:latin typeface="Times New Roman" panose="02020603050405020304"/>
+                <a:cs typeface="Times New Roman" panose="02020603050405020304"/>
+                <a:sym typeface="Times New Roman" panose="02020603050405020304"/>
+              </a:rPr>
+              <a:t>We can short circuit the filter pipeline by setting “Result” Property of the </a:t>
+            </a:r>
+            <a:r>
+              <a:rPr lang="en-US" b="1" dirty="0">
+                <a:solidFill>
+                  <a:schemeClr val="lt1"/>
+                </a:solidFill>
+                <a:latin typeface="Times New Roman" panose="02020603050405020304"/>
+                <a:cs typeface="Times New Roman" panose="02020603050405020304"/>
+                <a:sym typeface="Times New Roman" panose="02020603050405020304"/>
+              </a:rPr>
+              <a:t>Context </a:t>
+            </a:r>
+            <a:r>
+              <a:rPr lang="en-US" dirty="0">
+                <a:solidFill>
+                  <a:schemeClr val="lt1"/>
+                </a:solidFill>
+                <a:latin typeface="Times New Roman" panose="02020603050405020304"/>
+                <a:cs typeface="Times New Roman" panose="02020603050405020304"/>
+                <a:sym typeface="Times New Roman" panose="02020603050405020304"/>
+              </a:rPr>
+              <a:t>parameter.</a:t>
+            </a:r>
+            <a:endParaRPr lang="en-US" b="1" dirty="0">
+              <a:solidFill>
+                <a:schemeClr val="lt1"/>
+              </a:solidFill>
+              <a:latin typeface="Times New Roman" panose="02020603050405020304"/>
+              <a:cs typeface="Times New Roman" panose="02020603050405020304"/>
+              <a:sym typeface="Times New Roman" panose="02020603050405020304"/>
+            </a:endParaRPr>
+          </a:p>
+          <a:p>
+            <a:pPr marL="594360" lvl="1" indent="0">
+              <a:lnSpc>
+                <a:spcPct val="200000"/>
+              </a:lnSpc>
+              <a:spcBef>
+                <a:spcPts val="0"/>
+              </a:spcBef>
+              <a:buClr>
+                <a:schemeClr val="lt1"/>
+              </a:buClr>
+              <a:buNone/>
+            </a:pPr>
+            <a:endParaRPr lang="en-US" dirty="0">
+              <a:solidFill>
+                <a:schemeClr val="lt1"/>
+              </a:solidFill>
+              <a:latin typeface="Times New Roman" panose="02020603050405020304"/>
+              <a:cs typeface="Times New Roman" panose="02020603050405020304"/>
+              <a:sym typeface="Times New Roman" panose="02020603050405020304"/>
+            </a:endParaRPr>
+          </a:p>
+          <a:p>
+            <a:pPr marL="594360" lvl="1" indent="0">
+              <a:lnSpc>
+                <a:spcPct val="200000"/>
+              </a:lnSpc>
+              <a:spcBef>
+                <a:spcPts val="0"/>
+              </a:spcBef>
+              <a:buClr>
+                <a:schemeClr val="lt1"/>
+              </a:buClr>
+              <a:buNone/>
+            </a:pPr>
+            <a:endParaRPr lang="en-US" dirty="0">
+              <a:solidFill>
+                <a:schemeClr val="lt1"/>
+              </a:solidFill>
+              <a:latin typeface="Times New Roman" panose="02020603050405020304"/>
+              <a:cs typeface="Times New Roman" panose="02020603050405020304"/>
+              <a:sym typeface="Times New Roman" panose="02020603050405020304"/>
+            </a:endParaRPr>
+          </a:p>
+        </p:txBody>
+      </p:sp>
+      <p:sp>
+        <p:nvSpPr>
+          <p:cNvPr id="152" name="Google Shape;152;geea522d09e_0_15"/>
+          <p:cNvSpPr txBox="1"/>
+          <p:nvPr/>
+        </p:nvSpPr>
+        <p:spPr>
+          <a:xfrm>
+            <a:off x="677334" y="678873"/>
+            <a:ext cx="7720942" cy="646290"/>
+          </a:xfrm>
+          <a:prstGeom prst="rect">
+            <a:avLst/>
+          </a:prstGeom>
+          <a:noFill/>
+          <a:ln>
+            <a:noFill/>
+          </a:ln>
+        </p:spPr>
+        <p:txBody>
+          <a:bodyPr spcFirstLastPara="1" wrap="square" lIns="91425" tIns="45700" rIns="91425" bIns="45700" anchor="t" anchorCtr="0">
+            <a:spAutoFit/>
+          </a:bodyPr>
+          <a:lstStyle/>
+          <a:p>
+            <a:pPr marL="0" marR="0" lvl="0" indent="0" algn="l" rtl="0">
+              <a:lnSpc>
+                <a:spcPct val="100000"/>
+              </a:lnSpc>
+              <a:spcBef>
+                <a:spcPts val="0"/>
+              </a:spcBef>
+              <a:spcAft>
+                <a:spcPts val="0"/>
+              </a:spcAft>
+              <a:buClr>
+                <a:srgbClr val="000000"/>
+              </a:buClr>
+              <a:buSzPts val="3600"/>
+              <a:buFont typeface="Arial" panose="020B0604020202020204"/>
+              <a:buNone/>
+            </a:pPr>
+            <a:r>
+              <a:rPr lang="en-US" sz="3600" b="0" i="0" u="none" strike="noStrike" cap="none" dirty="0">
+                <a:solidFill>
+                  <a:srgbClr val="93DF5F"/>
+                </a:solidFill>
+                <a:latin typeface="Times New Roman" panose="02020603050405020304"/>
+                <a:ea typeface="Times New Roman" panose="02020603050405020304"/>
+                <a:cs typeface="Times New Roman" panose="02020603050405020304"/>
+                <a:sym typeface="Times New Roman" panose="02020603050405020304"/>
+              </a:rPr>
+              <a:t>Filter in ASP.NET Core</a:t>
+            </a:r>
+            <a:endParaRPr sz="3600" b="0" i="0" u="none" strike="noStrike" cap="none" dirty="0">
+              <a:solidFill>
+                <a:srgbClr val="93DF5F"/>
+              </a:solidFill>
+              <a:latin typeface="Times New Roman" panose="02020603050405020304"/>
+              <a:ea typeface="Times New Roman" panose="02020603050405020304"/>
+              <a:cs typeface="Times New Roman" panose="02020603050405020304"/>
+              <a:sym typeface="Times New Roman" panose="02020603050405020304"/>
+            </a:endParaRPr>
+          </a:p>
+        </p:txBody>
+      </p:sp>
+      <p:cxnSp>
+        <p:nvCxnSpPr>
+          <p:cNvPr id="153" name="Google Shape;153;geea522d09e_0_15"/>
+          <p:cNvCxnSpPr/>
+          <p:nvPr/>
+        </p:nvCxnSpPr>
+        <p:spPr>
+          <a:xfrm>
+            <a:off x="776143" y="1325163"/>
+            <a:ext cx="5210700" cy="0"/>
+          </a:xfrm>
+          <a:prstGeom prst="straightConnector1">
+            <a:avLst/>
+          </a:prstGeom>
+          <a:noFill/>
+          <a:ln w="25400" cap="flat" cmpd="sng">
+            <a:solidFill>
+              <a:schemeClr val="accent1"/>
+            </a:solidFill>
+            <a:prstDash val="solid"/>
+            <a:round/>
+            <a:headEnd type="none" w="sm" len="sm"/>
+            <a:tailEnd type="none" w="sm" len="sm"/>
+          </a:ln>
+        </p:spPr>
+      </p:cxnSp>
+      <p:pic>
+        <p:nvPicPr>
+          <p:cNvPr id="154" name="Google Shape;154;geea522d09e_0_15"/>
+          <p:cNvPicPr preferRelativeResize="0"/>
+          <p:nvPr/>
+        </p:nvPicPr>
+        <p:blipFill rotWithShape="1">
+          <a:blip r:embed="rId3"/>
+          <a:srcRect/>
+          <a:stretch>
+            <a:fillRect/>
+          </a:stretch>
+        </p:blipFill>
+        <p:spPr>
+          <a:xfrm>
+            <a:off x="677316" y="6274352"/>
+            <a:ext cx="1639649" cy="413900"/>
+          </a:xfrm>
+          <a:prstGeom prst="rect">
+            <a:avLst/>
+          </a:prstGeom>
+          <a:noFill/>
+          <a:ln>
+            <a:noFill/>
+          </a:ln>
+        </p:spPr>
+      </p:pic>
+    </p:spTree>
+    <p:extLst>
+      <p:ext uri="{BB962C8B-B14F-4D97-AF65-F5344CB8AC3E}">
+        <p14:creationId xmlns:p14="http://schemas.microsoft.com/office/powerpoint/2010/main" val="1731101876"/>
+      </p:ext>
+    </p:extLst>
+  </p:cSld>
+  <p:clrMapOvr>
+    <a:masterClrMapping/>
+  </p:clrMapOvr>
+</p:sld>
+</file>
+
+<file path=ppt/slides/slide21.xml><?xml version="1.0" encoding="utf-8"?>
+<p:sld xmlns:a="http://schemas.openxmlformats.org/drawingml/2006/main" xmlns:r="http://schemas.openxmlformats.org/officeDocument/2006/relationships" xmlns:p="http://schemas.openxmlformats.org/presentationml/2006/main">
+  <p:cSld>
+    <p:spTree>
+      <p:nvGrpSpPr>
+        <p:cNvPr id="1" name="Shape 150"/>
+        <p:cNvGrpSpPr/>
+        <p:nvPr/>
+      </p:nvGrpSpPr>
+      <p:grpSpPr>
+        <a:xfrm>
+          <a:off x="0" y="0"/>
+          <a:ext cx="0" cy="0"/>
+          <a:chOff x="0" y="0"/>
+          <a:chExt cx="0" cy="0"/>
+        </a:xfrm>
+      </p:grpSpPr>
+      <p:sp>
+        <p:nvSpPr>
+          <p:cNvPr id="151" name="Google Shape;151;geea522d09e_0_15"/>
+          <p:cNvSpPr txBox="1">
+            <a:spLocks noGrp="1"/>
+          </p:cNvSpPr>
+          <p:nvPr>
+            <p:ph type="body" idx="1"/>
+          </p:nvPr>
+        </p:nvSpPr>
+        <p:spPr>
+          <a:xfrm>
+            <a:off x="695325" y="1450340"/>
+            <a:ext cx="8596630" cy="4840605"/>
+          </a:xfrm>
+          <a:prstGeom prst="rect">
+            <a:avLst/>
+          </a:prstGeom>
+          <a:noFill/>
+          <a:ln>
+            <a:noFill/>
+          </a:ln>
+        </p:spPr>
+        <p:txBody>
+          <a:bodyPr spcFirstLastPara="1" wrap="square" lIns="91425" tIns="45700" rIns="91425" bIns="45700" anchor="t" anchorCtr="0">
+            <a:noAutofit/>
+          </a:bodyPr>
+          <a:lstStyle/>
+          <a:p>
+            <a:pPr>
+              <a:lnSpc>
+                <a:spcPct val="200000"/>
+              </a:lnSpc>
+              <a:spcBef>
+                <a:spcPts val="0"/>
+              </a:spcBef>
+              <a:buClr>
+                <a:schemeClr val="lt1"/>
+              </a:buClr>
+            </a:pPr>
+            <a:r>
+              <a:rPr lang="en-US" dirty="0">
+                <a:solidFill>
+                  <a:schemeClr val="lt1"/>
+                </a:solidFill>
+                <a:latin typeface="Times New Roman" panose="02020603050405020304"/>
+                <a:cs typeface="Times New Roman" panose="02020603050405020304"/>
+                <a:sym typeface="Times New Roman" panose="02020603050405020304"/>
+              </a:rPr>
+              <a:t>For the filters that are implemented as Attribute and add directly to the controller or action methods, cannot have constructor dependencies.</a:t>
+            </a:r>
+          </a:p>
+          <a:p>
+            <a:pPr>
+              <a:lnSpc>
+                <a:spcPct val="200000"/>
+              </a:lnSpc>
+              <a:spcBef>
+                <a:spcPts val="0"/>
+              </a:spcBef>
+              <a:buClr>
+                <a:schemeClr val="lt1"/>
+              </a:buClr>
+            </a:pPr>
+            <a:r>
+              <a:rPr lang="en-US" dirty="0">
+                <a:solidFill>
+                  <a:schemeClr val="lt1"/>
+                </a:solidFill>
+                <a:latin typeface="Times New Roman" panose="02020603050405020304"/>
+                <a:cs typeface="Times New Roman" panose="02020603050405020304"/>
+                <a:sym typeface="Times New Roman" panose="02020603050405020304"/>
+              </a:rPr>
+              <a:t>Solution to deal with this limitation:</a:t>
+            </a:r>
+          </a:p>
+          <a:p>
+            <a:pPr lvl="1">
+              <a:lnSpc>
+                <a:spcPct val="200000"/>
+              </a:lnSpc>
+              <a:spcBef>
+                <a:spcPts val="0"/>
+              </a:spcBef>
+              <a:buClr>
+                <a:schemeClr val="lt1"/>
+              </a:buClr>
+            </a:pPr>
+            <a:r>
+              <a:rPr lang="en-US" sz="1800" dirty="0" err="1">
+                <a:solidFill>
+                  <a:schemeClr val="lt1"/>
+                </a:solidFill>
+                <a:latin typeface="Times New Roman" panose="02020603050405020304"/>
+                <a:cs typeface="Times New Roman" panose="02020603050405020304"/>
+              </a:rPr>
+              <a:t>ServiceFilterAttribute</a:t>
+            </a:r>
+            <a:endParaRPr lang="en-US" sz="1800" dirty="0">
+              <a:solidFill>
+                <a:schemeClr val="lt1"/>
+              </a:solidFill>
+              <a:latin typeface="Times New Roman" panose="02020603050405020304"/>
+              <a:cs typeface="Times New Roman" panose="02020603050405020304"/>
+            </a:endParaRPr>
+          </a:p>
+          <a:p>
+            <a:pPr lvl="1">
+              <a:lnSpc>
+                <a:spcPct val="200000"/>
+              </a:lnSpc>
+              <a:spcBef>
+                <a:spcPts val="0"/>
+              </a:spcBef>
+              <a:buClr>
+                <a:schemeClr val="lt1"/>
+              </a:buClr>
+            </a:pPr>
+            <a:r>
+              <a:rPr lang="en-US" sz="1800" dirty="0">
+                <a:solidFill>
+                  <a:schemeClr val="lt1"/>
+                </a:solidFill>
+                <a:latin typeface="Times New Roman" panose="02020603050405020304"/>
+                <a:cs typeface="Times New Roman" panose="02020603050405020304"/>
+                <a:sym typeface="Times New Roman" panose="02020603050405020304"/>
+              </a:rPr>
+              <a:t> </a:t>
+            </a:r>
+            <a:r>
+              <a:rPr lang="en-US" sz="1800" dirty="0" err="1">
+                <a:solidFill>
+                  <a:schemeClr val="lt1"/>
+                </a:solidFill>
+                <a:latin typeface="Times New Roman" panose="02020603050405020304"/>
+                <a:cs typeface="Times New Roman" panose="02020603050405020304"/>
+              </a:rPr>
+              <a:t>TypeFilterAttribute</a:t>
+            </a:r>
+            <a:endParaRPr lang="en-US" sz="1800" dirty="0">
+              <a:solidFill>
+                <a:schemeClr val="lt1"/>
+              </a:solidFill>
+              <a:latin typeface="Times New Roman" panose="02020603050405020304"/>
+              <a:cs typeface="Times New Roman" panose="02020603050405020304"/>
+            </a:endParaRPr>
+          </a:p>
+          <a:p>
+            <a:pPr lvl="1">
+              <a:lnSpc>
+                <a:spcPct val="200000"/>
+              </a:lnSpc>
+              <a:spcBef>
+                <a:spcPts val="0"/>
+              </a:spcBef>
+              <a:buClr>
+                <a:schemeClr val="lt1"/>
+              </a:buClr>
+            </a:pPr>
+            <a:r>
+              <a:rPr lang="en-US" sz="1800" dirty="0" err="1">
+                <a:solidFill>
+                  <a:schemeClr val="lt1"/>
+                </a:solidFill>
+                <a:latin typeface="Times New Roman" panose="02020603050405020304"/>
+                <a:cs typeface="Times New Roman" panose="02020603050405020304"/>
+              </a:rPr>
+              <a:t>IFilterFactory</a:t>
+            </a:r>
+            <a:endParaRPr lang="en-US" sz="1800" dirty="0">
+              <a:solidFill>
+                <a:schemeClr val="lt1"/>
+              </a:solidFill>
+              <a:latin typeface="Times New Roman" panose="02020603050405020304"/>
+              <a:cs typeface="Times New Roman" panose="02020603050405020304"/>
+              <a:sym typeface="Times New Roman" panose="02020603050405020304"/>
+            </a:endParaRPr>
+          </a:p>
+          <a:p>
+            <a:pPr>
+              <a:lnSpc>
+                <a:spcPct val="200000"/>
+              </a:lnSpc>
+              <a:spcBef>
+                <a:spcPts val="0"/>
+              </a:spcBef>
+              <a:buClr>
+                <a:schemeClr val="lt1"/>
+              </a:buClr>
+            </a:pPr>
+            <a:endParaRPr lang="en-US" dirty="0">
+              <a:solidFill>
+                <a:schemeClr val="lt1"/>
+              </a:solidFill>
+              <a:latin typeface="Times New Roman" panose="02020603050405020304"/>
+              <a:cs typeface="Times New Roman" panose="02020603050405020304"/>
+              <a:sym typeface="Times New Roman" panose="02020603050405020304"/>
+            </a:endParaRPr>
+          </a:p>
+          <a:p>
+            <a:pPr>
+              <a:lnSpc>
+                <a:spcPct val="200000"/>
+              </a:lnSpc>
+              <a:spcBef>
+                <a:spcPts val="0"/>
+              </a:spcBef>
+              <a:buClr>
+                <a:schemeClr val="lt1"/>
+              </a:buClr>
+            </a:pPr>
+            <a:endParaRPr lang="en-US" dirty="0">
+              <a:solidFill>
+                <a:schemeClr val="lt1"/>
+              </a:solidFill>
+              <a:latin typeface="Times New Roman" panose="02020603050405020304"/>
+              <a:cs typeface="Times New Roman" panose="02020603050405020304"/>
+              <a:sym typeface="Times New Roman" panose="02020603050405020304"/>
+            </a:endParaRPr>
+          </a:p>
+          <a:p>
+            <a:pPr marL="594360" lvl="1" indent="0">
+              <a:lnSpc>
+                <a:spcPct val="200000"/>
+              </a:lnSpc>
+              <a:spcBef>
+                <a:spcPts val="0"/>
+              </a:spcBef>
+              <a:buClr>
+                <a:schemeClr val="lt1"/>
+              </a:buClr>
+              <a:buNone/>
+            </a:pPr>
+            <a:endParaRPr lang="en-US" dirty="0">
+              <a:solidFill>
+                <a:schemeClr val="lt1"/>
+              </a:solidFill>
+              <a:latin typeface="Times New Roman" panose="02020603050405020304"/>
+              <a:cs typeface="Times New Roman" panose="02020603050405020304"/>
+              <a:sym typeface="Times New Roman" panose="02020603050405020304"/>
+            </a:endParaRPr>
+          </a:p>
+        </p:txBody>
+      </p:sp>
+      <p:sp>
+        <p:nvSpPr>
+          <p:cNvPr id="152" name="Google Shape;152;geea522d09e_0_15"/>
+          <p:cNvSpPr txBox="1"/>
+          <p:nvPr/>
+        </p:nvSpPr>
+        <p:spPr>
+          <a:xfrm>
+            <a:off x="677334" y="678873"/>
+            <a:ext cx="7720942" cy="646290"/>
+          </a:xfrm>
+          <a:prstGeom prst="rect">
+            <a:avLst/>
+          </a:prstGeom>
+          <a:noFill/>
+          <a:ln>
+            <a:noFill/>
+          </a:ln>
+        </p:spPr>
+        <p:txBody>
+          <a:bodyPr spcFirstLastPara="1" wrap="square" lIns="91425" tIns="45700" rIns="91425" bIns="45700" anchor="t" anchorCtr="0">
+            <a:spAutoFit/>
+          </a:bodyPr>
+          <a:lstStyle/>
+          <a:p>
+            <a:pPr marL="0" marR="0" lvl="0" indent="0" algn="l" rtl="0">
+              <a:lnSpc>
+                <a:spcPct val="100000"/>
+              </a:lnSpc>
+              <a:spcBef>
+                <a:spcPts val="0"/>
+              </a:spcBef>
+              <a:spcAft>
+                <a:spcPts val="0"/>
+              </a:spcAft>
+              <a:buClr>
+                <a:srgbClr val="000000"/>
+              </a:buClr>
+              <a:buSzPts val="3600"/>
+              <a:buFont typeface="Arial" panose="020B0604020202020204"/>
+              <a:buNone/>
+            </a:pPr>
+            <a:r>
+              <a:rPr lang="en-US" sz="3600" b="0" i="0" u="none" strike="noStrike" cap="none" dirty="0">
+                <a:solidFill>
+                  <a:srgbClr val="93DF5F"/>
+                </a:solidFill>
+                <a:latin typeface="Times New Roman" panose="02020603050405020304"/>
+                <a:ea typeface="Times New Roman" panose="02020603050405020304"/>
+                <a:cs typeface="Times New Roman" panose="02020603050405020304"/>
+                <a:sym typeface="Times New Roman" panose="02020603050405020304"/>
+              </a:rPr>
+              <a:t>Filter in ASP.NET Core</a:t>
+            </a:r>
+            <a:endParaRPr sz="3600" b="0" i="0" u="none" strike="noStrike" cap="none" dirty="0">
+              <a:solidFill>
+                <a:srgbClr val="93DF5F"/>
+              </a:solidFill>
+              <a:latin typeface="Times New Roman" panose="02020603050405020304"/>
+              <a:ea typeface="Times New Roman" panose="02020603050405020304"/>
+              <a:cs typeface="Times New Roman" panose="02020603050405020304"/>
+              <a:sym typeface="Times New Roman" panose="02020603050405020304"/>
+            </a:endParaRPr>
+          </a:p>
+        </p:txBody>
+      </p:sp>
+      <p:cxnSp>
+        <p:nvCxnSpPr>
+          <p:cNvPr id="153" name="Google Shape;153;geea522d09e_0_15"/>
+          <p:cNvCxnSpPr/>
+          <p:nvPr/>
+        </p:nvCxnSpPr>
+        <p:spPr>
+          <a:xfrm>
+            <a:off x="776143" y="1325163"/>
+            <a:ext cx="5210700" cy="0"/>
+          </a:xfrm>
+          <a:prstGeom prst="straightConnector1">
+            <a:avLst/>
+          </a:prstGeom>
+          <a:noFill/>
+          <a:ln w="25400" cap="flat" cmpd="sng">
+            <a:solidFill>
+              <a:schemeClr val="accent1"/>
+            </a:solidFill>
+            <a:prstDash val="solid"/>
+            <a:round/>
+            <a:headEnd type="none" w="sm" len="sm"/>
+            <a:tailEnd type="none" w="sm" len="sm"/>
+          </a:ln>
+        </p:spPr>
+      </p:cxnSp>
+      <p:pic>
+        <p:nvPicPr>
+          <p:cNvPr id="154" name="Google Shape;154;geea522d09e_0_15"/>
+          <p:cNvPicPr preferRelativeResize="0"/>
+          <p:nvPr/>
+        </p:nvPicPr>
+        <p:blipFill rotWithShape="1">
+          <a:blip r:embed="rId3"/>
+          <a:srcRect/>
+          <a:stretch>
+            <a:fillRect/>
+          </a:stretch>
+        </p:blipFill>
+        <p:spPr>
+          <a:xfrm>
+            <a:off x="677316" y="6274352"/>
+            <a:ext cx="1639649" cy="413900"/>
+          </a:xfrm>
+          <a:prstGeom prst="rect">
+            <a:avLst/>
+          </a:prstGeom>
+          <a:noFill/>
+          <a:ln>
+            <a:noFill/>
+          </a:ln>
+        </p:spPr>
+      </p:pic>
+    </p:spTree>
+    <p:extLst>
+      <p:ext uri="{BB962C8B-B14F-4D97-AF65-F5344CB8AC3E}">
+        <p14:creationId xmlns:p14="http://schemas.microsoft.com/office/powerpoint/2010/main" val="2151674157"/>
+      </p:ext>
+    </p:extLst>
+  </p:cSld>
+  <p:clrMapOvr>
+    <a:masterClrMapping/>
+  </p:clrMapOvr>
+</p:sld>
+</file>
+
+<file path=ppt/slides/slide22.xml><?xml version="1.0" encoding="utf-8"?>
+<p:sld xmlns:a="http://schemas.openxmlformats.org/drawingml/2006/main" xmlns:r="http://schemas.openxmlformats.org/officeDocument/2006/relationships" xmlns:p="http://schemas.openxmlformats.org/presentationml/2006/main">
+  <p:cSld>
+    <p:spTree>
+      <p:nvGrpSpPr>
+        <p:cNvPr id="1" name="Shape 150"/>
+        <p:cNvGrpSpPr/>
+        <p:nvPr/>
+      </p:nvGrpSpPr>
+      <p:grpSpPr>
+        <a:xfrm>
+          <a:off x="0" y="0"/>
+          <a:ext cx="0" cy="0"/>
+          <a:chOff x="0" y="0"/>
+          <a:chExt cx="0" cy="0"/>
+        </a:xfrm>
+      </p:grpSpPr>
+      <p:sp>
+        <p:nvSpPr>
+          <p:cNvPr id="151" name="Google Shape;151;geea522d09e_0_15"/>
+          <p:cNvSpPr txBox="1">
+            <a:spLocks noGrp="1"/>
+          </p:cNvSpPr>
+          <p:nvPr>
+            <p:ph type="body" idx="1"/>
+          </p:nvPr>
+        </p:nvSpPr>
+        <p:spPr>
+          <a:xfrm>
+            <a:off x="695325" y="1450340"/>
+            <a:ext cx="8596630" cy="4840605"/>
+          </a:xfrm>
+          <a:prstGeom prst="rect">
+            <a:avLst/>
+          </a:prstGeom>
+          <a:noFill/>
+          <a:ln>
+            <a:noFill/>
+          </a:ln>
+        </p:spPr>
+        <p:txBody>
+          <a:bodyPr spcFirstLastPara="1" wrap="square" lIns="91425" tIns="45700" rIns="91425" bIns="45700" anchor="t" anchorCtr="0">
+            <a:noAutofit/>
+          </a:bodyPr>
+          <a:lstStyle/>
+          <a:p>
+            <a:pPr>
+              <a:lnSpc>
+                <a:spcPct val="200000"/>
+              </a:lnSpc>
+              <a:spcBef>
+                <a:spcPts val="0"/>
+              </a:spcBef>
+              <a:buClr>
+                <a:schemeClr val="lt1"/>
+              </a:buClr>
+            </a:pPr>
+            <a:r>
               <a:rPr lang="en-US" sz="1800" dirty="0" err="1">
                 <a:solidFill>
                   <a:schemeClr val="lt1"/>
@@ -29017,7 +30128,7 @@
 </p:sld>
 </file>
 
-<file path=ppt/slides/slide21.xml><?xml version="1.0" encoding="utf-8"?>
+<file path=ppt/slides/slide23.xml><?xml version="1.0" encoding="utf-8"?>
 <p:sld xmlns:a="http://schemas.openxmlformats.org/drawingml/2006/main" xmlns:r="http://schemas.openxmlformats.org/officeDocument/2006/relationships" xmlns:p="http://schemas.openxmlformats.org/presentationml/2006/main">
   <p:cSld>
     <p:spTree>
@@ -29328,7 +30439,7 @@
 </p:sld>
 </file>
 
-<file path=ppt/slides/slide22.xml><?xml version="1.0" encoding="utf-8"?>
+<file path=ppt/slides/slide24.xml><?xml version="1.0" encoding="utf-8"?>
 <p:sld xmlns:a="http://schemas.openxmlformats.org/drawingml/2006/main" xmlns:r="http://schemas.openxmlformats.org/officeDocument/2006/relationships" xmlns:p="http://schemas.openxmlformats.org/presentationml/2006/main">
   <p:cSld>
     <p:spTree>
@@ -29744,7 +30855,7 @@
 </p:sld>
 </file>
 
-<file path=ppt/slides/slide23.xml><?xml version="1.0" encoding="utf-8"?>
+<file path=ppt/slides/slide25.xml><?xml version="1.0" encoding="utf-8"?>
 <p:sld xmlns:a="http://schemas.openxmlformats.org/drawingml/2006/main" xmlns:r="http://schemas.openxmlformats.org/officeDocument/2006/relationships" xmlns:p="http://schemas.openxmlformats.org/presentationml/2006/main">
   <p:cSld>
     <p:spTree>
@@ -30198,7 +31309,7 @@
 </p:sld>
 </file>
 
-<file path=ppt/slides/slide24.xml><?xml version="1.0" encoding="utf-8"?>
+<file path=ppt/slides/slide26.xml><?xml version="1.0" encoding="utf-8"?>
 <p:sld xmlns:a="http://schemas.openxmlformats.org/drawingml/2006/main" xmlns:r="http://schemas.openxmlformats.org/officeDocument/2006/relationships" xmlns:p="http://schemas.openxmlformats.org/presentationml/2006/main">
   <p:cSld>
     <p:spTree>
@@ -30428,7 +31539,7 @@
 </p:sld>
 </file>
 
-<file path=ppt/slides/slide25.xml><?xml version="1.0" encoding="utf-8"?>
+<file path=ppt/slides/slide27.xml><?xml version="1.0" encoding="utf-8"?>
 <p:sld xmlns:a="http://schemas.openxmlformats.org/drawingml/2006/main" xmlns:r="http://schemas.openxmlformats.org/officeDocument/2006/relationships" xmlns:p="http://schemas.openxmlformats.org/presentationml/2006/main">
   <p:cSld>
     <p:spTree>
@@ -30786,7 +31897,7 @@
 </p:sld>
 </file>
 
-<file path=ppt/slides/slide26.xml><?xml version="1.0" encoding="utf-8"?>
+<file path=ppt/slides/slide28.xml><?xml version="1.0" encoding="utf-8"?>
 <p:sld xmlns:a="http://schemas.openxmlformats.org/drawingml/2006/main" xmlns:r="http://schemas.openxmlformats.org/officeDocument/2006/relationships" xmlns:p="http://schemas.openxmlformats.org/presentationml/2006/main">
   <p:cSld>
     <p:spTree>
@@ -31047,7 +32158,7 @@
 </p:sld>
 </file>
 
-<file path=ppt/slides/slide27.xml><?xml version="1.0" encoding="utf-8"?>
+<file path=ppt/slides/slide29.xml><?xml version="1.0" encoding="utf-8"?>
 <p:sld xmlns:a="http://schemas.openxmlformats.org/drawingml/2006/main" xmlns:r="http://schemas.openxmlformats.org/officeDocument/2006/relationships" xmlns:p="http://schemas.openxmlformats.org/presentationml/2006/main">
   <p:cSld>
     <p:spTree>
@@ -31308,247 +32419,6 @@
 </p:sld>
 </file>
 
-<file path=ppt/slides/slide28.xml><?xml version="1.0" encoding="utf-8"?>
-<p:sld xmlns:a="http://schemas.openxmlformats.org/drawingml/2006/main" xmlns:r="http://schemas.openxmlformats.org/officeDocument/2006/relationships" xmlns:p="http://schemas.openxmlformats.org/presentationml/2006/main">
-  <p:cSld>
-    <p:spTree>
-      <p:nvGrpSpPr>
-        <p:cNvPr id="1" name="Shape 158"/>
-        <p:cNvGrpSpPr/>
-        <p:nvPr/>
-      </p:nvGrpSpPr>
-      <p:grpSpPr>
-        <a:xfrm>
-          <a:off x="0" y="0"/>
-          <a:ext cx="0" cy="0"/>
-          <a:chOff x="0" y="0"/>
-          <a:chExt cx="0" cy="0"/>
-        </a:xfrm>
-      </p:grpSpPr>
-      <p:pic>
-        <p:nvPicPr>
-          <p:cNvPr id="161" name="Google Shape;161;geef53d5d55_1_345"/>
-          <p:cNvPicPr preferRelativeResize="0"/>
-          <p:nvPr/>
-        </p:nvPicPr>
-        <p:blipFill rotWithShape="1">
-          <a:blip r:embed="rId3"/>
-          <a:srcRect/>
-          <a:stretch>
-            <a:fillRect/>
-          </a:stretch>
-        </p:blipFill>
-        <p:spPr>
-          <a:xfrm>
-            <a:off x="677316" y="6274352"/>
-            <a:ext cx="1639649" cy="413900"/>
-          </a:xfrm>
-          <a:prstGeom prst="rect">
-            <a:avLst/>
-          </a:prstGeom>
-          <a:noFill/>
-          <a:ln>
-            <a:noFill/>
-          </a:ln>
-        </p:spPr>
-      </p:pic>
-      <p:sp>
-        <p:nvSpPr>
-          <p:cNvPr id="162" name="Google Shape;162;geef53d5d55_1_345"/>
-          <p:cNvSpPr txBox="1"/>
-          <p:nvPr/>
-        </p:nvSpPr>
-        <p:spPr>
-          <a:xfrm>
-            <a:off x="4195050" y="2735425"/>
-            <a:ext cx="1992000" cy="828675"/>
-          </a:xfrm>
-          <a:prstGeom prst="rect">
-            <a:avLst/>
-          </a:prstGeom>
-          <a:noFill/>
-          <a:ln>
-            <a:noFill/>
-          </a:ln>
-        </p:spPr>
-        <p:txBody>
-          <a:bodyPr spcFirstLastPara="1" wrap="square" lIns="91425" tIns="45700" rIns="91425" bIns="45700" anchor="t" anchorCtr="0">
-            <a:spAutoFit/>
-          </a:bodyPr>
-          <a:lstStyle/>
-          <a:p>
-            <a:pPr marL="0" marR="0" lvl="0" indent="0" algn="l" rtl="0">
-              <a:lnSpc>
-                <a:spcPct val="100000"/>
-              </a:lnSpc>
-              <a:spcBef>
-                <a:spcPts val="0"/>
-              </a:spcBef>
-              <a:spcAft>
-                <a:spcPts val="0"/>
-              </a:spcAft>
-              <a:buClr>
-                <a:srgbClr val="000000"/>
-              </a:buClr>
-              <a:buSzPts val="4800"/>
-              <a:buFont typeface="Arial" panose="020B0604020202020204"/>
-              <a:buNone/>
-            </a:pPr>
-            <a:r>
-              <a:rPr lang="en-US" sz="4800" b="0" i="0" u="none" strike="noStrike" cap="none" dirty="0">
-                <a:solidFill>
-                  <a:schemeClr val="lt1"/>
-                </a:solidFill>
-                <a:latin typeface="Times New Roman" panose="02020603050405020304"/>
-                <a:ea typeface="Times New Roman" panose="02020603050405020304"/>
-                <a:cs typeface="Times New Roman" panose="02020603050405020304"/>
-                <a:sym typeface="Times New Roman" panose="02020603050405020304"/>
-              </a:rPr>
-              <a:t>Demo</a:t>
-            </a:r>
-            <a:endParaRPr sz="4800" b="0" i="0" u="none" strike="noStrike" cap="none" dirty="0">
-              <a:solidFill>
-                <a:schemeClr val="lt1"/>
-              </a:solidFill>
-              <a:latin typeface="Times New Roman" panose="02020603050405020304"/>
-              <a:ea typeface="Times New Roman" panose="02020603050405020304"/>
-              <a:cs typeface="Times New Roman" panose="02020603050405020304"/>
-              <a:sym typeface="Times New Roman" panose="02020603050405020304"/>
-            </a:endParaRPr>
-          </a:p>
-        </p:txBody>
-      </p:sp>
-    </p:spTree>
-    <p:extLst>
-      <p:ext uri="{BB962C8B-B14F-4D97-AF65-F5344CB8AC3E}">
-        <p14:creationId xmlns:p14="http://schemas.microsoft.com/office/powerpoint/2010/main" val="4082395496"/>
-      </p:ext>
-    </p:extLst>
-  </p:cSld>
-  <p:clrMapOvr>
-    <a:masterClrMapping/>
-  </p:clrMapOvr>
-</p:sld>
-</file>
-
-<file path=ppt/slides/slide29.xml><?xml version="1.0" encoding="utf-8"?>
-<p:sld xmlns:a="http://schemas.openxmlformats.org/drawingml/2006/main" xmlns:r="http://schemas.openxmlformats.org/officeDocument/2006/relationships" xmlns:p="http://schemas.openxmlformats.org/presentationml/2006/main">
-  <p:cSld>
-    <p:spTree>
-      <p:nvGrpSpPr>
-        <p:cNvPr id="1" name="Shape 158"/>
-        <p:cNvGrpSpPr/>
-        <p:nvPr/>
-      </p:nvGrpSpPr>
-      <p:grpSpPr>
-        <a:xfrm>
-          <a:off x="0" y="0"/>
-          <a:ext cx="0" cy="0"/>
-          <a:chOff x="0" y="0"/>
-          <a:chExt cx="0" cy="0"/>
-        </a:xfrm>
-      </p:grpSpPr>
-      <p:pic>
-        <p:nvPicPr>
-          <p:cNvPr id="161" name="Google Shape;161;geef53d5d55_1_345"/>
-          <p:cNvPicPr preferRelativeResize="0"/>
-          <p:nvPr/>
-        </p:nvPicPr>
-        <p:blipFill rotWithShape="1">
-          <a:blip r:embed="rId3"/>
-          <a:srcRect/>
-          <a:stretch>
-            <a:fillRect/>
-          </a:stretch>
-        </p:blipFill>
-        <p:spPr>
-          <a:xfrm>
-            <a:off x="677316" y="6274352"/>
-            <a:ext cx="1639649" cy="413900"/>
-          </a:xfrm>
-          <a:prstGeom prst="rect">
-            <a:avLst/>
-          </a:prstGeom>
-          <a:noFill/>
-          <a:ln>
-            <a:noFill/>
-          </a:ln>
-        </p:spPr>
-      </p:pic>
-      <p:sp>
-        <p:nvSpPr>
-          <p:cNvPr id="162" name="Google Shape;162;geef53d5d55_1_345"/>
-          <p:cNvSpPr txBox="1"/>
-          <p:nvPr/>
-        </p:nvSpPr>
-        <p:spPr>
-          <a:xfrm>
-            <a:off x="4195050" y="2735425"/>
-            <a:ext cx="1992000" cy="831000"/>
-          </a:xfrm>
-          <a:prstGeom prst="rect">
-            <a:avLst/>
-          </a:prstGeom>
-          <a:noFill/>
-          <a:ln>
-            <a:noFill/>
-          </a:ln>
-        </p:spPr>
-        <p:txBody>
-          <a:bodyPr spcFirstLastPara="1" wrap="square" lIns="91425" tIns="45700" rIns="91425" bIns="45700" anchor="t" anchorCtr="0">
-            <a:spAutoFit/>
-          </a:bodyPr>
-          <a:lstStyle/>
-          <a:p>
-            <a:pPr marL="0" marR="0" lvl="0" indent="0" algn="l" rtl="0">
-              <a:lnSpc>
-                <a:spcPct val="100000"/>
-              </a:lnSpc>
-              <a:spcBef>
-                <a:spcPts val="0"/>
-              </a:spcBef>
-              <a:spcAft>
-                <a:spcPts val="0"/>
-              </a:spcAft>
-              <a:buClr>
-                <a:srgbClr val="000000"/>
-              </a:buClr>
-              <a:buSzPts val="4800"/>
-              <a:buFont typeface="Arial" panose="020B0604020202020204"/>
-              <a:buNone/>
-            </a:pPr>
-            <a:r>
-              <a:rPr lang="en-US" sz="4800" b="0" i="0" u="none" strike="noStrike" cap="none">
-                <a:solidFill>
-                  <a:schemeClr val="lt1"/>
-                </a:solidFill>
-                <a:latin typeface="Times New Roman" panose="02020603050405020304"/>
-                <a:ea typeface="Times New Roman" panose="02020603050405020304"/>
-                <a:cs typeface="Times New Roman" panose="02020603050405020304"/>
-                <a:sym typeface="Times New Roman" panose="02020603050405020304"/>
-              </a:rPr>
-              <a:t>Q &amp; A</a:t>
-            </a:r>
-            <a:endParaRPr sz="4800" b="0" i="0" u="none" strike="noStrike" cap="none">
-              <a:solidFill>
-                <a:schemeClr val="lt1"/>
-              </a:solidFill>
-              <a:latin typeface="Times New Roman" panose="02020603050405020304"/>
-              <a:ea typeface="Times New Roman" panose="02020603050405020304"/>
-              <a:cs typeface="Times New Roman" panose="02020603050405020304"/>
-              <a:sym typeface="Times New Roman" panose="02020603050405020304"/>
-            </a:endParaRPr>
-          </a:p>
-        </p:txBody>
-      </p:sp>
-    </p:spTree>
-  </p:cSld>
-  <p:clrMapOvr>
-    <a:masterClrMapping/>
-  </p:clrMapOvr>
-</p:sld>
-</file>
-
 <file path=ppt/slides/slide3.xml><?xml version="1.0" encoding="utf-8"?>
 <p:sld xmlns:a="http://schemas.openxmlformats.org/drawingml/2006/main" xmlns:r="http://schemas.openxmlformats.org/officeDocument/2006/relationships" xmlns:p="http://schemas.openxmlformats.org/presentationml/2006/main">
   <p:cSld>
@@ -31862,6 +32732,247 @@
 </file>
 
 <file path=ppt/slides/slide30.xml><?xml version="1.0" encoding="utf-8"?>
+<p:sld xmlns:a="http://schemas.openxmlformats.org/drawingml/2006/main" xmlns:r="http://schemas.openxmlformats.org/officeDocument/2006/relationships" xmlns:p="http://schemas.openxmlformats.org/presentationml/2006/main">
+  <p:cSld>
+    <p:spTree>
+      <p:nvGrpSpPr>
+        <p:cNvPr id="1" name="Shape 158"/>
+        <p:cNvGrpSpPr/>
+        <p:nvPr/>
+      </p:nvGrpSpPr>
+      <p:grpSpPr>
+        <a:xfrm>
+          <a:off x="0" y="0"/>
+          <a:ext cx="0" cy="0"/>
+          <a:chOff x="0" y="0"/>
+          <a:chExt cx="0" cy="0"/>
+        </a:xfrm>
+      </p:grpSpPr>
+      <p:pic>
+        <p:nvPicPr>
+          <p:cNvPr id="161" name="Google Shape;161;geef53d5d55_1_345"/>
+          <p:cNvPicPr preferRelativeResize="0"/>
+          <p:nvPr/>
+        </p:nvPicPr>
+        <p:blipFill rotWithShape="1">
+          <a:blip r:embed="rId3"/>
+          <a:srcRect/>
+          <a:stretch>
+            <a:fillRect/>
+          </a:stretch>
+        </p:blipFill>
+        <p:spPr>
+          <a:xfrm>
+            <a:off x="677316" y="6274352"/>
+            <a:ext cx="1639649" cy="413900"/>
+          </a:xfrm>
+          <a:prstGeom prst="rect">
+            <a:avLst/>
+          </a:prstGeom>
+          <a:noFill/>
+          <a:ln>
+            <a:noFill/>
+          </a:ln>
+        </p:spPr>
+      </p:pic>
+      <p:sp>
+        <p:nvSpPr>
+          <p:cNvPr id="162" name="Google Shape;162;geef53d5d55_1_345"/>
+          <p:cNvSpPr txBox="1"/>
+          <p:nvPr/>
+        </p:nvSpPr>
+        <p:spPr>
+          <a:xfrm>
+            <a:off x="4195050" y="2735425"/>
+            <a:ext cx="1992000" cy="828675"/>
+          </a:xfrm>
+          <a:prstGeom prst="rect">
+            <a:avLst/>
+          </a:prstGeom>
+          <a:noFill/>
+          <a:ln>
+            <a:noFill/>
+          </a:ln>
+        </p:spPr>
+        <p:txBody>
+          <a:bodyPr spcFirstLastPara="1" wrap="square" lIns="91425" tIns="45700" rIns="91425" bIns="45700" anchor="t" anchorCtr="0">
+            <a:spAutoFit/>
+          </a:bodyPr>
+          <a:lstStyle/>
+          <a:p>
+            <a:pPr marL="0" marR="0" lvl="0" indent="0" algn="l" rtl="0">
+              <a:lnSpc>
+                <a:spcPct val="100000"/>
+              </a:lnSpc>
+              <a:spcBef>
+                <a:spcPts val="0"/>
+              </a:spcBef>
+              <a:spcAft>
+                <a:spcPts val="0"/>
+              </a:spcAft>
+              <a:buClr>
+                <a:srgbClr val="000000"/>
+              </a:buClr>
+              <a:buSzPts val="4800"/>
+              <a:buFont typeface="Arial" panose="020B0604020202020204"/>
+              <a:buNone/>
+            </a:pPr>
+            <a:r>
+              <a:rPr lang="en-US" sz="4800" b="0" i="0" u="none" strike="noStrike" cap="none" dirty="0">
+                <a:solidFill>
+                  <a:schemeClr val="lt1"/>
+                </a:solidFill>
+                <a:latin typeface="Times New Roman" panose="02020603050405020304"/>
+                <a:ea typeface="Times New Roman" panose="02020603050405020304"/>
+                <a:cs typeface="Times New Roman" panose="02020603050405020304"/>
+                <a:sym typeface="Times New Roman" panose="02020603050405020304"/>
+              </a:rPr>
+              <a:t>Demo</a:t>
+            </a:r>
+            <a:endParaRPr sz="4800" b="0" i="0" u="none" strike="noStrike" cap="none" dirty="0">
+              <a:solidFill>
+                <a:schemeClr val="lt1"/>
+              </a:solidFill>
+              <a:latin typeface="Times New Roman" panose="02020603050405020304"/>
+              <a:ea typeface="Times New Roman" panose="02020603050405020304"/>
+              <a:cs typeface="Times New Roman" panose="02020603050405020304"/>
+              <a:sym typeface="Times New Roman" panose="02020603050405020304"/>
+            </a:endParaRPr>
+          </a:p>
+        </p:txBody>
+      </p:sp>
+    </p:spTree>
+    <p:extLst>
+      <p:ext uri="{BB962C8B-B14F-4D97-AF65-F5344CB8AC3E}">
+        <p14:creationId xmlns:p14="http://schemas.microsoft.com/office/powerpoint/2010/main" val="4082395496"/>
+      </p:ext>
+    </p:extLst>
+  </p:cSld>
+  <p:clrMapOvr>
+    <a:masterClrMapping/>
+  </p:clrMapOvr>
+</p:sld>
+</file>
+
+<file path=ppt/slides/slide31.xml><?xml version="1.0" encoding="utf-8"?>
+<p:sld xmlns:a="http://schemas.openxmlformats.org/drawingml/2006/main" xmlns:r="http://schemas.openxmlformats.org/officeDocument/2006/relationships" xmlns:p="http://schemas.openxmlformats.org/presentationml/2006/main">
+  <p:cSld>
+    <p:spTree>
+      <p:nvGrpSpPr>
+        <p:cNvPr id="1" name="Shape 158"/>
+        <p:cNvGrpSpPr/>
+        <p:nvPr/>
+      </p:nvGrpSpPr>
+      <p:grpSpPr>
+        <a:xfrm>
+          <a:off x="0" y="0"/>
+          <a:ext cx="0" cy="0"/>
+          <a:chOff x="0" y="0"/>
+          <a:chExt cx="0" cy="0"/>
+        </a:xfrm>
+      </p:grpSpPr>
+      <p:pic>
+        <p:nvPicPr>
+          <p:cNvPr id="161" name="Google Shape;161;geef53d5d55_1_345"/>
+          <p:cNvPicPr preferRelativeResize="0"/>
+          <p:nvPr/>
+        </p:nvPicPr>
+        <p:blipFill rotWithShape="1">
+          <a:blip r:embed="rId3"/>
+          <a:srcRect/>
+          <a:stretch>
+            <a:fillRect/>
+          </a:stretch>
+        </p:blipFill>
+        <p:spPr>
+          <a:xfrm>
+            <a:off x="677316" y="6274352"/>
+            <a:ext cx="1639649" cy="413900"/>
+          </a:xfrm>
+          <a:prstGeom prst="rect">
+            <a:avLst/>
+          </a:prstGeom>
+          <a:noFill/>
+          <a:ln>
+            <a:noFill/>
+          </a:ln>
+        </p:spPr>
+      </p:pic>
+      <p:sp>
+        <p:nvSpPr>
+          <p:cNvPr id="162" name="Google Shape;162;geef53d5d55_1_345"/>
+          <p:cNvSpPr txBox="1"/>
+          <p:nvPr/>
+        </p:nvSpPr>
+        <p:spPr>
+          <a:xfrm>
+            <a:off x="4195050" y="2735425"/>
+            <a:ext cx="1992000" cy="831000"/>
+          </a:xfrm>
+          <a:prstGeom prst="rect">
+            <a:avLst/>
+          </a:prstGeom>
+          <a:noFill/>
+          <a:ln>
+            <a:noFill/>
+          </a:ln>
+        </p:spPr>
+        <p:txBody>
+          <a:bodyPr spcFirstLastPara="1" wrap="square" lIns="91425" tIns="45700" rIns="91425" bIns="45700" anchor="t" anchorCtr="0">
+            <a:spAutoFit/>
+          </a:bodyPr>
+          <a:lstStyle/>
+          <a:p>
+            <a:pPr marL="0" marR="0" lvl="0" indent="0" algn="l" rtl="0">
+              <a:lnSpc>
+                <a:spcPct val="100000"/>
+              </a:lnSpc>
+              <a:spcBef>
+                <a:spcPts val="0"/>
+              </a:spcBef>
+              <a:spcAft>
+                <a:spcPts val="0"/>
+              </a:spcAft>
+              <a:buClr>
+                <a:srgbClr val="000000"/>
+              </a:buClr>
+              <a:buSzPts val="4800"/>
+              <a:buFont typeface="Arial" panose="020B0604020202020204"/>
+              <a:buNone/>
+            </a:pPr>
+            <a:r>
+              <a:rPr lang="en-US" sz="4800" b="0" i="0" u="none" strike="noStrike" cap="none">
+                <a:solidFill>
+                  <a:schemeClr val="lt1"/>
+                </a:solidFill>
+                <a:latin typeface="Times New Roman" panose="02020603050405020304"/>
+                <a:ea typeface="Times New Roman" panose="02020603050405020304"/>
+                <a:cs typeface="Times New Roman" panose="02020603050405020304"/>
+                <a:sym typeface="Times New Roman" panose="02020603050405020304"/>
+              </a:rPr>
+              <a:t>Q &amp; A</a:t>
+            </a:r>
+            <a:endParaRPr sz="4800" b="0" i="0" u="none" strike="noStrike" cap="none">
+              <a:solidFill>
+                <a:schemeClr val="lt1"/>
+              </a:solidFill>
+              <a:latin typeface="Times New Roman" panose="02020603050405020304"/>
+              <a:ea typeface="Times New Roman" panose="02020603050405020304"/>
+              <a:cs typeface="Times New Roman" panose="02020603050405020304"/>
+              <a:sym typeface="Times New Roman" panose="02020603050405020304"/>
+            </a:endParaRPr>
+          </a:p>
+        </p:txBody>
+      </p:sp>
+    </p:spTree>
+  </p:cSld>
+  <p:clrMapOvr>
+    <a:masterClrMapping/>
+  </p:clrMapOvr>
+</p:sld>
+</file>
+
+<file path=ppt/slides/slide32.xml><?xml version="1.0" encoding="utf-8"?>
 <p:sld xmlns:a="http://schemas.openxmlformats.org/drawingml/2006/main" xmlns:r="http://schemas.openxmlformats.org/officeDocument/2006/relationships" xmlns:p="http://schemas.openxmlformats.org/presentationml/2006/main">
   <p:cSld>
     <p:spTree>
